--- a/docs/howdo.pptx
+++ b/docs/howdo.pptx
@@ -105,6 +105,11 @@
       </a:defRPr>
     </a:lvl9pPr>
   </p:defaultTextStyle>
+  <p:extLst>
+    <p:ext uri="{EFAFB233-063F-42B5-8137-9DF3F51BA10A}">
+      <p15:sldGuideLst xmlns:p15="http://schemas.microsoft.com/office/powerpoint/2012/main"/>
+    </p:ext>
+  </p:extLst>
 </p:presentation>
 </file>
 
@@ -10367,7 +10372,7 @@
           <a:p>
             <a:fld id="{27609136-5E7D-4F05-9F92-740AE04E8768}" type="datetimeFigureOut">
               <a:rPr lang="ko-KR" altLang="en-US" smtClean="0"/>
-              <a:t>2023-01-16</a:t>
+              <a:t>2023-01-20</a:t>
             </a:fld>
             <a:endParaRPr lang="ko-KR" altLang="en-US"/>
           </a:p>
@@ -10565,7 +10570,7 @@
           <a:p>
             <a:fld id="{27609136-5E7D-4F05-9F92-740AE04E8768}" type="datetimeFigureOut">
               <a:rPr lang="ko-KR" altLang="en-US" smtClean="0"/>
-              <a:t>2023-01-16</a:t>
+              <a:t>2023-01-20</a:t>
             </a:fld>
             <a:endParaRPr lang="ko-KR" altLang="en-US"/>
           </a:p>
@@ -10773,7 +10778,7 @@
           <a:p>
             <a:fld id="{27609136-5E7D-4F05-9F92-740AE04E8768}" type="datetimeFigureOut">
               <a:rPr lang="ko-KR" altLang="en-US" smtClean="0"/>
-              <a:t>2023-01-16</a:t>
+              <a:t>2023-01-20</a:t>
             </a:fld>
             <a:endParaRPr lang="ko-KR" altLang="en-US"/>
           </a:p>
@@ -10971,7 +10976,7 @@
           <a:p>
             <a:fld id="{27609136-5E7D-4F05-9F92-740AE04E8768}" type="datetimeFigureOut">
               <a:rPr lang="ko-KR" altLang="en-US" smtClean="0"/>
-              <a:t>2023-01-16</a:t>
+              <a:t>2023-01-20</a:t>
             </a:fld>
             <a:endParaRPr lang="ko-KR" altLang="en-US"/>
           </a:p>
@@ -11246,7 +11251,7 @@
           <a:p>
             <a:fld id="{27609136-5E7D-4F05-9F92-740AE04E8768}" type="datetimeFigureOut">
               <a:rPr lang="ko-KR" altLang="en-US" smtClean="0"/>
-              <a:t>2023-01-16</a:t>
+              <a:t>2023-01-20</a:t>
             </a:fld>
             <a:endParaRPr lang="ko-KR" altLang="en-US"/>
           </a:p>
@@ -11511,7 +11516,7 @@
           <a:p>
             <a:fld id="{27609136-5E7D-4F05-9F92-740AE04E8768}" type="datetimeFigureOut">
               <a:rPr lang="ko-KR" altLang="en-US" smtClean="0"/>
-              <a:t>2023-01-16</a:t>
+              <a:t>2023-01-20</a:t>
             </a:fld>
             <a:endParaRPr lang="ko-KR" altLang="en-US"/>
           </a:p>
@@ -11923,7 +11928,7 @@
           <a:p>
             <a:fld id="{27609136-5E7D-4F05-9F92-740AE04E8768}" type="datetimeFigureOut">
               <a:rPr lang="ko-KR" altLang="en-US" smtClean="0"/>
-              <a:t>2023-01-16</a:t>
+              <a:t>2023-01-20</a:t>
             </a:fld>
             <a:endParaRPr lang="ko-KR" altLang="en-US"/>
           </a:p>
@@ -12064,7 +12069,7 @@
           <a:p>
             <a:fld id="{27609136-5E7D-4F05-9F92-740AE04E8768}" type="datetimeFigureOut">
               <a:rPr lang="ko-KR" altLang="en-US" smtClean="0"/>
-              <a:t>2023-01-16</a:t>
+              <a:t>2023-01-20</a:t>
             </a:fld>
             <a:endParaRPr lang="ko-KR" altLang="en-US"/>
           </a:p>
@@ -12177,7 +12182,7 @@
           <a:p>
             <a:fld id="{27609136-5E7D-4F05-9F92-740AE04E8768}" type="datetimeFigureOut">
               <a:rPr lang="ko-KR" altLang="en-US" smtClean="0"/>
-              <a:t>2023-01-16</a:t>
+              <a:t>2023-01-20</a:t>
             </a:fld>
             <a:endParaRPr lang="ko-KR" altLang="en-US"/>
           </a:p>
@@ -12488,7 +12493,7 @@
           <a:p>
             <a:fld id="{27609136-5E7D-4F05-9F92-740AE04E8768}" type="datetimeFigureOut">
               <a:rPr lang="ko-KR" altLang="en-US" smtClean="0"/>
-              <a:t>2023-01-16</a:t>
+              <a:t>2023-01-20</a:t>
             </a:fld>
             <a:endParaRPr lang="ko-KR" altLang="en-US"/>
           </a:p>
@@ -12776,7 +12781,7 @@
           <a:p>
             <a:fld id="{27609136-5E7D-4F05-9F92-740AE04E8768}" type="datetimeFigureOut">
               <a:rPr lang="ko-KR" altLang="en-US" smtClean="0"/>
-              <a:t>2023-01-16</a:t>
+              <a:t>2023-01-20</a:t>
             </a:fld>
             <a:endParaRPr lang="ko-KR" altLang="en-US"/>
           </a:p>
@@ -13017,7 +13022,7 @@
           <a:p>
             <a:fld id="{27609136-5E7D-4F05-9F92-740AE04E8768}" type="datetimeFigureOut">
               <a:rPr lang="ko-KR" altLang="en-US" smtClean="0"/>
-              <a:t>2023-01-16</a:t>
+              <a:t>2023-01-20</a:t>
             </a:fld>
             <a:endParaRPr lang="ko-KR" altLang="en-US"/>
           </a:p>
@@ -13590,6 +13595,44 @@
           </a:fontRef>
         </p:style>
       </p:cxnSp>
+      <p:cxnSp>
+        <p:nvCxnSpPr>
+          <p:cNvPr id="2" name="직선 연결선 1">
+            <a:extLst>
+              <a:ext uri="{FF2B5EF4-FFF2-40B4-BE49-F238E27FC236}">
+                <a16:creationId xmlns:a16="http://schemas.microsoft.com/office/drawing/2014/main" id="{FBADBC7E-A100-0A61-B4DB-0EDA2922CED9}"/>
+              </a:ext>
+            </a:extLst>
+          </p:cNvPr>
+          <p:cNvCxnSpPr>
+            <a:cxnSpLocks/>
+          </p:cNvCxnSpPr>
+          <p:nvPr/>
+        </p:nvCxnSpPr>
+        <p:spPr>
+          <a:xfrm>
+            <a:off x="7298267" y="4885259"/>
+            <a:ext cx="0" cy="254008"/>
+          </a:xfrm>
+          <a:prstGeom prst="line">
+            <a:avLst/>
+          </a:prstGeom>
+        </p:spPr>
+        <p:style>
+          <a:lnRef idx="1">
+            <a:schemeClr val="accent1"/>
+          </a:lnRef>
+          <a:fillRef idx="0">
+            <a:schemeClr val="accent1"/>
+          </a:fillRef>
+          <a:effectRef idx="0">
+            <a:schemeClr val="accent1"/>
+          </a:effectRef>
+          <a:fontRef idx="minor">
+            <a:schemeClr val="tx1"/>
+          </a:fontRef>
+        </p:style>
+      </p:cxnSp>
     </p:spTree>
     <p:extLst>
       <p:ext uri="{BB962C8B-B14F-4D97-AF65-F5344CB8AC3E}">

--- a/docs/howdo.pptx
+++ b/docs/howdo.pptx
@@ -1031,45 +1031,6 @@
         </a:p>
       </dgm:t>
     </dgm:pt>
-    <dgm:pt modelId="{A95B2C21-8392-4A03-B99C-3E9C5B98A501}">
-      <dgm:prSet phldrT="[텍스트]"/>
-      <dgm:spPr/>
-      <dgm:t>
-        <a:bodyPr/>
-        <a:lstStyle/>
-        <a:p>
-          <a:pPr latinLnBrk="1"/>
-          <a:r>
-            <a:rPr lang="ko-KR" altLang="en-US" dirty="0"/>
-            <a:t>테마변경</a:t>
-          </a:r>
-        </a:p>
-      </dgm:t>
-    </dgm:pt>
-    <dgm:pt modelId="{F104E113-E7DD-4511-A4CF-B0522F6F32D2}" type="parTrans" cxnId="{6BB042FB-5B8B-432D-A0F7-4761AB426BA6}">
-      <dgm:prSet/>
-      <dgm:spPr/>
-      <dgm:t>
-        <a:bodyPr/>
-        <a:lstStyle/>
-        <a:p>
-          <a:pPr latinLnBrk="1"/>
-          <a:endParaRPr lang="ko-KR" altLang="en-US"/>
-        </a:p>
-      </dgm:t>
-    </dgm:pt>
-    <dgm:pt modelId="{448A1A1E-E7D6-4BA3-A23E-E65A535C3529}" type="sibTrans" cxnId="{6BB042FB-5B8B-432D-A0F7-4761AB426BA6}">
-      <dgm:prSet/>
-      <dgm:spPr/>
-      <dgm:t>
-        <a:bodyPr/>
-        <a:lstStyle/>
-        <a:p>
-          <a:pPr latinLnBrk="1"/>
-          <a:endParaRPr lang="ko-KR" altLang="en-US"/>
-        </a:p>
-      </dgm:t>
-    </dgm:pt>
     <dgm:pt modelId="{1AA526BE-DE0B-495D-8439-3A1CBF421AC0}">
       <dgm:prSet phldrT="[텍스트]"/>
       <dgm:spPr/>
@@ -1371,45 +1332,6 @@
       </dgm:t>
     </dgm:pt>
     <dgm:pt modelId="{108461CA-AF6E-42D1-A9FA-2528E4DF53D5}" type="sibTrans" cxnId="{F2C085C0-BBB7-4E0D-828B-C02F7B9D1ACF}">
-      <dgm:prSet/>
-      <dgm:spPr/>
-      <dgm:t>
-        <a:bodyPr/>
-        <a:lstStyle/>
-        <a:p>
-          <a:pPr latinLnBrk="1"/>
-          <a:endParaRPr lang="ko-KR" altLang="en-US"/>
-        </a:p>
-      </dgm:t>
-    </dgm:pt>
-    <dgm:pt modelId="{FCB2BB3A-B553-4743-B8C6-02694F15CC4D}">
-      <dgm:prSet phldrT="[텍스트]"/>
-      <dgm:spPr/>
-      <dgm:t>
-        <a:bodyPr/>
-        <a:lstStyle/>
-        <a:p>
-          <a:pPr latinLnBrk="1"/>
-          <a:r>
-            <a:rPr lang="ko-KR" altLang="en-US" dirty="0"/>
-            <a:t>이미지</a:t>
-          </a:r>
-        </a:p>
-      </dgm:t>
-    </dgm:pt>
-    <dgm:pt modelId="{DA5E292A-778A-45DE-BB42-0F4A0C7C4E2D}" type="parTrans" cxnId="{BBAC3C20-1BC3-4839-95BB-DDB9531C1A5B}">
-      <dgm:prSet/>
-      <dgm:spPr/>
-      <dgm:t>
-        <a:bodyPr/>
-        <a:lstStyle/>
-        <a:p>
-          <a:pPr latinLnBrk="1"/>
-          <a:endParaRPr lang="ko-KR" altLang="en-US"/>
-        </a:p>
-      </dgm:t>
-    </dgm:pt>
-    <dgm:pt modelId="{84962467-FDFA-4DB3-89D8-E271ECF4162F}" type="sibTrans" cxnId="{BBAC3C20-1BC3-4839-95BB-DDB9531C1A5B}">
       <dgm:prSet/>
       <dgm:spPr/>
       <dgm:t>
@@ -1656,84 +1578,6 @@
         </a:p>
       </dgm:t>
     </dgm:pt>
-    <dgm:pt modelId="{F35ADB14-3F53-4F9C-A59C-49942A1E6024}">
-      <dgm:prSet phldrT="[텍스트]"/>
-      <dgm:spPr/>
-      <dgm:t>
-        <a:bodyPr/>
-        <a:lstStyle/>
-        <a:p>
-          <a:pPr latinLnBrk="1"/>
-          <a:r>
-            <a:rPr lang="ko-KR" altLang="en-US" dirty="0"/>
-            <a:t>무료</a:t>
-          </a:r>
-        </a:p>
-      </dgm:t>
-    </dgm:pt>
-    <dgm:pt modelId="{D343B69F-526B-4D75-91DE-4BBFC2E76D79}" type="parTrans" cxnId="{E156FC0E-1C86-43DD-B888-BA58BD78C3DD}">
-      <dgm:prSet/>
-      <dgm:spPr/>
-      <dgm:t>
-        <a:bodyPr/>
-        <a:lstStyle/>
-        <a:p>
-          <a:pPr latinLnBrk="1"/>
-          <a:endParaRPr lang="ko-KR" altLang="en-US"/>
-        </a:p>
-      </dgm:t>
-    </dgm:pt>
-    <dgm:pt modelId="{D8C76E49-BBDD-4F15-97B1-F4F2380C20DF}" type="sibTrans" cxnId="{E156FC0E-1C86-43DD-B888-BA58BD78C3DD}">
-      <dgm:prSet/>
-      <dgm:spPr/>
-      <dgm:t>
-        <a:bodyPr/>
-        <a:lstStyle/>
-        <a:p>
-          <a:pPr latinLnBrk="1"/>
-          <a:endParaRPr lang="ko-KR" altLang="en-US"/>
-        </a:p>
-      </dgm:t>
-    </dgm:pt>
-    <dgm:pt modelId="{E3A38E1F-6CC8-495A-BAAA-AA0C655468B1}">
-      <dgm:prSet phldrT="[텍스트]"/>
-      <dgm:spPr/>
-      <dgm:t>
-        <a:bodyPr/>
-        <a:lstStyle/>
-        <a:p>
-          <a:pPr latinLnBrk="1"/>
-          <a:r>
-            <a:rPr lang="ko-KR" altLang="en-US" dirty="0"/>
-            <a:t>유료</a:t>
-          </a:r>
-        </a:p>
-      </dgm:t>
-    </dgm:pt>
-    <dgm:pt modelId="{21F1EBAD-F5CC-42EC-93B3-77CE83B44DBF}" type="parTrans" cxnId="{75952285-2D3A-4456-B3F5-82A28283CE97}">
-      <dgm:prSet/>
-      <dgm:spPr/>
-      <dgm:t>
-        <a:bodyPr/>
-        <a:lstStyle/>
-        <a:p>
-          <a:pPr latinLnBrk="1"/>
-          <a:endParaRPr lang="ko-KR" altLang="en-US"/>
-        </a:p>
-      </dgm:t>
-    </dgm:pt>
-    <dgm:pt modelId="{27EB61E0-7CA5-40C4-9B07-9B17509C1152}" type="sibTrans" cxnId="{75952285-2D3A-4456-B3F5-82A28283CE97}">
-      <dgm:prSet/>
-      <dgm:spPr/>
-      <dgm:t>
-        <a:bodyPr/>
-        <a:lstStyle/>
-        <a:p>
-          <a:pPr latinLnBrk="1"/>
-          <a:endParaRPr lang="ko-KR" altLang="en-US"/>
-        </a:p>
-      </dgm:t>
-    </dgm:pt>
     <dgm:pt modelId="{F0DBC855-2474-4BDE-BDFA-C88E7E739F87}">
       <dgm:prSet phldrT="[텍스트]"/>
       <dgm:spPr/>
@@ -1773,7 +1617,7 @@
         </a:p>
       </dgm:t>
     </dgm:pt>
-    <dgm:pt modelId="{16D5F567-B11F-427B-9345-F7DDB1A4FB48}">
+    <dgm:pt modelId="{962C29C3-AE9F-445D-BBD8-31B216B597ED}">
       <dgm:prSet phldrT="[텍스트]"/>
       <dgm:spPr/>
       <dgm:t>
@@ -1783,12 +1627,12 @@
           <a:pPr latinLnBrk="1"/>
           <a:r>
             <a:rPr lang="ko-KR" altLang="en-US" dirty="0"/>
-            <a:t>결제페이지</a:t>
+            <a:t>자유게시판</a:t>
           </a:r>
         </a:p>
       </dgm:t>
     </dgm:pt>
-    <dgm:pt modelId="{9AE4DFB6-EE6C-4E26-8801-72CF71519139}" type="parTrans" cxnId="{F837F27E-E845-446D-9E0F-617008EAA84C}">
+    <dgm:pt modelId="{707786A1-799F-4D7F-9ADE-156152D3E21F}" type="parTrans" cxnId="{50911226-DF6B-4BAA-B61A-4AC524E34C25}">
       <dgm:prSet/>
       <dgm:spPr/>
       <dgm:t>
@@ -1800,7 +1644,7 @@
         </a:p>
       </dgm:t>
     </dgm:pt>
-    <dgm:pt modelId="{6FC86AD3-3306-42D7-878C-71A901BBBA8D}" type="sibTrans" cxnId="{F837F27E-E845-446D-9E0F-617008EAA84C}">
+    <dgm:pt modelId="{F80E2EFD-32FE-442A-8CC7-574697907BBB}" type="sibTrans" cxnId="{50911226-DF6B-4BAA-B61A-4AC524E34C25}">
       <dgm:prSet/>
       <dgm:spPr/>
       <dgm:t>
@@ -1812,7 +1656,85 @@
         </a:p>
       </dgm:t>
     </dgm:pt>
-    <dgm:pt modelId="{7AEDBC12-7CE7-4CA0-B642-E158D8D434A9}">
+    <dgm:pt modelId="{F68433DB-7CFF-43F9-A473-C5F8AA0B06EC}">
+      <dgm:prSet phldrT="[텍스트]"/>
+      <dgm:spPr/>
+      <dgm:t>
+        <a:bodyPr/>
+        <a:lstStyle/>
+        <a:p>
+          <a:pPr latinLnBrk="1"/>
+          <a:r>
+            <a:rPr lang="ko-KR" altLang="en-US" dirty="0"/>
+            <a:t>공지사항</a:t>
+          </a:r>
+        </a:p>
+      </dgm:t>
+    </dgm:pt>
+    <dgm:pt modelId="{4883043B-5A38-42C5-87EF-37C4E190959C}" type="parTrans" cxnId="{1667CE40-86D7-4FA1-8620-75E2014DE18B}">
+      <dgm:prSet/>
+      <dgm:spPr/>
+      <dgm:t>
+        <a:bodyPr/>
+        <a:lstStyle/>
+        <a:p>
+          <a:pPr latinLnBrk="1"/>
+          <a:endParaRPr lang="ko-KR" altLang="en-US"/>
+        </a:p>
+      </dgm:t>
+    </dgm:pt>
+    <dgm:pt modelId="{BE276BC4-3D30-45E2-8CE7-4BD16A4EF37F}" type="sibTrans" cxnId="{1667CE40-86D7-4FA1-8620-75E2014DE18B}">
+      <dgm:prSet/>
+      <dgm:spPr/>
+      <dgm:t>
+        <a:bodyPr/>
+        <a:lstStyle/>
+        <a:p>
+          <a:pPr latinLnBrk="1"/>
+          <a:endParaRPr lang="ko-KR" altLang="en-US"/>
+        </a:p>
+      </dgm:t>
+    </dgm:pt>
+    <dgm:pt modelId="{45CBB52A-35E3-463A-BE7F-702252449A53}">
+      <dgm:prSet phldrT="[텍스트]"/>
+      <dgm:spPr/>
+      <dgm:t>
+        <a:bodyPr/>
+        <a:lstStyle/>
+        <a:p>
+          <a:pPr latinLnBrk="1"/>
+          <a:r>
+            <a:rPr lang="ko-KR" altLang="en-US" dirty="0"/>
+            <a:t>주제별 게시판</a:t>
+          </a:r>
+        </a:p>
+      </dgm:t>
+    </dgm:pt>
+    <dgm:pt modelId="{F6212152-A831-45AD-A778-88D8043C12A0}" type="parTrans" cxnId="{98DCE4EF-FC00-45BD-9720-0EF53B27FA80}">
+      <dgm:prSet/>
+      <dgm:spPr/>
+      <dgm:t>
+        <a:bodyPr/>
+        <a:lstStyle/>
+        <a:p>
+          <a:pPr latinLnBrk="1"/>
+          <a:endParaRPr lang="ko-KR" altLang="en-US"/>
+        </a:p>
+      </dgm:t>
+    </dgm:pt>
+    <dgm:pt modelId="{66235F2F-B1C2-446A-AF61-CF50DF55BC8F}" type="sibTrans" cxnId="{98DCE4EF-FC00-45BD-9720-0EF53B27FA80}">
+      <dgm:prSet/>
+      <dgm:spPr/>
+      <dgm:t>
+        <a:bodyPr/>
+        <a:lstStyle/>
+        <a:p>
+          <a:pPr latinLnBrk="1"/>
+          <a:endParaRPr lang="ko-KR" altLang="en-US"/>
+        </a:p>
+      </dgm:t>
+    </dgm:pt>
+    <dgm:pt modelId="{B26BD132-D542-4100-8554-C6DCAAFDDA1C}">
       <dgm:prSet phldrT="[텍스트]"/>
       <dgm:spPr/>
       <dgm:t>
@@ -1827,7 +1749,7 @@
         </a:p>
       </dgm:t>
     </dgm:pt>
-    <dgm:pt modelId="{E2645853-2129-4A71-A76C-837EC638586A}" type="parTrans" cxnId="{DDD4A1B6-2008-4311-AB0F-DBF2B73CBF7D}">
+    <dgm:pt modelId="{251AA9C5-65CA-4E6D-8831-14CD21D0C386}" type="parTrans" cxnId="{FC9824E5-CA1C-4579-92BA-3A2E2AB73409}">
       <dgm:prSet/>
       <dgm:spPr/>
       <dgm:t>
@@ -1839,7 +1761,7 @@
         </a:p>
       </dgm:t>
     </dgm:pt>
-    <dgm:pt modelId="{081FB234-B909-4925-8DD8-636618F85237}" type="sibTrans" cxnId="{DDD4A1B6-2008-4311-AB0F-DBF2B73CBF7D}">
+    <dgm:pt modelId="{F9BCEED6-C528-4901-AC97-A526F59FBCFB}" type="sibTrans" cxnId="{FC9824E5-CA1C-4579-92BA-3A2E2AB73409}">
       <dgm:prSet/>
       <dgm:spPr/>
       <dgm:t>
@@ -1851,129 +1773,7 @@
         </a:p>
       </dgm:t>
     </dgm:pt>
-    <dgm:pt modelId="{962C29C3-AE9F-445D-BBD8-31B216B597ED}">
-      <dgm:prSet phldrT="[텍스트]"/>
-      <dgm:spPr/>
-      <dgm:t>
-        <a:bodyPr/>
-        <a:lstStyle/>
-        <a:p>
-          <a:pPr latinLnBrk="1"/>
-          <a:r>
-            <a:rPr lang="ko-KR" altLang="en-US" dirty="0"/>
-            <a:t>자유게시판</a:t>
-          </a:r>
-        </a:p>
-      </dgm:t>
-    </dgm:pt>
-    <dgm:pt modelId="{707786A1-799F-4D7F-9ADE-156152D3E21F}" type="parTrans" cxnId="{50911226-DF6B-4BAA-B61A-4AC524E34C25}">
-      <dgm:prSet/>
-      <dgm:spPr/>
-      <dgm:t>
-        <a:bodyPr/>
-        <a:lstStyle/>
-        <a:p>
-          <a:pPr latinLnBrk="1"/>
-          <a:endParaRPr lang="ko-KR" altLang="en-US"/>
-        </a:p>
-      </dgm:t>
-    </dgm:pt>
-    <dgm:pt modelId="{F80E2EFD-32FE-442A-8CC7-574697907BBB}" type="sibTrans" cxnId="{50911226-DF6B-4BAA-B61A-4AC524E34C25}">
-      <dgm:prSet/>
-      <dgm:spPr/>
-      <dgm:t>
-        <a:bodyPr/>
-        <a:lstStyle/>
-        <a:p>
-          <a:pPr latinLnBrk="1"/>
-          <a:endParaRPr lang="ko-KR" altLang="en-US"/>
-        </a:p>
-      </dgm:t>
-    </dgm:pt>
-    <dgm:pt modelId="{F68433DB-7CFF-43F9-A473-C5F8AA0B06EC}">
-      <dgm:prSet phldrT="[텍스트]"/>
-      <dgm:spPr/>
-      <dgm:t>
-        <a:bodyPr/>
-        <a:lstStyle/>
-        <a:p>
-          <a:pPr latinLnBrk="1"/>
-          <a:r>
-            <a:rPr lang="ko-KR" altLang="en-US" dirty="0"/>
-            <a:t>공지사항</a:t>
-          </a:r>
-        </a:p>
-      </dgm:t>
-    </dgm:pt>
-    <dgm:pt modelId="{4883043B-5A38-42C5-87EF-37C4E190959C}" type="parTrans" cxnId="{1667CE40-86D7-4FA1-8620-75E2014DE18B}">
-      <dgm:prSet/>
-      <dgm:spPr/>
-      <dgm:t>
-        <a:bodyPr/>
-        <a:lstStyle/>
-        <a:p>
-          <a:pPr latinLnBrk="1"/>
-          <a:endParaRPr lang="ko-KR" altLang="en-US"/>
-        </a:p>
-      </dgm:t>
-    </dgm:pt>
-    <dgm:pt modelId="{BE276BC4-3D30-45E2-8CE7-4BD16A4EF37F}" type="sibTrans" cxnId="{1667CE40-86D7-4FA1-8620-75E2014DE18B}">
-      <dgm:prSet/>
-      <dgm:spPr/>
-      <dgm:t>
-        <a:bodyPr/>
-        <a:lstStyle/>
-        <a:p>
-          <a:pPr latinLnBrk="1"/>
-          <a:endParaRPr lang="ko-KR" altLang="en-US"/>
-        </a:p>
-      </dgm:t>
-    </dgm:pt>
-    <dgm:pt modelId="{45CBB52A-35E3-463A-BE7F-702252449A53}">
-      <dgm:prSet phldrT="[텍스트]"/>
-      <dgm:spPr/>
-      <dgm:t>
-        <a:bodyPr/>
-        <a:lstStyle/>
-        <a:p>
-          <a:pPr latinLnBrk="1"/>
-          <a:r>
-            <a:rPr lang="ko-KR" altLang="en-US" dirty="0"/>
-            <a:t>주제별</a:t>
-          </a:r>
-          <a:r>
-            <a:rPr lang="en-US" altLang="ko-KR" dirty="0"/>
-            <a:t>...</a:t>
-          </a:r>
-          <a:endParaRPr lang="ko-KR" altLang="en-US" dirty="0"/>
-        </a:p>
-      </dgm:t>
-    </dgm:pt>
-    <dgm:pt modelId="{F6212152-A831-45AD-A778-88D8043C12A0}" type="parTrans" cxnId="{98DCE4EF-FC00-45BD-9720-0EF53B27FA80}">
-      <dgm:prSet/>
-      <dgm:spPr/>
-      <dgm:t>
-        <a:bodyPr/>
-        <a:lstStyle/>
-        <a:p>
-          <a:pPr latinLnBrk="1"/>
-          <a:endParaRPr lang="ko-KR" altLang="en-US"/>
-        </a:p>
-      </dgm:t>
-    </dgm:pt>
-    <dgm:pt modelId="{66235F2F-B1C2-446A-AF61-CF50DF55BC8F}" type="sibTrans" cxnId="{98DCE4EF-FC00-45BD-9720-0EF53B27FA80}">
-      <dgm:prSet/>
-      <dgm:spPr/>
-      <dgm:t>
-        <a:bodyPr/>
-        <a:lstStyle/>
-        <a:p>
-          <a:pPr latinLnBrk="1"/>
-          <a:endParaRPr lang="ko-KR" altLang="en-US"/>
-        </a:p>
-      </dgm:t>
-    </dgm:pt>
-    <dgm:pt modelId="{B26BD132-D542-4100-8554-C6DCAAFDDA1C}">
+    <dgm:pt modelId="{FE5DB0AD-FB49-4BCA-A679-92C4BD5CAE82}">
       <dgm:prSet phldrT="[텍스트]"/>
       <dgm:spPr/>
       <dgm:t>
@@ -1988,7 +1788,7 @@
         </a:p>
       </dgm:t>
     </dgm:pt>
-    <dgm:pt modelId="{251AA9C5-65CA-4E6D-8831-14CD21D0C386}" type="parTrans" cxnId="{FC9824E5-CA1C-4579-92BA-3A2E2AB73409}">
+    <dgm:pt modelId="{4FFFF72A-CA3F-491C-91E8-377D61DE4DB6}" type="parTrans" cxnId="{8D258F2D-27AB-4513-B254-89D2F1C9A97D}">
       <dgm:prSet/>
       <dgm:spPr/>
       <dgm:t>
@@ -2000,7 +1800,7 @@
         </a:p>
       </dgm:t>
     </dgm:pt>
-    <dgm:pt modelId="{F9BCEED6-C528-4901-AC97-A526F59FBCFB}" type="sibTrans" cxnId="{FC9824E5-CA1C-4579-92BA-3A2E2AB73409}">
+    <dgm:pt modelId="{0E325437-0C55-436C-A894-3FCFC875E60E}" type="sibTrans" cxnId="{8D258F2D-27AB-4513-B254-89D2F1C9A97D}">
       <dgm:prSet/>
       <dgm:spPr/>
       <dgm:t>
@@ -2012,8 +1812,86 @@
         </a:p>
       </dgm:t>
     </dgm:pt>
-    <dgm:pt modelId="{FE5DB0AD-FB49-4BCA-A679-92C4BD5CAE82}">
+    <dgm:pt modelId="{EA961523-890D-4780-8FB2-4226B1DA0518}">
       <dgm:prSet phldrT="[텍스트]"/>
+      <dgm:spPr/>
+      <dgm:t>
+        <a:bodyPr/>
+        <a:lstStyle/>
+        <a:p>
+          <a:pPr latinLnBrk="1"/>
+          <a:r>
+            <a:rPr lang="ko-KR" altLang="en-US" dirty="0"/>
+            <a:t>크레딧 관리</a:t>
+          </a:r>
+        </a:p>
+      </dgm:t>
+    </dgm:pt>
+    <dgm:pt modelId="{9D25406A-3F3A-47C6-8028-13226081F7F6}" type="parTrans" cxnId="{BB15705A-B881-441A-B1E8-BD41BBCED6E2}">
+      <dgm:prSet/>
+      <dgm:spPr/>
+      <dgm:t>
+        <a:bodyPr/>
+        <a:lstStyle/>
+        <a:p>
+          <a:pPr latinLnBrk="1"/>
+          <a:endParaRPr lang="ko-KR" altLang="en-US"/>
+        </a:p>
+      </dgm:t>
+    </dgm:pt>
+    <dgm:pt modelId="{2F385987-187C-4F28-9DFC-958CEE15240B}" type="sibTrans" cxnId="{BB15705A-B881-441A-B1E8-BD41BBCED6E2}">
+      <dgm:prSet/>
+      <dgm:spPr/>
+      <dgm:t>
+        <a:bodyPr/>
+        <a:lstStyle/>
+        <a:p>
+          <a:pPr latinLnBrk="1"/>
+          <a:endParaRPr lang="ko-KR" altLang="en-US"/>
+        </a:p>
+      </dgm:t>
+    </dgm:pt>
+    <dgm:pt modelId="{12410C7B-6B77-4D85-9E30-1820511D66D1}">
+      <dgm:prSet phldrT="[텍스트]"/>
+      <dgm:spPr/>
+      <dgm:t>
+        <a:bodyPr/>
+        <a:lstStyle/>
+        <a:p>
+          <a:pPr latinLnBrk="1"/>
+          <a:r>
+            <a:rPr lang="ko-KR" altLang="en-US" dirty="0"/>
+            <a:t>비밀번호 변경</a:t>
+          </a:r>
+        </a:p>
+      </dgm:t>
+    </dgm:pt>
+    <dgm:pt modelId="{0D21DA87-9B2C-4A09-A98C-CBD1380D6869}" type="parTrans" cxnId="{6B30F8EE-2AF3-4C1E-A29A-4927873B7F48}">
+      <dgm:prSet/>
+      <dgm:spPr/>
+      <dgm:t>
+        <a:bodyPr/>
+        <a:lstStyle/>
+        <a:p>
+          <a:pPr latinLnBrk="1"/>
+          <a:endParaRPr lang="ko-KR" altLang="en-US"/>
+        </a:p>
+      </dgm:t>
+    </dgm:pt>
+    <dgm:pt modelId="{93E279B7-77F6-400D-9B75-49035B0DADF3}" type="sibTrans" cxnId="{6B30F8EE-2AF3-4C1E-A29A-4927873B7F48}">
+      <dgm:prSet/>
+      <dgm:spPr/>
+      <dgm:t>
+        <a:bodyPr/>
+        <a:lstStyle/>
+        <a:p>
+          <a:pPr latinLnBrk="1"/>
+          <a:endParaRPr lang="ko-KR" altLang="en-US"/>
+        </a:p>
+      </dgm:t>
+    </dgm:pt>
+    <dgm:pt modelId="{8DFA5406-DF9D-4F57-9312-AAB348BF9E28}">
+      <dgm:prSet/>
       <dgm:spPr/>
       <dgm:t>
         <a:bodyPr/>
@@ -2027,7 +1905,7 @@
         </a:p>
       </dgm:t>
     </dgm:pt>
-    <dgm:pt modelId="{4FFFF72A-CA3F-491C-91E8-377D61DE4DB6}" type="parTrans" cxnId="{8D258F2D-27AB-4513-B254-89D2F1C9A97D}">
+    <dgm:pt modelId="{620946A6-DE85-42D0-ACF1-0D606577D9E0}" type="parTrans" cxnId="{DAE29A06-8E8A-42FF-A6D5-C6A0407C484E}">
       <dgm:prSet/>
       <dgm:spPr/>
       <dgm:t>
@@ -2039,85 +1917,7 @@
         </a:p>
       </dgm:t>
     </dgm:pt>
-    <dgm:pt modelId="{0E325437-0C55-436C-A894-3FCFC875E60E}" type="sibTrans" cxnId="{8D258F2D-27AB-4513-B254-89D2F1C9A97D}">
-      <dgm:prSet/>
-      <dgm:spPr/>
-      <dgm:t>
-        <a:bodyPr/>
-        <a:lstStyle/>
-        <a:p>
-          <a:pPr latinLnBrk="1"/>
-          <a:endParaRPr lang="ko-KR" altLang="en-US"/>
-        </a:p>
-      </dgm:t>
-    </dgm:pt>
-    <dgm:pt modelId="{EA961523-890D-4780-8FB2-4226B1DA0518}">
-      <dgm:prSet phldrT="[텍스트]"/>
-      <dgm:spPr/>
-      <dgm:t>
-        <a:bodyPr/>
-        <a:lstStyle/>
-        <a:p>
-          <a:pPr latinLnBrk="1"/>
-          <a:r>
-            <a:rPr lang="ko-KR" altLang="en-US" dirty="0"/>
-            <a:t>크레딧 관리</a:t>
-          </a:r>
-        </a:p>
-      </dgm:t>
-    </dgm:pt>
-    <dgm:pt modelId="{9D25406A-3F3A-47C6-8028-13226081F7F6}" type="parTrans" cxnId="{BB15705A-B881-441A-B1E8-BD41BBCED6E2}">
-      <dgm:prSet/>
-      <dgm:spPr/>
-      <dgm:t>
-        <a:bodyPr/>
-        <a:lstStyle/>
-        <a:p>
-          <a:pPr latinLnBrk="1"/>
-          <a:endParaRPr lang="ko-KR" altLang="en-US"/>
-        </a:p>
-      </dgm:t>
-    </dgm:pt>
-    <dgm:pt modelId="{2F385987-187C-4F28-9DFC-958CEE15240B}" type="sibTrans" cxnId="{BB15705A-B881-441A-B1E8-BD41BBCED6E2}">
-      <dgm:prSet/>
-      <dgm:spPr/>
-      <dgm:t>
-        <a:bodyPr/>
-        <a:lstStyle/>
-        <a:p>
-          <a:pPr latinLnBrk="1"/>
-          <a:endParaRPr lang="ko-KR" altLang="en-US"/>
-        </a:p>
-      </dgm:t>
-    </dgm:pt>
-    <dgm:pt modelId="{12410C7B-6B77-4D85-9E30-1820511D66D1}">
-      <dgm:prSet phldrT="[텍스트]"/>
-      <dgm:spPr/>
-      <dgm:t>
-        <a:bodyPr/>
-        <a:lstStyle/>
-        <a:p>
-          <a:pPr latinLnBrk="1"/>
-          <a:r>
-            <a:rPr lang="ko-KR" altLang="en-US" dirty="0"/>
-            <a:t>비밀번호 변경</a:t>
-          </a:r>
-        </a:p>
-      </dgm:t>
-    </dgm:pt>
-    <dgm:pt modelId="{0D21DA87-9B2C-4A09-A98C-CBD1380D6869}" type="parTrans" cxnId="{6B30F8EE-2AF3-4C1E-A29A-4927873B7F48}">
-      <dgm:prSet/>
-      <dgm:spPr/>
-      <dgm:t>
-        <a:bodyPr/>
-        <a:lstStyle/>
-        <a:p>
-          <a:pPr latinLnBrk="1"/>
-          <a:endParaRPr lang="ko-KR" altLang="en-US"/>
-        </a:p>
-      </dgm:t>
-    </dgm:pt>
-    <dgm:pt modelId="{93E279B7-77F6-400D-9B75-49035B0DADF3}" type="sibTrans" cxnId="{6B30F8EE-2AF3-4C1E-A29A-4927873B7F48}">
+    <dgm:pt modelId="{F4515AEB-4B71-4A44-B806-99771D44A02F}" type="sibTrans" cxnId="{DAE29A06-8E8A-42FF-A6D5-C6A0407C484E}">
       <dgm:prSet/>
       <dgm:spPr/>
       <dgm:t>
@@ -2171,7 +1971,7 @@
       <dgm:spPr/>
     </dgm:pt>
     <dgm:pt modelId="{7169E580-6599-4D0C-BE35-E81DF9E1B774}" type="pres">
-      <dgm:prSet presAssocID="{B86FB469-64E1-48D0-8CCF-1FCAA690F264}" presName="Name37" presStyleLbl="parChTrans1D2" presStyleIdx="0" presStyleCnt="5"/>
+      <dgm:prSet presAssocID="{B86FB469-64E1-48D0-8CCF-1FCAA690F264}" presName="Name37" presStyleLbl="parChTrans1D2" presStyleIdx="0" presStyleCnt="4"/>
       <dgm:spPr/>
     </dgm:pt>
     <dgm:pt modelId="{8483FE72-7BB2-4840-9C95-72917CB274EE}" type="pres">
@@ -2187,7 +1987,7 @@
       <dgm:spPr/>
     </dgm:pt>
     <dgm:pt modelId="{85254DA0-ADE4-4494-B8AA-7C92B0224EA0}" type="pres">
-      <dgm:prSet presAssocID="{EA4071C9-D69C-4A3F-8A56-5D1784DCA390}" presName="rootText" presStyleLbl="node2" presStyleIdx="0" presStyleCnt="5">
+      <dgm:prSet presAssocID="{EA4071C9-D69C-4A3F-8A56-5D1784DCA390}" presName="rootText" presStyleLbl="node2" presStyleIdx="0" presStyleCnt="4">
         <dgm:presLayoutVars>
           <dgm:chPref val="3"/>
         </dgm:presLayoutVars>
@@ -2195,7 +1995,7 @@
       <dgm:spPr/>
     </dgm:pt>
     <dgm:pt modelId="{EC44973A-F342-4840-B08F-220E26E08FB0}" type="pres">
-      <dgm:prSet presAssocID="{EA4071C9-D69C-4A3F-8A56-5D1784DCA390}" presName="rootConnector" presStyleLbl="node2" presStyleIdx="0" presStyleCnt="5"/>
+      <dgm:prSet presAssocID="{EA4071C9-D69C-4A3F-8A56-5D1784DCA390}" presName="rootConnector" presStyleLbl="node2" presStyleIdx="0" presStyleCnt="4"/>
       <dgm:spPr/>
     </dgm:pt>
     <dgm:pt modelId="{ADE8D489-7E87-4C9F-B63C-44265823FE90}" type="pres">
@@ -2203,7 +2003,7 @@
       <dgm:spPr/>
     </dgm:pt>
     <dgm:pt modelId="{09227B3C-2EA3-4619-BACA-BD7CDA512E48}" type="pres">
-      <dgm:prSet presAssocID="{CE78814D-3EF5-41CF-80F7-57DB5E6575EA}" presName="Name37" presStyleLbl="parChTrans1D3" presStyleIdx="0" presStyleCnt="10"/>
+      <dgm:prSet presAssocID="{CE78814D-3EF5-41CF-80F7-57DB5E6575EA}" presName="Name37" presStyleLbl="parChTrans1D3" presStyleIdx="0" presStyleCnt="9"/>
       <dgm:spPr/>
     </dgm:pt>
     <dgm:pt modelId="{7F55686D-ADD5-4A32-A7C1-4F9D0EECBF90}" type="pres">
@@ -2219,7 +2019,7 @@
       <dgm:spPr/>
     </dgm:pt>
     <dgm:pt modelId="{B33DBD8C-9C59-4BCE-804E-590DDFB4FEA8}" type="pres">
-      <dgm:prSet presAssocID="{1AA526BE-DE0B-495D-8439-3A1CBF421AC0}" presName="rootText" presStyleLbl="node3" presStyleIdx="0" presStyleCnt="10">
+      <dgm:prSet presAssocID="{1AA526BE-DE0B-495D-8439-3A1CBF421AC0}" presName="rootText" presStyleLbl="node3" presStyleIdx="0" presStyleCnt="9">
         <dgm:presLayoutVars>
           <dgm:chPref val="3"/>
         </dgm:presLayoutVars>
@@ -2227,7 +2027,7 @@
       <dgm:spPr/>
     </dgm:pt>
     <dgm:pt modelId="{648AC1B9-2F03-4583-843D-F860277D64CC}" type="pres">
-      <dgm:prSet presAssocID="{1AA526BE-DE0B-495D-8439-3A1CBF421AC0}" presName="rootConnector" presStyleLbl="node3" presStyleIdx="0" presStyleCnt="10"/>
+      <dgm:prSet presAssocID="{1AA526BE-DE0B-495D-8439-3A1CBF421AC0}" presName="rootConnector" presStyleLbl="node3" presStyleIdx="0" presStyleCnt="9"/>
       <dgm:spPr/>
     </dgm:pt>
     <dgm:pt modelId="{E34994A6-951E-4BC0-866A-6CD0F5A310FD}" type="pres">
@@ -2239,7 +2039,7 @@
       <dgm:spPr/>
     </dgm:pt>
     <dgm:pt modelId="{F40B1F54-A271-44E0-B12F-1DF35ACB48F9}" type="pres">
-      <dgm:prSet presAssocID="{61F42092-ACB0-4918-A20F-6692B27AF0EE}" presName="Name37" presStyleLbl="parChTrans1D3" presStyleIdx="1" presStyleCnt="10"/>
+      <dgm:prSet presAssocID="{61F42092-ACB0-4918-A20F-6692B27AF0EE}" presName="Name37" presStyleLbl="parChTrans1D3" presStyleIdx="1" presStyleCnt="9"/>
       <dgm:spPr/>
     </dgm:pt>
     <dgm:pt modelId="{E149D092-2A83-4380-883A-5510AD62966A}" type="pres">
@@ -2255,7 +2055,7 @@
       <dgm:spPr/>
     </dgm:pt>
     <dgm:pt modelId="{4A0083D7-0002-4DD7-8D91-93B44E719413}" type="pres">
-      <dgm:prSet presAssocID="{8719930E-F8E3-45AC-9C51-AA9F036273AD}" presName="rootText" presStyleLbl="node3" presStyleIdx="1" presStyleCnt="10">
+      <dgm:prSet presAssocID="{8719930E-F8E3-45AC-9C51-AA9F036273AD}" presName="rootText" presStyleLbl="node3" presStyleIdx="1" presStyleCnt="9">
         <dgm:presLayoutVars>
           <dgm:chPref val="3"/>
         </dgm:presLayoutVars>
@@ -2263,7 +2063,7 @@
       <dgm:spPr/>
     </dgm:pt>
     <dgm:pt modelId="{2FFEA525-C733-460B-8802-42AC89429E92}" type="pres">
-      <dgm:prSet presAssocID="{8719930E-F8E3-45AC-9C51-AA9F036273AD}" presName="rootConnector" presStyleLbl="node3" presStyleIdx="1" presStyleCnt="10"/>
+      <dgm:prSet presAssocID="{8719930E-F8E3-45AC-9C51-AA9F036273AD}" presName="rootConnector" presStyleLbl="node3" presStyleIdx="1" presStyleCnt="9"/>
       <dgm:spPr/>
     </dgm:pt>
     <dgm:pt modelId="{6B2D2C7A-91CC-4229-8917-BA9044A5179E}" type="pres">
@@ -2275,7 +2075,7 @@
       <dgm:spPr/>
     </dgm:pt>
     <dgm:pt modelId="{1D90E051-1588-4B9D-9BFB-0E255F9F2190}" type="pres">
-      <dgm:prSet presAssocID="{E54B67B2-22B0-4BD1-A277-AB2CA09C3E11}" presName="Name37" presStyleLbl="parChTrans1D3" presStyleIdx="2" presStyleCnt="10"/>
+      <dgm:prSet presAssocID="{E54B67B2-22B0-4BD1-A277-AB2CA09C3E11}" presName="Name37" presStyleLbl="parChTrans1D3" presStyleIdx="2" presStyleCnt="9"/>
       <dgm:spPr/>
     </dgm:pt>
     <dgm:pt modelId="{BE57E261-46DB-4AD0-A06D-102C3FBE94AB}" type="pres">
@@ -2291,7 +2091,7 @@
       <dgm:spPr/>
     </dgm:pt>
     <dgm:pt modelId="{B0346768-B1ED-4812-9FA1-384593212921}" type="pres">
-      <dgm:prSet presAssocID="{DDFD41D8-0203-4BEB-A55B-2B6BA7F0489B}" presName="rootText" presStyleLbl="node3" presStyleIdx="2" presStyleCnt="10">
+      <dgm:prSet presAssocID="{DDFD41D8-0203-4BEB-A55B-2B6BA7F0489B}" presName="rootText" presStyleLbl="node3" presStyleIdx="2" presStyleCnt="9">
         <dgm:presLayoutVars>
           <dgm:chPref val="3"/>
         </dgm:presLayoutVars>
@@ -2299,7 +2099,7 @@
       <dgm:spPr/>
     </dgm:pt>
     <dgm:pt modelId="{5AA4E562-9421-4FAA-AB0E-3D202EFD0D48}" type="pres">
-      <dgm:prSet presAssocID="{DDFD41D8-0203-4BEB-A55B-2B6BA7F0489B}" presName="rootConnector" presStyleLbl="node3" presStyleIdx="2" presStyleCnt="10"/>
+      <dgm:prSet presAssocID="{DDFD41D8-0203-4BEB-A55B-2B6BA7F0489B}" presName="rootConnector" presStyleLbl="node3" presStyleIdx="2" presStyleCnt="9"/>
       <dgm:spPr/>
     </dgm:pt>
     <dgm:pt modelId="{430AD735-827A-43E4-921A-6867476FF21F}" type="pres">
@@ -2307,7 +2107,7 @@
       <dgm:spPr/>
     </dgm:pt>
     <dgm:pt modelId="{4C4761C0-FABA-4BE0-AF17-6FF016FD95B1}" type="pres">
-      <dgm:prSet presAssocID="{251AA9C5-65CA-4E6D-8831-14CD21D0C386}" presName="Name37" presStyleLbl="parChTrans1D4" presStyleIdx="0" presStyleCnt="16"/>
+      <dgm:prSet presAssocID="{251AA9C5-65CA-4E6D-8831-14CD21D0C386}" presName="Name37" presStyleLbl="parChTrans1D4" presStyleIdx="0" presStyleCnt="13"/>
       <dgm:spPr/>
     </dgm:pt>
     <dgm:pt modelId="{8F10A425-3A30-43B4-9ADB-3C8973E348F2}" type="pres">
@@ -2323,7 +2123,7 @@
       <dgm:spPr/>
     </dgm:pt>
     <dgm:pt modelId="{03068623-ADDF-4214-839C-28E2F801C4DC}" type="pres">
-      <dgm:prSet presAssocID="{B26BD132-D542-4100-8554-C6DCAAFDDA1C}" presName="rootText" presStyleLbl="node4" presStyleIdx="0" presStyleCnt="16">
+      <dgm:prSet presAssocID="{B26BD132-D542-4100-8554-C6DCAAFDDA1C}" presName="rootText" presStyleLbl="node4" presStyleIdx="0" presStyleCnt="13">
         <dgm:presLayoutVars>
           <dgm:chPref val="3"/>
         </dgm:presLayoutVars>
@@ -2331,7 +2131,7 @@
       <dgm:spPr/>
     </dgm:pt>
     <dgm:pt modelId="{DBB49CD6-1E7C-4614-9DE3-6B8E58EB0572}" type="pres">
-      <dgm:prSet presAssocID="{B26BD132-D542-4100-8554-C6DCAAFDDA1C}" presName="rootConnector" presStyleLbl="node4" presStyleIdx="0" presStyleCnt="16"/>
+      <dgm:prSet presAssocID="{B26BD132-D542-4100-8554-C6DCAAFDDA1C}" presName="rootConnector" presStyleLbl="node4" presStyleIdx="0" presStyleCnt="13"/>
       <dgm:spPr/>
     </dgm:pt>
     <dgm:pt modelId="{413006BD-2581-45A3-B1EC-97E2702C9DDE}" type="pres">
@@ -2343,7 +2143,7 @@
       <dgm:spPr/>
     </dgm:pt>
     <dgm:pt modelId="{E2E9D679-AA87-4CA5-9D92-385832FA8A38}" type="pres">
-      <dgm:prSet presAssocID="{E9AD5402-53C3-4E0E-BFB8-7DC457E62C6E}" presName="Name37" presStyleLbl="parChTrans1D4" presStyleIdx="1" presStyleCnt="16"/>
+      <dgm:prSet presAssocID="{E9AD5402-53C3-4E0E-BFB8-7DC457E62C6E}" presName="Name37" presStyleLbl="parChTrans1D4" presStyleIdx="1" presStyleCnt="13"/>
       <dgm:spPr/>
     </dgm:pt>
     <dgm:pt modelId="{01AAB0B4-463A-4CB3-BD58-7252CA671D08}" type="pres">
@@ -2359,7 +2159,7 @@
       <dgm:spPr/>
     </dgm:pt>
     <dgm:pt modelId="{4E5B94AB-EC7F-4FD5-9B66-B23049DC995F}" type="pres">
-      <dgm:prSet presAssocID="{9EC38554-0729-4E36-B1BE-866F3E0A3729}" presName="rootText" presStyleLbl="node4" presStyleIdx="1" presStyleCnt="16">
+      <dgm:prSet presAssocID="{9EC38554-0729-4E36-B1BE-866F3E0A3729}" presName="rootText" presStyleLbl="node4" presStyleIdx="1" presStyleCnt="13">
         <dgm:presLayoutVars>
           <dgm:chPref val="3"/>
         </dgm:presLayoutVars>
@@ -2367,7 +2167,7 @@
       <dgm:spPr/>
     </dgm:pt>
     <dgm:pt modelId="{4A172366-B8EA-4168-B515-D3C958E9AECA}" type="pres">
-      <dgm:prSet presAssocID="{9EC38554-0729-4E36-B1BE-866F3E0A3729}" presName="rootConnector" presStyleLbl="node4" presStyleIdx="1" presStyleCnt="16"/>
+      <dgm:prSet presAssocID="{9EC38554-0729-4E36-B1BE-866F3E0A3729}" presName="rootConnector" presStyleLbl="node4" presStyleIdx="1" presStyleCnt="13"/>
       <dgm:spPr/>
     </dgm:pt>
     <dgm:pt modelId="{7BD6DBA7-CBB3-4DA7-A967-B8CA0827BA47}" type="pres">
@@ -2375,7 +2175,7 @@
       <dgm:spPr/>
     </dgm:pt>
     <dgm:pt modelId="{9A978C52-6DE3-4C2F-B247-18A5692C4209}" type="pres">
-      <dgm:prSet presAssocID="{0D21DA87-9B2C-4A09-A98C-CBD1380D6869}" presName="Name37" presStyleLbl="parChTrans1D4" presStyleIdx="2" presStyleCnt="16"/>
+      <dgm:prSet presAssocID="{0D21DA87-9B2C-4A09-A98C-CBD1380D6869}" presName="Name37" presStyleLbl="parChTrans1D4" presStyleIdx="2" presStyleCnt="13"/>
       <dgm:spPr/>
     </dgm:pt>
     <dgm:pt modelId="{038EF2CE-529D-4C8D-A811-42A913318E48}" type="pres">
@@ -2391,7 +2191,7 @@
       <dgm:spPr/>
     </dgm:pt>
     <dgm:pt modelId="{248449D6-5084-4754-97FA-B4A679745125}" type="pres">
-      <dgm:prSet presAssocID="{12410C7B-6B77-4D85-9E30-1820511D66D1}" presName="rootText" presStyleLbl="node4" presStyleIdx="2" presStyleCnt="16">
+      <dgm:prSet presAssocID="{12410C7B-6B77-4D85-9E30-1820511D66D1}" presName="rootText" presStyleLbl="node4" presStyleIdx="2" presStyleCnt="13">
         <dgm:presLayoutVars>
           <dgm:chPref val="3"/>
         </dgm:presLayoutVars>
@@ -2399,7 +2199,7 @@
       <dgm:spPr/>
     </dgm:pt>
     <dgm:pt modelId="{E4B2FE38-3DBA-4A5E-8286-CE04EC838825}" type="pres">
-      <dgm:prSet presAssocID="{12410C7B-6B77-4D85-9E30-1820511D66D1}" presName="rootConnector" presStyleLbl="node4" presStyleIdx="2" presStyleCnt="16"/>
+      <dgm:prSet presAssocID="{12410C7B-6B77-4D85-9E30-1820511D66D1}" presName="rootConnector" presStyleLbl="node4" presStyleIdx="2" presStyleCnt="13"/>
       <dgm:spPr/>
     </dgm:pt>
     <dgm:pt modelId="{D2196153-FF07-422B-B452-B222EA06AC54}" type="pres">
@@ -2415,7 +2215,7 @@
       <dgm:spPr/>
     </dgm:pt>
     <dgm:pt modelId="{A7F3B1F1-6EA9-4941-9ED5-412CCD543C34}" type="pres">
-      <dgm:prSet presAssocID="{9D25406A-3F3A-47C6-8028-13226081F7F6}" presName="Name37" presStyleLbl="parChTrans1D4" presStyleIdx="3" presStyleCnt="16"/>
+      <dgm:prSet presAssocID="{9D25406A-3F3A-47C6-8028-13226081F7F6}" presName="Name37" presStyleLbl="parChTrans1D4" presStyleIdx="3" presStyleCnt="13"/>
       <dgm:spPr/>
     </dgm:pt>
     <dgm:pt modelId="{A6AB1526-9212-4830-9C7D-0BCEAD8CF2CF}" type="pres">
@@ -2431,7 +2231,7 @@
       <dgm:spPr/>
     </dgm:pt>
     <dgm:pt modelId="{9B3373EE-6891-4D73-9208-6ABA8756A82B}" type="pres">
-      <dgm:prSet presAssocID="{EA961523-890D-4780-8FB2-4226B1DA0518}" presName="rootText" presStyleLbl="node4" presStyleIdx="3" presStyleCnt="16">
+      <dgm:prSet presAssocID="{EA961523-890D-4780-8FB2-4226B1DA0518}" presName="rootText" presStyleLbl="node4" presStyleIdx="3" presStyleCnt="13">
         <dgm:presLayoutVars>
           <dgm:chPref val="3"/>
         </dgm:presLayoutVars>
@@ -2439,7 +2239,7 @@
       <dgm:spPr/>
     </dgm:pt>
     <dgm:pt modelId="{BF84D24B-8D49-4BA1-850D-6EAE867BA03A}" type="pres">
-      <dgm:prSet presAssocID="{EA961523-890D-4780-8FB2-4226B1DA0518}" presName="rootConnector" presStyleLbl="node4" presStyleIdx="3" presStyleCnt="16"/>
+      <dgm:prSet presAssocID="{EA961523-890D-4780-8FB2-4226B1DA0518}" presName="rootConnector" presStyleLbl="node4" presStyleIdx="3" presStyleCnt="13"/>
       <dgm:spPr/>
     </dgm:pt>
     <dgm:pt modelId="{92A6FBD8-FC21-484D-A778-05F18F1B3CCF}" type="pres">
@@ -2451,7 +2251,7 @@
       <dgm:spPr/>
     </dgm:pt>
     <dgm:pt modelId="{FC9CBC13-B04F-4F9E-91F4-647746458686}" type="pres">
-      <dgm:prSet presAssocID="{5E28935A-C653-4F2B-A7C4-2B8223459FE0}" presName="Name37" presStyleLbl="parChTrans1D4" presStyleIdx="4" presStyleCnt="16"/>
+      <dgm:prSet presAssocID="{5E28935A-C653-4F2B-A7C4-2B8223459FE0}" presName="Name37" presStyleLbl="parChTrans1D4" presStyleIdx="4" presStyleCnt="13"/>
       <dgm:spPr/>
     </dgm:pt>
     <dgm:pt modelId="{73BD56BA-93B8-431F-AB1D-A0C1C674D4D2}" type="pres">
@@ -2467,7 +2267,7 @@
       <dgm:spPr/>
     </dgm:pt>
     <dgm:pt modelId="{1325078D-458E-40E5-9F59-F3BADA823F30}" type="pres">
-      <dgm:prSet presAssocID="{B715D9FE-073E-4B8C-9984-142AE32AAADB}" presName="rootText" presStyleLbl="node4" presStyleIdx="4" presStyleCnt="16">
+      <dgm:prSet presAssocID="{B715D9FE-073E-4B8C-9984-142AE32AAADB}" presName="rootText" presStyleLbl="node4" presStyleIdx="4" presStyleCnt="13">
         <dgm:presLayoutVars>
           <dgm:chPref val="3"/>
         </dgm:presLayoutVars>
@@ -2475,7 +2275,7 @@
       <dgm:spPr/>
     </dgm:pt>
     <dgm:pt modelId="{0793D3F7-43DF-4EAF-8825-90F26950DD58}" type="pres">
-      <dgm:prSet presAssocID="{B715D9FE-073E-4B8C-9984-142AE32AAADB}" presName="rootConnector" presStyleLbl="node4" presStyleIdx="4" presStyleCnt="16"/>
+      <dgm:prSet presAssocID="{B715D9FE-073E-4B8C-9984-142AE32AAADB}" presName="rootConnector" presStyleLbl="node4" presStyleIdx="4" presStyleCnt="13"/>
       <dgm:spPr/>
     </dgm:pt>
     <dgm:pt modelId="{85F1984B-1D02-4ACC-948A-DB3269C09F78}" type="pres">
@@ -2487,7 +2287,7 @@
       <dgm:spPr/>
     </dgm:pt>
     <dgm:pt modelId="{4AEFEB53-782B-4CB3-A908-8A33646E3543}" type="pres">
-      <dgm:prSet presAssocID="{2C3F2D3D-D5CA-4D53-90FE-7E5F34494AC9}" presName="Name37" presStyleLbl="parChTrans1D4" presStyleIdx="5" presStyleCnt="16"/>
+      <dgm:prSet presAssocID="{2C3F2D3D-D5CA-4D53-90FE-7E5F34494AC9}" presName="Name37" presStyleLbl="parChTrans1D4" presStyleIdx="5" presStyleCnt="13"/>
       <dgm:spPr/>
     </dgm:pt>
     <dgm:pt modelId="{7C3532BB-7E14-462C-ADCC-01089DA047C9}" type="pres">
@@ -2503,7 +2303,7 @@
       <dgm:spPr/>
     </dgm:pt>
     <dgm:pt modelId="{69892794-8969-400A-93B0-3237D6744633}" type="pres">
-      <dgm:prSet presAssocID="{A33CAE26-1699-4947-AB51-691514BE59BA}" presName="rootText" presStyleLbl="node4" presStyleIdx="5" presStyleCnt="16">
+      <dgm:prSet presAssocID="{A33CAE26-1699-4947-AB51-691514BE59BA}" presName="rootText" presStyleLbl="node4" presStyleIdx="5" presStyleCnt="13">
         <dgm:presLayoutVars>
           <dgm:chPref val="3"/>
         </dgm:presLayoutVars>
@@ -2511,7 +2311,7 @@
       <dgm:spPr/>
     </dgm:pt>
     <dgm:pt modelId="{61E54A12-FECA-4DD8-A932-1592281ED015}" type="pres">
-      <dgm:prSet presAssocID="{A33CAE26-1699-4947-AB51-691514BE59BA}" presName="rootConnector" presStyleLbl="node4" presStyleIdx="5" presStyleCnt="16"/>
+      <dgm:prSet presAssocID="{A33CAE26-1699-4947-AB51-691514BE59BA}" presName="rootConnector" presStyleLbl="node4" presStyleIdx="5" presStyleCnt="13"/>
       <dgm:spPr/>
     </dgm:pt>
     <dgm:pt modelId="{3AD10CCB-B45B-4D99-BBC7-87060A05D107}" type="pres">
@@ -2531,7 +2331,7 @@
       <dgm:spPr/>
     </dgm:pt>
     <dgm:pt modelId="{9A591FC9-4BD0-48A7-966C-EE8C418E4330}" type="pres">
-      <dgm:prSet presAssocID="{793D71A2-CCD3-42BA-A4A2-D25C7A3387E5}" presName="Name37" presStyleLbl="parChTrans1D2" presStyleIdx="1" presStyleCnt="5"/>
+      <dgm:prSet presAssocID="{793D71A2-CCD3-42BA-A4A2-D25C7A3387E5}" presName="Name37" presStyleLbl="parChTrans1D2" presStyleIdx="1" presStyleCnt="4"/>
       <dgm:spPr/>
     </dgm:pt>
     <dgm:pt modelId="{D6BBFC0D-FC28-417C-BB50-8E643391E7F5}" type="pres">
@@ -2547,7 +2347,7 @@
       <dgm:spPr/>
     </dgm:pt>
     <dgm:pt modelId="{63E71DF9-B3A7-4070-89D4-3944424C2913}" type="pres">
-      <dgm:prSet presAssocID="{E4E072EF-2915-4B1E-BCB0-025D9DF21850}" presName="rootText" presStyleLbl="node2" presStyleIdx="1" presStyleCnt="5">
+      <dgm:prSet presAssocID="{E4E072EF-2915-4B1E-BCB0-025D9DF21850}" presName="rootText" presStyleLbl="node2" presStyleIdx="1" presStyleCnt="4">
         <dgm:presLayoutVars>
           <dgm:chPref val="3"/>
         </dgm:presLayoutVars>
@@ -2555,51 +2355,15 @@
       <dgm:spPr/>
     </dgm:pt>
     <dgm:pt modelId="{129B1073-770F-48F3-B8E0-E8458AFF12B1}" type="pres">
-      <dgm:prSet presAssocID="{E4E072EF-2915-4B1E-BCB0-025D9DF21850}" presName="rootConnector" presStyleLbl="node2" presStyleIdx="1" presStyleCnt="5"/>
+      <dgm:prSet presAssocID="{E4E072EF-2915-4B1E-BCB0-025D9DF21850}" presName="rootConnector" presStyleLbl="node2" presStyleIdx="1" presStyleCnt="4"/>
       <dgm:spPr/>
     </dgm:pt>
     <dgm:pt modelId="{7ACEC615-AE4E-4FED-821D-9B74F2D16011}" type="pres">
       <dgm:prSet presAssocID="{E4E072EF-2915-4B1E-BCB0-025D9DF21850}" presName="hierChild4" presStyleCnt="0"/>
       <dgm:spPr/>
     </dgm:pt>
-    <dgm:pt modelId="{27DDDCD5-6FB2-472B-9AF7-14B4A74DBBF8}" type="pres">
-      <dgm:prSet presAssocID="{E2645853-2129-4A71-A76C-837EC638586A}" presName="Name37" presStyleLbl="parChTrans1D3" presStyleIdx="3" presStyleCnt="10"/>
-      <dgm:spPr/>
-    </dgm:pt>
-    <dgm:pt modelId="{EACB641A-792F-478A-AFC6-0E372F85211F}" type="pres">
-      <dgm:prSet presAssocID="{7AEDBC12-7CE7-4CA0-B642-E158D8D434A9}" presName="hierRoot2" presStyleCnt="0">
-        <dgm:presLayoutVars>
-          <dgm:hierBranch val="init"/>
-        </dgm:presLayoutVars>
-      </dgm:prSet>
-      <dgm:spPr/>
-    </dgm:pt>
-    <dgm:pt modelId="{AF758132-80FF-48F8-80AB-8EFFACF4D2BB}" type="pres">
-      <dgm:prSet presAssocID="{7AEDBC12-7CE7-4CA0-B642-E158D8D434A9}" presName="rootComposite" presStyleCnt="0"/>
-      <dgm:spPr/>
-    </dgm:pt>
-    <dgm:pt modelId="{D3F0C759-0FE4-404D-A8A8-E5280D63C775}" type="pres">
-      <dgm:prSet presAssocID="{7AEDBC12-7CE7-4CA0-B642-E158D8D434A9}" presName="rootText" presStyleLbl="node3" presStyleIdx="3" presStyleCnt="10">
-        <dgm:presLayoutVars>
-          <dgm:chPref val="3"/>
-        </dgm:presLayoutVars>
-      </dgm:prSet>
-      <dgm:spPr/>
-    </dgm:pt>
-    <dgm:pt modelId="{BF784F57-6AE5-4B0D-A7B1-A8C12D050B79}" type="pres">
-      <dgm:prSet presAssocID="{7AEDBC12-7CE7-4CA0-B642-E158D8D434A9}" presName="rootConnector" presStyleLbl="node3" presStyleIdx="3" presStyleCnt="10"/>
-      <dgm:spPr/>
-    </dgm:pt>
-    <dgm:pt modelId="{4D6B05ED-A29C-4EB3-AFA2-721339881783}" type="pres">
-      <dgm:prSet presAssocID="{7AEDBC12-7CE7-4CA0-B642-E158D8D434A9}" presName="hierChild4" presStyleCnt="0"/>
-      <dgm:spPr/>
-    </dgm:pt>
-    <dgm:pt modelId="{54BFB9BE-1F21-4B4A-93D1-ACC96507689D}" type="pres">
-      <dgm:prSet presAssocID="{7AEDBC12-7CE7-4CA0-B642-E158D8D434A9}" presName="hierChild5" presStyleCnt="0"/>
-      <dgm:spPr/>
-    </dgm:pt>
     <dgm:pt modelId="{5D155140-9D19-4626-8DAF-457CB3ED574A}" type="pres">
-      <dgm:prSet presAssocID="{4883043B-5A38-42C5-87EF-37C4E190959C}" presName="Name37" presStyleLbl="parChTrans1D3" presStyleIdx="4" presStyleCnt="10"/>
+      <dgm:prSet presAssocID="{4883043B-5A38-42C5-87EF-37C4E190959C}" presName="Name37" presStyleLbl="parChTrans1D3" presStyleIdx="3" presStyleCnt="9"/>
       <dgm:spPr/>
     </dgm:pt>
     <dgm:pt modelId="{5AD0B328-7C68-4FFD-81AF-3AD3EE330C7A}" type="pres">
@@ -2615,7 +2379,7 @@
       <dgm:spPr/>
     </dgm:pt>
     <dgm:pt modelId="{2A098294-C6FB-4CDE-A18D-D965C0CE13D1}" type="pres">
-      <dgm:prSet presAssocID="{F68433DB-7CFF-43F9-A473-C5F8AA0B06EC}" presName="rootText" presStyleLbl="node3" presStyleIdx="4" presStyleCnt="10">
+      <dgm:prSet presAssocID="{F68433DB-7CFF-43F9-A473-C5F8AA0B06EC}" presName="rootText" presStyleLbl="node3" presStyleIdx="3" presStyleCnt="9">
         <dgm:presLayoutVars>
           <dgm:chPref val="3"/>
         </dgm:presLayoutVars>
@@ -2623,7 +2387,7 @@
       <dgm:spPr/>
     </dgm:pt>
     <dgm:pt modelId="{0C01B648-750E-4CB2-BBAE-64D7D990182B}" type="pres">
-      <dgm:prSet presAssocID="{F68433DB-7CFF-43F9-A473-C5F8AA0B06EC}" presName="rootConnector" presStyleLbl="node3" presStyleIdx="4" presStyleCnt="10"/>
+      <dgm:prSet presAssocID="{F68433DB-7CFF-43F9-A473-C5F8AA0B06EC}" presName="rootConnector" presStyleLbl="node3" presStyleIdx="3" presStyleCnt="9"/>
       <dgm:spPr/>
     </dgm:pt>
     <dgm:pt modelId="{438CB710-FBE3-489C-B279-178DEE3C331D}" type="pres">
@@ -2635,7 +2399,7 @@
       <dgm:spPr/>
     </dgm:pt>
     <dgm:pt modelId="{0626F3B8-74E5-4881-9EF6-18466B2CF4DE}" type="pres">
-      <dgm:prSet presAssocID="{707786A1-799F-4D7F-9ADE-156152D3E21F}" presName="Name37" presStyleLbl="parChTrans1D3" presStyleIdx="5" presStyleCnt="10"/>
+      <dgm:prSet presAssocID="{707786A1-799F-4D7F-9ADE-156152D3E21F}" presName="Name37" presStyleLbl="parChTrans1D3" presStyleIdx="4" presStyleCnt="9"/>
       <dgm:spPr/>
     </dgm:pt>
     <dgm:pt modelId="{037DBCC2-7F6A-4447-A89C-7BA0C5335A8E}" type="pres">
@@ -2651,7 +2415,7 @@
       <dgm:spPr/>
     </dgm:pt>
     <dgm:pt modelId="{622B0033-31B7-4ED8-ADE4-278D36C5733F}" type="pres">
-      <dgm:prSet presAssocID="{962C29C3-AE9F-445D-BBD8-31B216B597ED}" presName="rootText" presStyleLbl="node3" presStyleIdx="5" presStyleCnt="10">
+      <dgm:prSet presAssocID="{962C29C3-AE9F-445D-BBD8-31B216B597ED}" presName="rootText" presStyleLbl="node3" presStyleIdx="4" presStyleCnt="9">
         <dgm:presLayoutVars>
           <dgm:chPref val="3"/>
         </dgm:presLayoutVars>
@@ -2659,15 +2423,55 @@
       <dgm:spPr/>
     </dgm:pt>
     <dgm:pt modelId="{177B038E-8FC6-4D90-9B81-368776EF5BFA}" type="pres">
-      <dgm:prSet presAssocID="{962C29C3-AE9F-445D-BBD8-31B216B597ED}" presName="rootConnector" presStyleLbl="node3" presStyleIdx="5" presStyleCnt="10"/>
+      <dgm:prSet presAssocID="{962C29C3-AE9F-445D-BBD8-31B216B597ED}" presName="rootConnector" presStyleLbl="node3" presStyleIdx="4" presStyleCnt="9"/>
       <dgm:spPr/>
     </dgm:pt>
     <dgm:pt modelId="{7DBD0D4C-491F-499D-8A07-7152D027D595}" type="pres">
       <dgm:prSet presAssocID="{962C29C3-AE9F-445D-BBD8-31B216B597ED}" presName="hierChild4" presStyleCnt="0"/>
       <dgm:spPr/>
     </dgm:pt>
+    <dgm:pt modelId="{A4AB2195-8759-472B-B385-F123404B10D5}" type="pres">
+      <dgm:prSet presAssocID="{620946A6-DE85-42D0-ACF1-0D606577D9E0}" presName="Name37" presStyleLbl="parChTrans1D4" presStyleIdx="6" presStyleCnt="13"/>
+      <dgm:spPr/>
+    </dgm:pt>
+    <dgm:pt modelId="{7A6CD135-2C3C-44C1-AFBC-708267324865}" type="pres">
+      <dgm:prSet presAssocID="{8DFA5406-DF9D-4F57-9312-AAB348BF9E28}" presName="hierRoot2" presStyleCnt="0">
+        <dgm:presLayoutVars>
+          <dgm:hierBranch val="init"/>
+        </dgm:presLayoutVars>
+      </dgm:prSet>
+      <dgm:spPr/>
+    </dgm:pt>
+    <dgm:pt modelId="{72816C41-DE7D-4084-88D0-CF0BCF162B15}" type="pres">
+      <dgm:prSet presAssocID="{8DFA5406-DF9D-4F57-9312-AAB348BF9E28}" presName="rootComposite" presStyleCnt="0"/>
+      <dgm:spPr/>
+    </dgm:pt>
+    <dgm:pt modelId="{17D24AD2-7AFB-4DE8-8C9D-A2297937059E}" type="pres">
+      <dgm:prSet presAssocID="{8DFA5406-DF9D-4F57-9312-AAB348BF9E28}" presName="rootText" presStyleLbl="node4" presStyleIdx="6" presStyleCnt="13" custLinFactNeighborX="22975" custLinFactNeighborY="-2578">
+        <dgm:presLayoutVars>
+          <dgm:chPref val="3"/>
+        </dgm:presLayoutVars>
+      </dgm:prSet>
+      <dgm:spPr/>
+    </dgm:pt>
+    <dgm:pt modelId="{A1181027-2607-46F5-B3C7-52A7685E3789}" type="pres">
+      <dgm:prSet presAssocID="{8DFA5406-DF9D-4F57-9312-AAB348BF9E28}" presName="rootConnector" presStyleLbl="node4" presStyleIdx="6" presStyleCnt="13"/>
+      <dgm:spPr/>
+    </dgm:pt>
+    <dgm:pt modelId="{17588116-9CD7-42CC-9013-60E8096D8708}" type="pres">
+      <dgm:prSet presAssocID="{8DFA5406-DF9D-4F57-9312-AAB348BF9E28}" presName="hierChild4" presStyleCnt="0"/>
+      <dgm:spPr/>
+    </dgm:pt>
+    <dgm:pt modelId="{F74B521A-1139-4FFE-B728-178FEA54A087}" type="pres">
+      <dgm:prSet presAssocID="{8DFA5406-DF9D-4F57-9312-AAB348BF9E28}" presName="hierChild5" presStyleCnt="0"/>
+      <dgm:spPr/>
+    </dgm:pt>
+    <dgm:pt modelId="{2FC0675E-6305-422E-9C4A-180079AF76E4}" type="pres">
+      <dgm:prSet presAssocID="{962C29C3-AE9F-445D-BBD8-31B216B597ED}" presName="hierChild5" presStyleCnt="0"/>
+      <dgm:spPr/>
+    </dgm:pt>
     <dgm:pt modelId="{C1455B8D-8BE6-4A31-8E35-1FC22CC759A5}" type="pres">
-      <dgm:prSet presAssocID="{F6212152-A831-45AD-A778-88D8043C12A0}" presName="Name37" presStyleLbl="parChTrans1D4" presStyleIdx="6" presStyleCnt="16"/>
+      <dgm:prSet presAssocID="{F6212152-A831-45AD-A778-88D8043C12A0}" presName="Name37" presStyleLbl="parChTrans1D3" presStyleIdx="5" presStyleCnt="9"/>
       <dgm:spPr/>
     </dgm:pt>
     <dgm:pt modelId="{2D7A81AB-2B0E-491B-A9C5-D48A79ECA519}" type="pres">
@@ -2683,7 +2487,7 @@
       <dgm:spPr/>
     </dgm:pt>
     <dgm:pt modelId="{80284372-DEAA-4F2B-9BE1-1465649F27EB}" type="pres">
-      <dgm:prSet presAssocID="{45CBB52A-35E3-463A-BE7F-702252449A53}" presName="rootText" presStyleLbl="node4" presStyleIdx="6" presStyleCnt="16">
+      <dgm:prSet presAssocID="{45CBB52A-35E3-463A-BE7F-702252449A53}" presName="rootText" presStyleLbl="node3" presStyleIdx="5" presStyleCnt="9">
         <dgm:presLayoutVars>
           <dgm:chPref val="3"/>
         </dgm:presLayoutVars>
@@ -2691,7 +2495,7 @@
       <dgm:spPr/>
     </dgm:pt>
     <dgm:pt modelId="{DDE3D686-D9D9-4FB3-93AE-66BE71BA2B74}" type="pres">
-      <dgm:prSet presAssocID="{45CBB52A-35E3-463A-BE7F-702252449A53}" presName="rootConnector" presStyleLbl="node4" presStyleIdx="6" presStyleCnt="16"/>
+      <dgm:prSet presAssocID="{45CBB52A-35E3-463A-BE7F-702252449A53}" presName="rootConnector" presStyleLbl="node3" presStyleIdx="5" presStyleCnt="9"/>
       <dgm:spPr/>
     </dgm:pt>
     <dgm:pt modelId="{3D23BCD3-FA72-4D92-A527-50DBCEB86742}" type="pres">
@@ -2702,16 +2506,12 @@
       <dgm:prSet presAssocID="{45CBB52A-35E3-463A-BE7F-702252449A53}" presName="hierChild5" presStyleCnt="0"/>
       <dgm:spPr/>
     </dgm:pt>
-    <dgm:pt modelId="{2FC0675E-6305-422E-9C4A-180079AF76E4}" type="pres">
-      <dgm:prSet presAssocID="{962C29C3-AE9F-445D-BBD8-31B216B597ED}" presName="hierChild5" presStyleCnt="0"/>
-      <dgm:spPr/>
-    </dgm:pt>
     <dgm:pt modelId="{0C8DFEE2-DA9E-415C-85D6-B53FC35D14B7}" type="pres">
       <dgm:prSet presAssocID="{E4E072EF-2915-4B1E-BCB0-025D9DF21850}" presName="hierChild5" presStyleCnt="0"/>
       <dgm:spPr/>
     </dgm:pt>
     <dgm:pt modelId="{365EC482-16B1-4AAD-B4CC-D63D201EE27E}" type="pres">
-      <dgm:prSet presAssocID="{2347F36B-662C-4C22-AE9C-A36338F45122}" presName="Name37" presStyleLbl="parChTrans1D2" presStyleIdx="2" presStyleCnt="5"/>
+      <dgm:prSet presAssocID="{2347F36B-662C-4C22-AE9C-A36338F45122}" presName="Name37" presStyleLbl="parChTrans1D2" presStyleIdx="2" presStyleCnt="4"/>
       <dgm:spPr/>
     </dgm:pt>
     <dgm:pt modelId="{E9B6DB36-5262-4381-97F4-9EB636D22537}" type="pres">
@@ -2727,7 +2527,7 @@
       <dgm:spPr/>
     </dgm:pt>
     <dgm:pt modelId="{F1A12858-AFF8-449A-AD45-DAC0414A51C7}" type="pres">
-      <dgm:prSet presAssocID="{B3208200-9566-4778-8DD6-F7A90547B5A5}" presName="rootText" presStyleLbl="node2" presStyleIdx="2" presStyleCnt="5">
+      <dgm:prSet presAssocID="{B3208200-9566-4778-8DD6-F7A90547B5A5}" presName="rootText" presStyleLbl="node2" presStyleIdx="2" presStyleCnt="4">
         <dgm:presLayoutVars>
           <dgm:chPref val="3"/>
         </dgm:presLayoutVars>
@@ -2735,7 +2535,7 @@
       <dgm:spPr/>
     </dgm:pt>
     <dgm:pt modelId="{37060C8D-2477-4B5B-AC9C-2EBA286C627A}" type="pres">
-      <dgm:prSet presAssocID="{B3208200-9566-4778-8DD6-F7A90547B5A5}" presName="rootConnector" presStyleLbl="node2" presStyleIdx="2" presStyleCnt="5"/>
+      <dgm:prSet presAssocID="{B3208200-9566-4778-8DD6-F7A90547B5A5}" presName="rootConnector" presStyleLbl="node2" presStyleIdx="2" presStyleCnt="4"/>
       <dgm:spPr/>
     </dgm:pt>
     <dgm:pt modelId="{B4B02CFE-DE12-4B73-BB3B-748E560985FB}" type="pres">
@@ -2743,7 +2543,7 @@
       <dgm:spPr/>
     </dgm:pt>
     <dgm:pt modelId="{19022296-9BC7-4C24-941F-17B7828A0FF7}" type="pres">
-      <dgm:prSet presAssocID="{4FFFF72A-CA3F-491C-91E8-377D61DE4DB6}" presName="Name37" presStyleLbl="parChTrans1D3" presStyleIdx="6" presStyleCnt="10"/>
+      <dgm:prSet presAssocID="{4FFFF72A-CA3F-491C-91E8-377D61DE4DB6}" presName="Name37" presStyleLbl="parChTrans1D3" presStyleIdx="6" presStyleCnt="9"/>
       <dgm:spPr/>
     </dgm:pt>
     <dgm:pt modelId="{DB936251-AB73-45B8-8F33-0E70AF01B8A8}" type="pres">
@@ -2759,7 +2559,7 @@
       <dgm:spPr/>
     </dgm:pt>
     <dgm:pt modelId="{FE2B2C4C-2C2C-428F-AF6D-399EEC28613C}" type="pres">
-      <dgm:prSet presAssocID="{FE5DB0AD-FB49-4BCA-A679-92C4BD5CAE82}" presName="rootText" presStyleLbl="node3" presStyleIdx="6" presStyleCnt="10">
+      <dgm:prSet presAssocID="{FE5DB0AD-FB49-4BCA-A679-92C4BD5CAE82}" presName="rootText" presStyleLbl="node3" presStyleIdx="6" presStyleCnt="9">
         <dgm:presLayoutVars>
           <dgm:chPref val="3"/>
         </dgm:presLayoutVars>
@@ -2767,7 +2567,7 @@
       <dgm:spPr/>
     </dgm:pt>
     <dgm:pt modelId="{7D4BCB10-4624-449F-94E5-D8E3D803FECB}" type="pres">
-      <dgm:prSet presAssocID="{FE5DB0AD-FB49-4BCA-A679-92C4BD5CAE82}" presName="rootConnector" presStyleLbl="node3" presStyleIdx="6" presStyleCnt="10"/>
+      <dgm:prSet presAssocID="{FE5DB0AD-FB49-4BCA-A679-92C4BD5CAE82}" presName="rootConnector" presStyleLbl="node3" presStyleIdx="6" presStyleCnt="9"/>
       <dgm:spPr/>
     </dgm:pt>
     <dgm:pt modelId="{139F7EA4-F7EC-4BD2-A476-FBA29AEAA286}" type="pres">
@@ -2779,7 +2579,7 @@
       <dgm:spPr/>
     </dgm:pt>
     <dgm:pt modelId="{F5B1E418-46F4-4DA5-B6F2-687161E28117}" type="pres">
-      <dgm:prSet presAssocID="{45EA2EA8-BFD8-4565-A744-6B05FD36FEFB}" presName="Name37" presStyleLbl="parChTrans1D3" presStyleIdx="7" presStyleCnt="10"/>
+      <dgm:prSet presAssocID="{45EA2EA8-BFD8-4565-A744-6B05FD36FEFB}" presName="Name37" presStyleLbl="parChTrans1D3" presStyleIdx="7" presStyleCnt="9"/>
       <dgm:spPr/>
     </dgm:pt>
     <dgm:pt modelId="{B6940923-98D8-4CFE-9414-56194B932998}" type="pres">
@@ -2795,7 +2595,7 @@
       <dgm:spPr/>
     </dgm:pt>
     <dgm:pt modelId="{FB2B172F-5177-4933-AF21-26137413A2EE}" type="pres">
-      <dgm:prSet presAssocID="{5AC28D7D-D256-4144-8D19-11BD995711F0}" presName="rootText" presStyleLbl="node3" presStyleIdx="7" presStyleCnt="10">
+      <dgm:prSet presAssocID="{5AC28D7D-D256-4144-8D19-11BD995711F0}" presName="rootText" presStyleLbl="node3" presStyleIdx="7" presStyleCnt="9">
         <dgm:presLayoutVars>
           <dgm:chPref val="3"/>
         </dgm:presLayoutVars>
@@ -2803,7 +2603,7 @@
       <dgm:spPr/>
     </dgm:pt>
     <dgm:pt modelId="{1078865C-0760-49EA-BA45-E88F02AC99E1}" type="pres">
-      <dgm:prSet presAssocID="{5AC28D7D-D256-4144-8D19-11BD995711F0}" presName="rootConnector" presStyleLbl="node3" presStyleIdx="7" presStyleCnt="10"/>
+      <dgm:prSet presAssocID="{5AC28D7D-D256-4144-8D19-11BD995711F0}" presName="rootConnector" presStyleLbl="node3" presStyleIdx="7" presStyleCnt="9"/>
       <dgm:spPr/>
     </dgm:pt>
     <dgm:pt modelId="{0A89E13A-11C1-4B9F-863C-AF0814D916C6}" type="pres">
@@ -2811,7 +2611,7 @@
       <dgm:spPr/>
     </dgm:pt>
     <dgm:pt modelId="{2B9B4D75-1786-4A58-AB58-F266C283DA89}" type="pres">
-      <dgm:prSet presAssocID="{D99B67EF-82D5-4842-B23B-97809837F396}" presName="Name37" presStyleLbl="parChTrans1D4" presStyleIdx="7" presStyleCnt="16"/>
+      <dgm:prSet presAssocID="{D99B67EF-82D5-4842-B23B-97809837F396}" presName="Name37" presStyleLbl="parChTrans1D4" presStyleIdx="7" presStyleCnt="13"/>
       <dgm:spPr/>
     </dgm:pt>
     <dgm:pt modelId="{755FB875-F0A2-4321-8688-9B14038BA5B0}" type="pres">
@@ -2827,7 +2627,7 @@
       <dgm:spPr/>
     </dgm:pt>
     <dgm:pt modelId="{4B033A3A-75AD-4A26-9DB0-0FC9A98EC969}" type="pres">
-      <dgm:prSet presAssocID="{AB68D805-C958-4186-AB98-BDF42A3C4103}" presName="rootText" presStyleLbl="node4" presStyleIdx="7" presStyleCnt="16">
+      <dgm:prSet presAssocID="{AB68D805-C958-4186-AB98-BDF42A3C4103}" presName="rootText" presStyleLbl="node4" presStyleIdx="7" presStyleCnt="13">
         <dgm:presLayoutVars>
           <dgm:chPref val="3"/>
         </dgm:presLayoutVars>
@@ -2835,7 +2635,7 @@
       <dgm:spPr/>
     </dgm:pt>
     <dgm:pt modelId="{38ED2C34-AE31-4E66-AB20-27B061EAD4A2}" type="pres">
-      <dgm:prSet presAssocID="{AB68D805-C958-4186-AB98-BDF42A3C4103}" presName="rootConnector" presStyleLbl="node4" presStyleIdx="7" presStyleCnt="16"/>
+      <dgm:prSet presAssocID="{AB68D805-C958-4186-AB98-BDF42A3C4103}" presName="rootConnector" presStyleLbl="node4" presStyleIdx="7" presStyleCnt="13"/>
       <dgm:spPr/>
     </dgm:pt>
     <dgm:pt modelId="{367F7715-A4BD-4356-9634-AB8559AD94ED}" type="pres">
@@ -2843,7 +2643,7 @@
       <dgm:spPr/>
     </dgm:pt>
     <dgm:pt modelId="{73378EFE-146D-4196-947E-A6CEC68B4305}" type="pres">
-      <dgm:prSet presAssocID="{3DFC2F88-CE7C-4FF6-B9DA-AA2DA983BF9B}" presName="Name37" presStyleLbl="parChTrans1D4" presStyleIdx="8" presStyleCnt="16"/>
+      <dgm:prSet presAssocID="{3DFC2F88-CE7C-4FF6-B9DA-AA2DA983BF9B}" presName="Name37" presStyleLbl="parChTrans1D4" presStyleIdx="8" presStyleCnt="13"/>
       <dgm:spPr/>
     </dgm:pt>
     <dgm:pt modelId="{7F6B3524-F891-46C2-8AD7-B3106995A676}" type="pres">
@@ -2859,7 +2659,7 @@
       <dgm:spPr/>
     </dgm:pt>
     <dgm:pt modelId="{49D9708E-FDC3-4962-AF81-FDBD78B9A095}" type="pres">
-      <dgm:prSet presAssocID="{5100871E-AAD0-46BA-ABE9-C4AC3A15682C}" presName="rootText" presStyleLbl="node4" presStyleIdx="8" presStyleCnt="16">
+      <dgm:prSet presAssocID="{5100871E-AAD0-46BA-ABE9-C4AC3A15682C}" presName="rootText" presStyleLbl="node4" presStyleIdx="8" presStyleCnt="13">
         <dgm:presLayoutVars>
           <dgm:chPref val="3"/>
         </dgm:presLayoutVars>
@@ -2867,7 +2667,7 @@
       <dgm:spPr/>
     </dgm:pt>
     <dgm:pt modelId="{A8FCBADC-FE30-44DA-9CC4-550F3C8AA224}" type="pres">
-      <dgm:prSet presAssocID="{5100871E-AAD0-46BA-ABE9-C4AC3A15682C}" presName="rootConnector" presStyleLbl="node4" presStyleIdx="8" presStyleCnt="16"/>
+      <dgm:prSet presAssocID="{5100871E-AAD0-46BA-ABE9-C4AC3A15682C}" presName="rootConnector" presStyleLbl="node4" presStyleIdx="8" presStyleCnt="13"/>
       <dgm:spPr/>
     </dgm:pt>
     <dgm:pt modelId="{D1046CD3-B71A-476E-9AAE-7983A8B0B14C}" type="pres">
@@ -2879,7 +2679,7 @@
       <dgm:spPr/>
     </dgm:pt>
     <dgm:pt modelId="{D6FC18CD-D8B1-43EC-9542-8DAEFFEE823B}" type="pres">
-      <dgm:prSet presAssocID="{F4DB0EF5-5D73-4181-AB1F-1D55429A5929}" presName="Name37" presStyleLbl="parChTrans1D4" presStyleIdx="9" presStyleCnt="16"/>
+      <dgm:prSet presAssocID="{F4DB0EF5-5D73-4181-AB1F-1D55429A5929}" presName="Name37" presStyleLbl="parChTrans1D4" presStyleIdx="9" presStyleCnt="13"/>
       <dgm:spPr/>
     </dgm:pt>
     <dgm:pt modelId="{3137A14D-7A44-4CFB-9841-7D9C16017651}" type="pres">
@@ -2895,7 +2695,7 @@
       <dgm:spPr/>
     </dgm:pt>
     <dgm:pt modelId="{E09091FD-A15C-48BC-A189-C13B424096F4}" type="pres">
-      <dgm:prSet presAssocID="{99B42074-C8A4-4276-A431-7A268A6F956A}" presName="rootText" presStyleLbl="node4" presStyleIdx="9" presStyleCnt="16">
+      <dgm:prSet presAssocID="{99B42074-C8A4-4276-A431-7A268A6F956A}" presName="rootText" presStyleLbl="node4" presStyleIdx="9" presStyleCnt="13">
         <dgm:presLayoutVars>
           <dgm:chPref val="3"/>
         </dgm:presLayoutVars>
@@ -2903,7 +2703,7 @@
       <dgm:spPr/>
     </dgm:pt>
     <dgm:pt modelId="{44965221-273C-4D7C-874F-41FE75ACF3B3}" type="pres">
-      <dgm:prSet presAssocID="{99B42074-C8A4-4276-A431-7A268A6F956A}" presName="rootConnector" presStyleLbl="node4" presStyleIdx="9" presStyleCnt="16"/>
+      <dgm:prSet presAssocID="{99B42074-C8A4-4276-A431-7A268A6F956A}" presName="rootConnector" presStyleLbl="node4" presStyleIdx="9" presStyleCnt="13"/>
       <dgm:spPr/>
     </dgm:pt>
     <dgm:pt modelId="{C65A08AE-9CDE-4D33-A4C1-A0B57C0FDB77}" type="pres">
@@ -2919,7 +2719,7 @@
       <dgm:spPr/>
     </dgm:pt>
     <dgm:pt modelId="{5FC3CFC7-DA46-4C68-B6F6-ED7879BF88FA}" type="pres">
-      <dgm:prSet presAssocID="{BD1C2900-BB9C-431A-BCFD-7D7437E4F68D}" presName="Name37" presStyleLbl="parChTrans1D4" presStyleIdx="10" presStyleCnt="16"/>
+      <dgm:prSet presAssocID="{BD1C2900-BB9C-431A-BCFD-7D7437E4F68D}" presName="Name37" presStyleLbl="parChTrans1D4" presStyleIdx="10" presStyleCnt="13"/>
       <dgm:spPr/>
     </dgm:pt>
     <dgm:pt modelId="{57BF3D87-26C5-4A3F-B224-3F7277436B6A}" type="pres">
@@ -2935,7 +2735,7 @@
       <dgm:spPr/>
     </dgm:pt>
     <dgm:pt modelId="{6982A4F2-184C-4998-8D19-011A9D49E0C2}" type="pres">
-      <dgm:prSet presAssocID="{BD08C5E0-0681-45D7-BBEF-CAE8379DA1FE}" presName="rootText" presStyleLbl="node4" presStyleIdx="10" presStyleCnt="16">
+      <dgm:prSet presAssocID="{BD08C5E0-0681-45D7-BBEF-CAE8379DA1FE}" presName="rootText" presStyleLbl="node4" presStyleIdx="10" presStyleCnt="13">
         <dgm:presLayoutVars>
           <dgm:chPref val="3"/>
         </dgm:presLayoutVars>
@@ -2943,7 +2743,7 @@
       <dgm:spPr/>
     </dgm:pt>
     <dgm:pt modelId="{5CE3954E-28D7-4DD5-9996-F92A3752991F}" type="pres">
-      <dgm:prSet presAssocID="{BD08C5E0-0681-45D7-BBEF-CAE8379DA1FE}" presName="rootConnector" presStyleLbl="node4" presStyleIdx="10" presStyleCnt="16"/>
+      <dgm:prSet presAssocID="{BD08C5E0-0681-45D7-BBEF-CAE8379DA1FE}" presName="rootConnector" presStyleLbl="node4" presStyleIdx="10" presStyleCnt="13"/>
       <dgm:spPr/>
     </dgm:pt>
     <dgm:pt modelId="{7E2A8CC0-A888-4F02-B5E7-1CCFBDE463DA}" type="pres">
@@ -2951,7 +2751,7 @@
       <dgm:spPr/>
     </dgm:pt>
     <dgm:pt modelId="{442AE7C3-2A29-4DE7-ABD9-C15F7C3058BC}" type="pres">
-      <dgm:prSet presAssocID="{B6007062-69F6-4186-841E-DD12D66B2E0B}" presName="Name37" presStyleLbl="parChTrans1D4" presStyleIdx="11" presStyleCnt="16"/>
+      <dgm:prSet presAssocID="{B6007062-69F6-4186-841E-DD12D66B2E0B}" presName="Name37" presStyleLbl="parChTrans1D4" presStyleIdx="11" presStyleCnt="13"/>
       <dgm:spPr/>
     </dgm:pt>
     <dgm:pt modelId="{FA91D906-E9B2-4F50-A3ED-CF6A9809E83E}" type="pres">
@@ -2967,7 +2767,7 @@
       <dgm:spPr/>
     </dgm:pt>
     <dgm:pt modelId="{88ADE8B7-75B5-4356-8C72-E542511B57EB}" type="pres">
-      <dgm:prSet presAssocID="{0FB05435-4892-4ABA-B3C9-7237C0B06A67}" presName="rootText" presStyleLbl="node4" presStyleIdx="11" presStyleCnt="16">
+      <dgm:prSet presAssocID="{0FB05435-4892-4ABA-B3C9-7237C0B06A67}" presName="rootText" presStyleLbl="node4" presStyleIdx="11" presStyleCnt="13">
         <dgm:presLayoutVars>
           <dgm:chPref val="3"/>
         </dgm:presLayoutVars>
@@ -2975,7 +2775,7 @@
       <dgm:spPr/>
     </dgm:pt>
     <dgm:pt modelId="{9063657D-724B-40E5-87A3-958C7E656220}" type="pres">
-      <dgm:prSet presAssocID="{0FB05435-4892-4ABA-B3C9-7237C0B06A67}" presName="rootConnector" presStyleLbl="node4" presStyleIdx="11" presStyleCnt="16"/>
+      <dgm:prSet presAssocID="{0FB05435-4892-4ABA-B3C9-7237C0B06A67}" presName="rootConnector" presStyleLbl="node4" presStyleIdx="11" presStyleCnt="13"/>
       <dgm:spPr/>
     </dgm:pt>
     <dgm:pt modelId="{2BC60E18-4776-47F8-9926-8D8DBE8066C8}" type="pres">
@@ -2983,7 +2783,7 @@
       <dgm:spPr/>
     </dgm:pt>
     <dgm:pt modelId="{ADCB22DC-BCE2-4F6F-89DB-9ECDA855F3B2}" type="pres">
-      <dgm:prSet presAssocID="{53CE5A2A-AAAE-4A22-AE9A-EFCCC4C8AFF9}" presName="Name37" presStyleLbl="parChTrans1D4" presStyleIdx="12" presStyleCnt="16"/>
+      <dgm:prSet presAssocID="{53CE5A2A-AAAE-4A22-AE9A-EFCCC4C8AFF9}" presName="Name37" presStyleLbl="parChTrans1D4" presStyleIdx="12" presStyleCnt="13"/>
       <dgm:spPr/>
     </dgm:pt>
     <dgm:pt modelId="{83E029F9-2C68-4D72-918A-8964C235AAC3}" type="pres">
@@ -2999,7 +2799,7 @@
       <dgm:spPr/>
     </dgm:pt>
     <dgm:pt modelId="{E7CEEE60-EA00-4B96-987D-58238A6F75F4}" type="pres">
-      <dgm:prSet presAssocID="{F0DBC855-2474-4BDE-BDFA-C88E7E739F87}" presName="rootText" presStyleLbl="node4" presStyleIdx="12" presStyleCnt="16">
+      <dgm:prSet presAssocID="{F0DBC855-2474-4BDE-BDFA-C88E7E739F87}" presName="rootText" presStyleLbl="node4" presStyleIdx="12" presStyleCnt="13">
         <dgm:presLayoutVars>
           <dgm:chPref val="3"/>
         </dgm:presLayoutVars>
@@ -3007,7 +2807,7 @@
       <dgm:spPr/>
     </dgm:pt>
     <dgm:pt modelId="{ACBEA6DA-30D9-4A6D-8344-AB143177ECE3}" type="pres">
-      <dgm:prSet presAssocID="{F0DBC855-2474-4BDE-BDFA-C88E7E739F87}" presName="rootConnector" presStyleLbl="node4" presStyleIdx="12" presStyleCnt="16"/>
+      <dgm:prSet presAssocID="{F0DBC855-2474-4BDE-BDFA-C88E7E739F87}" presName="rootConnector" presStyleLbl="node4" presStyleIdx="12" presStyleCnt="13"/>
       <dgm:spPr/>
     </dgm:pt>
     <dgm:pt modelId="{63189B59-1BB6-4B7A-BF0F-EA1695752BAC}" type="pres">
@@ -3030,156 +2830,12 @@
       <dgm:prSet presAssocID="{5AC28D7D-D256-4144-8D19-11BD995711F0}" presName="hierChild5" presStyleCnt="0"/>
       <dgm:spPr/>
     </dgm:pt>
-    <dgm:pt modelId="{A83E7F0A-9D50-4002-B043-608EB14336CD}" type="pres">
-      <dgm:prSet presAssocID="{DA5E292A-778A-45DE-BB42-0F4A0C7C4E2D}" presName="Name37" presStyleLbl="parChTrans1D3" presStyleIdx="8" presStyleCnt="10"/>
-      <dgm:spPr/>
-    </dgm:pt>
-    <dgm:pt modelId="{3DC475B2-F484-4E6B-857A-8DD35CD5F9B8}" type="pres">
-      <dgm:prSet presAssocID="{FCB2BB3A-B553-4743-B8C6-02694F15CC4D}" presName="hierRoot2" presStyleCnt="0">
-        <dgm:presLayoutVars>
-          <dgm:hierBranch val="init"/>
-        </dgm:presLayoutVars>
-      </dgm:prSet>
-      <dgm:spPr/>
-    </dgm:pt>
-    <dgm:pt modelId="{75ABCECC-0501-4E60-B97D-CC5F504E7C2C}" type="pres">
-      <dgm:prSet presAssocID="{FCB2BB3A-B553-4743-B8C6-02694F15CC4D}" presName="rootComposite" presStyleCnt="0"/>
-      <dgm:spPr/>
-    </dgm:pt>
-    <dgm:pt modelId="{239F6289-AE16-4CCB-9BAE-15F7BFC87DCF}" type="pres">
-      <dgm:prSet presAssocID="{FCB2BB3A-B553-4743-B8C6-02694F15CC4D}" presName="rootText" presStyleLbl="node3" presStyleIdx="8" presStyleCnt="10">
-        <dgm:presLayoutVars>
-          <dgm:chPref val="3"/>
-        </dgm:presLayoutVars>
-      </dgm:prSet>
-      <dgm:spPr/>
-    </dgm:pt>
-    <dgm:pt modelId="{28D2B13E-9A04-4705-89CE-28B82E405171}" type="pres">
-      <dgm:prSet presAssocID="{FCB2BB3A-B553-4743-B8C6-02694F15CC4D}" presName="rootConnector" presStyleLbl="node3" presStyleIdx="8" presStyleCnt="10"/>
-      <dgm:spPr/>
-    </dgm:pt>
-    <dgm:pt modelId="{5CB2225E-05CD-4717-B11C-00E77B570016}" type="pres">
-      <dgm:prSet presAssocID="{FCB2BB3A-B553-4743-B8C6-02694F15CC4D}" presName="hierChild4" presStyleCnt="0"/>
-      <dgm:spPr/>
-    </dgm:pt>
-    <dgm:pt modelId="{748BE8D2-2DFD-4478-9C46-54F07749F38C}" type="pres">
-      <dgm:prSet presAssocID="{D343B69F-526B-4D75-91DE-4BBFC2E76D79}" presName="Name37" presStyleLbl="parChTrans1D4" presStyleIdx="13" presStyleCnt="16"/>
-      <dgm:spPr/>
-    </dgm:pt>
-    <dgm:pt modelId="{375DF4A2-D241-4B47-8D96-8A247FFC9631}" type="pres">
-      <dgm:prSet presAssocID="{F35ADB14-3F53-4F9C-A59C-49942A1E6024}" presName="hierRoot2" presStyleCnt="0">
-        <dgm:presLayoutVars>
-          <dgm:hierBranch val="init"/>
-        </dgm:presLayoutVars>
-      </dgm:prSet>
-      <dgm:spPr/>
-    </dgm:pt>
-    <dgm:pt modelId="{B66E49A9-0A07-490D-9C3A-FE85A8893A12}" type="pres">
-      <dgm:prSet presAssocID="{F35ADB14-3F53-4F9C-A59C-49942A1E6024}" presName="rootComposite" presStyleCnt="0"/>
-      <dgm:spPr/>
-    </dgm:pt>
-    <dgm:pt modelId="{AFFD236A-6B48-41FD-B6EB-C7E4C9650A79}" type="pres">
-      <dgm:prSet presAssocID="{F35ADB14-3F53-4F9C-A59C-49942A1E6024}" presName="rootText" presStyleLbl="node4" presStyleIdx="13" presStyleCnt="16" custLinFactNeighborY="3946">
-        <dgm:presLayoutVars>
-          <dgm:chPref val="3"/>
-        </dgm:presLayoutVars>
-      </dgm:prSet>
-      <dgm:spPr/>
-    </dgm:pt>
-    <dgm:pt modelId="{2ECE3AB1-FB37-40BF-B4ED-A6A18B6F2F79}" type="pres">
-      <dgm:prSet presAssocID="{F35ADB14-3F53-4F9C-A59C-49942A1E6024}" presName="rootConnector" presStyleLbl="node4" presStyleIdx="13" presStyleCnt="16"/>
-      <dgm:spPr/>
-    </dgm:pt>
-    <dgm:pt modelId="{53007345-CAEB-462E-B901-0F9846FA275B}" type="pres">
-      <dgm:prSet presAssocID="{F35ADB14-3F53-4F9C-A59C-49942A1E6024}" presName="hierChild4" presStyleCnt="0"/>
-      <dgm:spPr/>
-    </dgm:pt>
-    <dgm:pt modelId="{D320EF83-2AB4-4160-87ED-9FB8681EA260}" type="pres">
-      <dgm:prSet presAssocID="{F35ADB14-3F53-4F9C-A59C-49942A1E6024}" presName="hierChild5" presStyleCnt="0"/>
-      <dgm:spPr/>
-    </dgm:pt>
-    <dgm:pt modelId="{DD819ABA-B98F-4FBD-89BA-AA885FDBFEE7}" type="pres">
-      <dgm:prSet presAssocID="{21F1EBAD-F5CC-42EC-93B3-77CE83B44DBF}" presName="Name37" presStyleLbl="parChTrans1D4" presStyleIdx="14" presStyleCnt="16"/>
-      <dgm:spPr/>
-    </dgm:pt>
-    <dgm:pt modelId="{3DC4A54C-9871-48C5-BBD1-BCB72D7965E9}" type="pres">
-      <dgm:prSet presAssocID="{E3A38E1F-6CC8-495A-BAAA-AA0C655468B1}" presName="hierRoot2" presStyleCnt="0">
-        <dgm:presLayoutVars>
-          <dgm:hierBranch val="init"/>
-        </dgm:presLayoutVars>
-      </dgm:prSet>
-      <dgm:spPr/>
-    </dgm:pt>
-    <dgm:pt modelId="{572D7658-2760-4FAB-AEE6-20E28D698CA1}" type="pres">
-      <dgm:prSet presAssocID="{E3A38E1F-6CC8-495A-BAAA-AA0C655468B1}" presName="rootComposite" presStyleCnt="0"/>
-      <dgm:spPr/>
-    </dgm:pt>
-    <dgm:pt modelId="{8EAFEB7F-FBA0-4433-996F-F79724D317D5}" type="pres">
-      <dgm:prSet presAssocID="{E3A38E1F-6CC8-495A-BAAA-AA0C655468B1}" presName="rootText" presStyleLbl="node4" presStyleIdx="14" presStyleCnt="16" custLinFactNeighborY="3878">
-        <dgm:presLayoutVars>
-          <dgm:chPref val="3"/>
-        </dgm:presLayoutVars>
-      </dgm:prSet>
-      <dgm:spPr/>
-    </dgm:pt>
-    <dgm:pt modelId="{2BBF287D-CA9B-409C-95F5-B8033B276FE5}" type="pres">
-      <dgm:prSet presAssocID="{E3A38E1F-6CC8-495A-BAAA-AA0C655468B1}" presName="rootConnector" presStyleLbl="node4" presStyleIdx="14" presStyleCnt="16"/>
-      <dgm:spPr/>
-    </dgm:pt>
-    <dgm:pt modelId="{FB0C16AC-74E8-41AD-B343-8564601772C3}" type="pres">
-      <dgm:prSet presAssocID="{E3A38E1F-6CC8-495A-BAAA-AA0C655468B1}" presName="hierChild4" presStyleCnt="0"/>
-      <dgm:spPr/>
-    </dgm:pt>
-    <dgm:pt modelId="{50FF036A-B665-40B0-A123-AF6882C561F7}" type="pres">
-      <dgm:prSet presAssocID="{9AE4DFB6-EE6C-4E26-8801-72CF71519139}" presName="Name37" presStyleLbl="parChTrans1D4" presStyleIdx="15" presStyleCnt="16"/>
-      <dgm:spPr/>
-    </dgm:pt>
-    <dgm:pt modelId="{7CFA68AF-66CF-45DC-BD1C-E1E7F35C48E2}" type="pres">
-      <dgm:prSet presAssocID="{16D5F567-B11F-427B-9345-F7DDB1A4FB48}" presName="hierRoot2" presStyleCnt="0">
-        <dgm:presLayoutVars>
-          <dgm:hierBranch val="init"/>
-        </dgm:presLayoutVars>
-      </dgm:prSet>
-      <dgm:spPr/>
-    </dgm:pt>
-    <dgm:pt modelId="{C4D25617-B590-4964-A0B7-91187CD878D1}" type="pres">
-      <dgm:prSet presAssocID="{16D5F567-B11F-427B-9345-F7DDB1A4FB48}" presName="rootComposite" presStyleCnt="0"/>
-      <dgm:spPr/>
-    </dgm:pt>
-    <dgm:pt modelId="{9359723F-E67B-4803-863B-567E48CF26A5}" type="pres">
-      <dgm:prSet presAssocID="{16D5F567-B11F-427B-9345-F7DDB1A4FB48}" presName="rootText" presStyleLbl="node4" presStyleIdx="15" presStyleCnt="16">
-        <dgm:presLayoutVars>
-          <dgm:chPref val="3"/>
-        </dgm:presLayoutVars>
-      </dgm:prSet>
-      <dgm:spPr/>
-    </dgm:pt>
-    <dgm:pt modelId="{8346CC11-7EAE-449E-A93B-F412D853181C}" type="pres">
-      <dgm:prSet presAssocID="{16D5F567-B11F-427B-9345-F7DDB1A4FB48}" presName="rootConnector" presStyleLbl="node4" presStyleIdx="15" presStyleCnt="16"/>
-      <dgm:spPr/>
-    </dgm:pt>
-    <dgm:pt modelId="{C286E7BE-9576-47B5-B528-21DF9BBB5417}" type="pres">
-      <dgm:prSet presAssocID="{16D5F567-B11F-427B-9345-F7DDB1A4FB48}" presName="hierChild4" presStyleCnt="0"/>
-      <dgm:spPr/>
-    </dgm:pt>
-    <dgm:pt modelId="{1A224FC7-071D-4888-89CA-79547014A985}" type="pres">
-      <dgm:prSet presAssocID="{16D5F567-B11F-427B-9345-F7DDB1A4FB48}" presName="hierChild5" presStyleCnt="0"/>
-      <dgm:spPr/>
-    </dgm:pt>
-    <dgm:pt modelId="{658A5FFD-500F-4327-8A08-2ABE175F18CC}" type="pres">
-      <dgm:prSet presAssocID="{E3A38E1F-6CC8-495A-BAAA-AA0C655468B1}" presName="hierChild5" presStyleCnt="0"/>
-      <dgm:spPr/>
-    </dgm:pt>
-    <dgm:pt modelId="{E6F1DDF9-D236-46A0-B726-399AA88319F3}" type="pres">
-      <dgm:prSet presAssocID="{FCB2BB3A-B553-4743-B8C6-02694F15CC4D}" presName="hierChild5" presStyleCnt="0"/>
-      <dgm:spPr/>
-    </dgm:pt>
     <dgm:pt modelId="{5A93BB26-914A-4F20-A88F-7A740ACEFAD9}" type="pres">
       <dgm:prSet presAssocID="{B3208200-9566-4778-8DD6-F7A90547B5A5}" presName="hierChild5" presStyleCnt="0"/>
       <dgm:spPr/>
     </dgm:pt>
     <dgm:pt modelId="{C58C9AFA-073D-40B3-872A-FAD59E8FE445}" type="pres">
-      <dgm:prSet presAssocID="{F4277886-C720-4C98-895C-1DDCE509CE8A}" presName="Name37" presStyleLbl="parChTrans1D2" presStyleIdx="3" presStyleCnt="5"/>
+      <dgm:prSet presAssocID="{F4277886-C720-4C98-895C-1DDCE509CE8A}" presName="Name37" presStyleLbl="parChTrans1D2" presStyleIdx="3" presStyleCnt="4"/>
       <dgm:spPr/>
     </dgm:pt>
     <dgm:pt modelId="{6F3D4102-F4B6-40E9-8B6E-CAF518867752}" type="pres">
@@ -3195,7 +2851,7 @@
       <dgm:spPr/>
     </dgm:pt>
     <dgm:pt modelId="{E96E4039-AAE6-48BB-AEC6-DA4B35BF430D}" type="pres">
-      <dgm:prSet presAssocID="{F6024E43-A1D6-4F49-B4D4-D3A45C346AFA}" presName="rootText" presStyleLbl="node2" presStyleIdx="3" presStyleCnt="5">
+      <dgm:prSet presAssocID="{F6024E43-A1D6-4F49-B4D4-D3A45C346AFA}" presName="rootText" presStyleLbl="node2" presStyleIdx="3" presStyleCnt="4">
         <dgm:presLayoutVars>
           <dgm:chPref val="3"/>
         </dgm:presLayoutVars>
@@ -3203,7 +2859,7 @@
       <dgm:spPr/>
     </dgm:pt>
     <dgm:pt modelId="{242F78B3-91FB-4AA8-BB04-6C05D89966FD}" type="pres">
-      <dgm:prSet presAssocID="{F6024E43-A1D6-4F49-B4D4-D3A45C346AFA}" presName="rootConnector" presStyleLbl="node2" presStyleIdx="3" presStyleCnt="5"/>
+      <dgm:prSet presAssocID="{F6024E43-A1D6-4F49-B4D4-D3A45C346AFA}" presName="rootConnector" presStyleLbl="node2" presStyleIdx="3" presStyleCnt="4"/>
       <dgm:spPr/>
     </dgm:pt>
     <dgm:pt modelId="{BADE58FE-4937-43A3-B172-42C575A55BC5}" type="pres">
@@ -3211,7 +2867,7 @@
       <dgm:spPr/>
     </dgm:pt>
     <dgm:pt modelId="{25D5F2A4-E7FF-41FF-A2D8-55A1CD82CA75}" type="pres">
-      <dgm:prSet presAssocID="{A42A694F-0DC2-4F76-9342-BF7E1C8B30C9}" presName="Name37" presStyleLbl="parChTrans1D3" presStyleIdx="9" presStyleCnt="10"/>
+      <dgm:prSet presAssocID="{A42A694F-0DC2-4F76-9342-BF7E1C8B30C9}" presName="Name37" presStyleLbl="parChTrans1D3" presStyleIdx="8" presStyleCnt="9"/>
       <dgm:spPr/>
     </dgm:pt>
     <dgm:pt modelId="{42985EA8-E909-4961-84FB-06DE7D5B26F0}" type="pres">
@@ -3227,7 +2883,7 @@
       <dgm:spPr/>
     </dgm:pt>
     <dgm:pt modelId="{9094D8D8-38C3-4346-920F-8F63E11E87E4}" type="pres">
-      <dgm:prSet presAssocID="{6B535D98-0459-4B4E-911F-275D7A75410B}" presName="rootText" presStyleLbl="node3" presStyleIdx="9" presStyleCnt="10">
+      <dgm:prSet presAssocID="{6B535D98-0459-4B4E-911F-275D7A75410B}" presName="rootText" presStyleLbl="node3" presStyleIdx="8" presStyleCnt="9">
         <dgm:presLayoutVars>
           <dgm:chPref val="3"/>
         </dgm:presLayoutVars>
@@ -3235,7 +2891,7 @@
       <dgm:spPr/>
     </dgm:pt>
     <dgm:pt modelId="{07FFBD62-038A-45AD-9214-CB9467ECF4F6}" type="pres">
-      <dgm:prSet presAssocID="{6B535D98-0459-4B4E-911F-275D7A75410B}" presName="rootConnector" presStyleLbl="node3" presStyleIdx="9" presStyleCnt="10"/>
+      <dgm:prSet presAssocID="{6B535D98-0459-4B4E-911F-275D7A75410B}" presName="rootConnector" presStyleLbl="node3" presStyleIdx="8" presStyleCnt="9"/>
       <dgm:spPr/>
     </dgm:pt>
     <dgm:pt modelId="{7BAE9CBF-5F09-4AB6-B85B-627DC98F3A0A}" type="pres">
@@ -3248,42 +2904,6 @@
     </dgm:pt>
     <dgm:pt modelId="{77FF8222-F9D0-4A9A-AC97-D4C84AC37C29}" type="pres">
       <dgm:prSet presAssocID="{F6024E43-A1D6-4F49-B4D4-D3A45C346AFA}" presName="hierChild5" presStyleCnt="0"/>
-      <dgm:spPr/>
-    </dgm:pt>
-    <dgm:pt modelId="{FA31F20D-8F19-4235-B7A5-40468A586692}" type="pres">
-      <dgm:prSet presAssocID="{F104E113-E7DD-4511-A4CF-B0522F6F32D2}" presName="Name37" presStyleLbl="parChTrans1D2" presStyleIdx="4" presStyleCnt="5"/>
-      <dgm:spPr/>
-    </dgm:pt>
-    <dgm:pt modelId="{9E5558F6-88D7-46DA-A592-8F3706BC8081}" type="pres">
-      <dgm:prSet presAssocID="{A95B2C21-8392-4A03-B99C-3E9C5B98A501}" presName="hierRoot2" presStyleCnt="0">
-        <dgm:presLayoutVars>
-          <dgm:hierBranch val="init"/>
-        </dgm:presLayoutVars>
-      </dgm:prSet>
-      <dgm:spPr/>
-    </dgm:pt>
-    <dgm:pt modelId="{BEDF34F2-DA1B-4BA2-B86B-A56421E98E7E}" type="pres">
-      <dgm:prSet presAssocID="{A95B2C21-8392-4A03-B99C-3E9C5B98A501}" presName="rootComposite" presStyleCnt="0"/>
-      <dgm:spPr/>
-    </dgm:pt>
-    <dgm:pt modelId="{4D6DCFC9-CDB4-4D1B-9D2C-08DCAE76A815}" type="pres">
-      <dgm:prSet presAssocID="{A95B2C21-8392-4A03-B99C-3E9C5B98A501}" presName="rootText" presStyleLbl="node2" presStyleIdx="4" presStyleCnt="5">
-        <dgm:presLayoutVars>
-          <dgm:chPref val="3"/>
-        </dgm:presLayoutVars>
-      </dgm:prSet>
-      <dgm:spPr/>
-    </dgm:pt>
-    <dgm:pt modelId="{859A4C3B-F373-44A6-B5C3-D649A35E5BAF}" type="pres">
-      <dgm:prSet presAssocID="{A95B2C21-8392-4A03-B99C-3E9C5B98A501}" presName="rootConnector" presStyleLbl="node2" presStyleIdx="4" presStyleCnt="5"/>
-      <dgm:spPr/>
-    </dgm:pt>
-    <dgm:pt modelId="{844085E9-77A0-4D2B-87B8-3F2C0B016001}" type="pres">
-      <dgm:prSet presAssocID="{A95B2C21-8392-4A03-B99C-3E9C5B98A501}" presName="hierChild4" presStyleCnt="0"/>
-      <dgm:spPr/>
-    </dgm:pt>
-    <dgm:pt modelId="{ACBF4B4F-F650-459F-99C4-7D57D8F9FC88}" type="pres">
-      <dgm:prSet presAssocID="{A95B2C21-8392-4A03-B99C-3E9C5B98A501}" presName="hierChild5" presStyleCnt="0"/>
       <dgm:spPr/>
     </dgm:pt>
     <dgm:pt modelId="{E3A6B581-847B-475C-9497-7004C4D5C4DB}" type="pres">
@@ -3295,18 +2915,15 @@
     <dgm:cxn modelId="{734B1501-844D-48F9-A7F1-155425FE0A6C}" type="presOf" srcId="{99B42074-C8A4-4276-A431-7A268A6F956A}" destId="{E09091FD-A15C-48BC-A189-C13B424096F4}" srcOrd="0" destOrd="0" presId="urn:microsoft.com/office/officeart/2005/8/layout/orgChart1"/>
     <dgm:cxn modelId="{DFBF8D01-5B64-4F6C-BB9A-5E29D78DEC58}" type="presOf" srcId="{BD08C5E0-0681-45D7-BBEF-CAE8379DA1FE}" destId="{5CE3954E-28D7-4DD5-9996-F92A3752991F}" srcOrd="1" destOrd="0" presId="urn:microsoft.com/office/officeart/2005/8/layout/orgChart1"/>
     <dgm:cxn modelId="{3281E001-AA29-4BCF-9E22-61A5A9009825}" type="presOf" srcId="{F8AD3372-CC21-4F81-93EA-AF9FE2FFF3A5}" destId="{83A48DD7-0550-4E79-ABF7-3AB69763010D}" srcOrd="0" destOrd="0" presId="urn:microsoft.com/office/officeart/2005/8/layout/orgChart1"/>
-    <dgm:cxn modelId="{4CDB2809-9387-40C7-AF0F-1ECC4E420E7F}" type="presOf" srcId="{7AEDBC12-7CE7-4CA0-B642-E158D8D434A9}" destId="{BF784F57-6AE5-4B0D-A7B1-A8C12D050B79}" srcOrd="1" destOrd="0" presId="urn:microsoft.com/office/officeart/2005/8/layout/orgChart1"/>
-    <dgm:cxn modelId="{0B28690B-725C-42EC-A589-A35B128C3A18}" type="presOf" srcId="{D343B69F-526B-4D75-91DE-4BBFC2E76D79}" destId="{748BE8D2-2DFD-4478-9C46-54F07749F38C}" srcOrd="0" destOrd="0" presId="urn:microsoft.com/office/officeart/2005/8/layout/orgChart1"/>
-    <dgm:cxn modelId="{E156FC0E-1C86-43DD-B888-BA58BD78C3DD}" srcId="{FCB2BB3A-B553-4743-B8C6-02694F15CC4D}" destId="{F35ADB14-3F53-4F9C-A59C-49942A1E6024}" srcOrd="0" destOrd="0" parTransId="{D343B69F-526B-4D75-91DE-4BBFC2E76D79}" sibTransId="{D8C76E49-BBDD-4F15-97B1-F4F2380C20DF}"/>
-    <dgm:cxn modelId="{31070612-D1E5-495C-A059-9EC56C70CB64}" type="presOf" srcId="{F35ADB14-3F53-4F9C-A59C-49942A1E6024}" destId="{2ECE3AB1-FB37-40BF-B4ED-A6A18B6F2F79}" srcOrd="1" destOrd="0" presId="urn:microsoft.com/office/officeart/2005/8/layout/orgChart1"/>
+    <dgm:cxn modelId="{DAE29A06-8E8A-42FF-A6D5-C6A0407C484E}" srcId="{962C29C3-AE9F-445D-BBD8-31B216B597ED}" destId="{8DFA5406-DF9D-4F57-9312-AAB348BF9E28}" srcOrd="0" destOrd="0" parTransId="{620946A6-DE85-42D0-ACF1-0D606577D9E0}" sibTransId="{F4515AEB-4B71-4A44-B806-99771D44A02F}"/>
     <dgm:cxn modelId="{385DFB14-8418-47E5-B865-F8A20ABD4F39}" srcId="{AB68D805-C958-4186-AB98-BDF42A3C4103}" destId="{5100871E-AAD0-46BA-ABE9-C4AC3A15682C}" srcOrd="0" destOrd="0" parTransId="{3DFC2F88-CE7C-4FF6-B9DA-AA2DA983BF9B}" sibTransId="{3BECE6B9-2632-4883-8210-511DF8F5A606}"/>
     <dgm:cxn modelId="{2B1DAF18-DD55-43BE-9E63-7F2EF6D6B694}" srcId="{EA4071C9-D69C-4A3F-8A56-5D1784DCA390}" destId="{8719930E-F8E3-45AC-9C51-AA9F036273AD}" srcOrd="1" destOrd="0" parTransId="{61F42092-ACB0-4918-A20F-6692B27AF0EE}" sibTransId="{D0B19DA8-3A63-4314-AFE8-38DDCFF7155D}"/>
+    <dgm:cxn modelId="{A74AFD19-E6B6-4664-A3A9-C8CD3423671C}" type="presOf" srcId="{F6212152-A831-45AD-A778-88D8043C12A0}" destId="{C1455B8D-8BE6-4A31-8E35-1FC22CC759A5}" srcOrd="0" destOrd="0" presId="urn:microsoft.com/office/officeart/2005/8/layout/orgChart1"/>
     <dgm:cxn modelId="{2B5C7A1C-EC56-48C9-B6A9-4D74043BF0FE}" srcId="{DDFD41D8-0203-4BEB-A55B-2B6BA7F0489B}" destId="{A33CAE26-1699-4947-AB51-691514BE59BA}" srcOrd="4" destOrd="0" parTransId="{2C3F2D3D-D5CA-4D53-90FE-7E5F34494AC9}" sibTransId="{C85E3442-B7B8-4376-9CFB-4896ABB43047}"/>
     <dgm:cxn modelId="{0B11EA1D-BACA-416A-83BC-3E6DDBDB77A9}" type="presOf" srcId="{5E28935A-C653-4F2B-A7C4-2B8223459FE0}" destId="{FC9CBC13-B04F-4F9E-91F4-647746458686}" srcOrd="0" destOrd="0" presId="urn:microsoft.com/office/officeart/2005/8/layout/orgChart1"/>
-    <dgm:cxn modelId="{BBAC3C20-1BC3-4839-95BB-DDB9531C1A5B}" srcId="{B3208200-9566-4778-8DD6-F7A90547B5A5}" destId="{FCB2BB3A-B553-4743-B8C6-02694F15CC4D}" srcOrd="2" destOrd="0" parTransId="{DA5E292A-778A-45DE-BB42-0F4A0C7C4E2D}" sibTransId="{84962467-FDFA-4DB3-89D8-E271ECF4162F}"/>
     <dgm:cxn modelId="{1C001A24-03E9-4946-8A61-3A1C9265E425}" type="presOf" srcId="{F68433DB-7CFF-43F9-A473-C5F8AA0B06EC}" destId="{0C01B648-750E-4CB2-BBAE-64D7D990182B}" srcOrd="1" destOrd="0" presId="urn:microsoft.com/office/officeart/2005/8/layout/orgChart1"/>
     <dgm:cxn modelId="{03CC4F25-E2D2-4B4A-B9E5-470ECD24B2D4}" type="presOf" srcId="{99B42074-C8A4-4276-A431-7A268A6F956A}" destId="{44965221-273C-4D7C-874F-41FE75ACF3B3}" srcOrd="1" destOrd="0" presId="urn:microsoft.com/office/officeart/2005/8/layout/orgChart1"/>
-    <dgm:cxn modelId="{50911226-DF6B-4BAA-B61A-4AC524E34C25}" srcId="{E4E072EF-2915-4B1E-BCB0-025D9DF21850}" destId="{962C29C3-AE9F-445D-BBD8-31B216B597ED}" srcOrd="2" destOrd="0" parTransId="{707786A1-799F-4D7F-9ADE-156152D3E21F}" sibTransId="{F80E2EFD-32FE-442A-8CC7-574697907BBB}"/>
+    <dgm:cxn modelId="{50911226-DF6B-4BAA-B61A-4AC524E34C25}" srcId="{E4E072EF-2915-4B1E-BCB0-025D9DF21850}" destId="{962C29C3-AE9F-445D-BBD8-31B216B597ED}" srcOrd="1" destOrd="0" parTransId="{707786A1-799F-4D7F-9ADE-156152D3E21F}" sibTransId="{F80E2EFD-32FE-442A-8CC7-574697907BBB}"/>
     <dgm:cxn modelId="{EC09AE26-0829-4293-84A4-9211F3089225}" type="presOf" srcId="{D99B67EF-82D5-4842-B23B-97809837F396}" destId="{2B9B4D75-1786-4A58-AB58-F266C283DA89}" srcOrd="0" destOrd="0" presId="urn:microsoft.com/office/officeart/2005/8/layout/orgChart1"/>
     <dgm:cxn modelId="{6F9DBA2A-18C2-4C1E-AF9B-4587A796B3D7}" type="presOf" srcId="{12410C7B-6B77-4D85-9E30-1820511D66D1}" destId="{248449D6-5084-4754-97FA-B4A679745125}" srcOrd="0" destOrd="0" presId="urn:microsoft.com/office/officeart/2005/8/layout/orgChart1"/>
     <dgm:cxn modelId="{8D258F2D-27AB-4513-B254-89D2F1C9A97D}" srcId="{B3208200-9566-4778-8DD6-F7A90547B5A5}" destId="{FE5DB0AD-FB49-4BCA-A679-92C4BD5CAE82}" srcOrd="0" destOrd="0" parTransId="{4FFFF72A-CA3F-491C-91E8-377D61DE4DB6}" sibTransId="{0E325437-0C55-436C-A894-3FCFC875E60E}"/>
@@ -3316,18 +2933,13 @@
     <dgm:cxn modelId="{C73A5336-3954-4EBE-9EB3-5D0D3694A12D}" srcId="{5AC28D7D-D256-4144-8D19-11BD995711F0}" destId="{AB68D805-C958-4186-AB98-BDF42A3C4103}" srcOrd="0" destOrd="0" parTransId="{D99B67EF-82D5-4842-B23B-97809837F396}" sibTransId="{716360E9-90C3-45B5-B8D4-67994A93D3D8}"/>
     <dgm:cxn modelId="{EE9F9C38-6368-413A-9107-7A40E5FF3D85}" type="presOf" srcId="{1AA526BE-DE0B-495D-8439-3A1CBF421AC0}" destId="{B33DBD8C-9C59-4BCE-804E-590DDFB4FEA8}" srcOrd="0" destOrd="0" presId="urn:microsoft.com/office/officeart/2005/8/layout/orgChart1"/>
     <dgm:cxn modelId="{0476793A-49D1-45CA-8250-40AF0777B917}" srcId="{DDFD41D8-0203-4BEB-A55B-2B6BA7F0489B}" destId="{9EC38554-0729-4E36-B1BE-866F3E0A3729}" srcOrd="1" destOrd="0" parTransId="{E9AD5402-53C3-4E0E-BFB8-7DC457E62C6E}" sibTransId="{3DE0E5B0-E1A6-450A-A1FF-24B0C0D72B23}"/>
-    <dgm:cxn modelId="{BFFE673B-CD12-4AA9-B9B2-0BD4C2398354}" type="presOf" srcId="{21F1EBAD-F5CC-42EC-93B3-77CE83B44DBF}" destId="{DD819ABA-B98F-4FBD-89BA-AA885FDBFEE7}" srcOrd="0" destOrd="0" presId="urn:microsoft.com/office/officeart/2005/8/layout/orgChart1"/>
-    <dgm:cxn modelId="{76F92C3C-6EAF-4FD7-8BE9-64FFC7AC5D6B}" type="presOf" srcId="{16D5F567-B11F-427B-9345-F7DDB1A4FB48}" destId="{8346CC11-7EAE-449E-A93B-F412D853181C}" srcOrd="1" destOrd="0" presId="urn:microsoft.com/office/officeart/2005/8/layout/orgChart1"/>
-    <dgm:cxn modelId="{5C0FB93C-8B0B-4051-A0DF-67941C57878B}" type="presOf" srcId="{A95B2C21-8392-4A03-B99C-3E9C5B98A501}" destId="{859A4C3B-F373-44A6-B5C3-D649A35E5BAF}" srcOrd="1" destOrd="0" presId="urn:microsoft.com/office/officeart/2005/8/layout/orgChart1"/>
     <dgm:cxn modelId="{58AE213E-1412-4C25-BFB0-664EAE386B3A}" srcId="{D84BC07E-B480-4208-BE22-4C7FBCC73A87}" destId="{F6024E43-A1D6-4F49-B4D4-D3A45C346AFA}" srcOrd="3" destOrd="0" parTransId="{F4277886-C720-4C98-895C-1DDCE509CE8A}" sibTransId="{FAD35A62-2FD5-487E-8C63-9E0EE2F599A0}"/>
-    <dgm:cxn modelId="{1667CE40-86D7-4FA1-8620-75E2014DE18B}" srcId="{E4E072EF-2915-4B1E-BCB0-025D9DF21850}" destId="{F68433DB-7CFF-43F9-A473-C5F8AA0B06EC}" srcOrd="1" destOrd="0" parTransId="{4883043B-5A38-42C5-87EF-37C4E190959C}" sibTransId="{BE276BC4-3D30-45E2-8CE7-4BD16A4EF37F}"/>
+    <dgm:cxn modelId="{1667CE40-86D7-4FA1-8620-75E2014DE18B}" srcId="{E4E072EF-2915-4B1E-BCB0-025D9DF21850}" destId="{F68433DB-7CFF-43F9-A473-C5F8AA0B06EC}" srcOrd="0" destOrd="0" parTransId="{4883043B-5A38-42C5-87EF-37C4E190959C}" sibTransId="{BE276BC4-3D30-45E2-8CE7-4BD16A4EF37F}"/>
     <dgm:cxn modelId="{11858A5F-2862-4F69-965A-C7A9D3517C28}" type="presOf" srcId="{F4277886-C720-4C98-895C-1DDCE509CE8A}" destId="{C58C9AFA-073D-40B3-872A-FAD59E8FE445}" srcOrd="0" destOrd="0" presId="urn:microsoft.com/office/officeart/2005/8/layout/orgChart1"/>
     <dgm:cxn modelId="{6C5AC160-0EEF-4E63-BA22-4D4BF90ADEED}" type="presOf" srcId="{962C29C3-AE9F-445D-BBD8-31B216B597ED}" destId="{622B0033-31B7-4ED8-ADE4-278D36C5733F}" srcOrd="0" destOrd="0" presId="urn:microsoft.com/office/officeart/2005/8/layout/orgChart1"/>
-    <dgm:cxn modelId="{AAE3E860-64C0-4887-A7E4-752D47FC5209}" type="presOf" srcId="{45CBB52A-35E3-463A-BE7F-702252449A53}" destId="{80284372-DEAA-4F2B-9BE1-1465649F27EB}" srcOrd="0" destOrd="0" presId="urn:microsoft.com/office/officeart/2005/8/layout/orgChart1"/>
     <dgm:cxn modelId="{4BB32E63-D492-42C6-8D47-378ECBD40980}" type="presOf" srcId="{5100871E-AAD0-46BA-ABE9-C4AC3A15682C}" destId="{49D9708E-FDC3-4962-AF81-FDBD78B9A095}" srcOrd="0" destOrd="0" presId="urn:microsoft.com/office/officeart/2005/8/layout/orgChart1"/>
     <dgm:cxn modelId="{622B4243-E9DE-4D02-AB85-50F8B593D517}" type="presOf" srcId="{12410C7B-6B77-4D85-9E30-1820511D66D1}" destId="{E4B2FE38-3DBA-4A5E-8286-CE04EC838825}" srcOrd="1" destOrd="0" presId="urn:microsoft.com/office/officeart/2005/8/layout/orgChart1"/>
     <dgm:cxn modelId="{385D4545-A5E3-4A48-957D-11BF82BD0C26}" type="presOf" srcId="{9D25406A-3F3A-47C6-8028-13226081F7F6}" destId="{A7F3B1F1-6EA9-4941-9ED5-412CCD543C34}" srcOrd="0" destOrd="0" presId="urn:microsoft.com/office/officeart/2005/8/layout/orgChart1"/>
-    <dgm:cxn modelId="{89169F65-5AD0-4C79-B225-9D5C0A25D542}" type="presOf" srcId="{DA5E292A-778A-45DE-BB42-0F4A0C7C4E2D}" destId="{A83E7F0A-9D50-4002-B043-608EB14336CD}" srcOrd="0" destOrd="0" presId="urn:microsoft.com/office/officeart/2005/8/layout/orgChart1"/>
     <dgm:cxn modelId="{1B96F065-1C8E-4C62-A23A-5159FAFD607B}" type="presOf" srcId="{45EA2EA8-BFD8-4565-A744-6B05FD36FEFB}" destId="{F5B1E418-46F4-4DA5-B6F2-687161E28117}" srcOrd="0" destOrd="0" presId="urn:microsoft.com/office/officeart/2005/8/layout/orgChart1"/>
     <dgm:cxn modelId="{5B677346-23DD-4762-AA85-C4164FD8B142}" type="presOf" srcId="{EA961523-890D-4780-8FB2-4226B1DA0518}" destId="{9B3373EE-6891-4D73-9208-6ABA8756A82B}" srcOrd="0" destOrd="0" presId="urn:microsoft.com/office/officeart/2005/8/layout/orgChart1"/>
     <dgm:cxn modelId="{9B4EC166-93F6-4C56-BB69-CAD3EAC24D92}" type="presOf" srcId="{B26BD132-D542-4100-8554-C6DCAAFDDA1C}" destId="{03068623-ADDF-4214-839C-28E2F801C4DC}" srcOrd="0" destOrd="0" presId="urn:microsoft.com/office/officeart/2005/8/layout/orgChart1"/>
@@ -3339,22 +2951,15 @@
     <dgm:cxn modelId="{664C1A4D-736B-475A-8824-1F8320E1AE95}" type="presOf" srcId="{AB68D805-C958-4186-AB98-BDF42A3C4103}" destId="{4B033A3A-75AD-4A26-9DB0-0FC9A98EC969}" srcOrd="0" destOrd="0" presId="urn:microsoft.com/office/officeart/2005/8/layout/orgChart1"/>
     <dgm:cxn modelId="{A952FB70-DB9E-4E34-81AE-FE87F7DCF04E}" type="presOf" srcId="{8719930E-F8E3-45AC-9C51-AA9F036273AD}" destId="{2FFEA525-C733-460B-8802-42AC89429E92}" srcOrd="1" destOrd="0" presId="urn:microsoft.com/office/officeart/2005/8/layout/orgChart1"/>
     <dgm:cxn modelId="{986A3C73-925D-4C0D-8593-0F1E4D8E6A8C}" type="presOf" srcId="{B715D9FE-073E-4B8C-9984-142AE32AAADB}" destId="{0793D3F7-43DF-4EAF-8825-90F26950DD58}" srcOrd="1" destOrd="0" presId="urn:microsoft.com/office/officeart/2005/8/layout/orgChart1"/>
-    <dgm:cxn modelId="{AEC50874-2EDA-4619-A65B-301A82C5CEC0}" type="presOf" srcId="{45CBB52A-35E3-463A-BE7F-702252449A53}" destId="{DDE3D686-D9D9-4FB3-93AE-66BE71BA2B74}" srcOrd="1" destOrd="0" presId="urn:microsoft.com/office/officeart/2005/8/layout/orgChart1"/>
     <dgm:cxn modelId="{7E396D54-AAE2-47F3-993C-C5BC692E92DB}" type="presOf" srcId="{F0DBC855-2474-4BDE-BDFA-C88E7E739F87}" destId="{ACBEA6DA-30D9-4A6D-8344-AB143177ECE3}" srcOrd="1" destOrd="0" presId="urn:microsoft.com/office/officeart/2005/8/layout/orgChart1"/>
     <dgm:cxn modelId="{9BA93055-15F1-413E-917F-A1FD92937F12}" type="presOf" srcId="{CE78814D-3EF5-41CF-80F7-57DB5E6575EA}" destId="{09227B3C-2EA3-4619-BACA-BD7CDA512E48}" srcOrd="0" destOrd="0" presId="urn:microsoft.com/office/officeart/2005/8/layout/orgChart1"/>
-    <dgm:cxn modelId="{503AE775-7D3F-4C33-A834-E3D0CFFA4D04}" type="presOf" srcId="{E2645853-2129-4A71-A76C-837EC638586A}" destId="{27DDDCD5-6FB2-472B-9AF7-14B4A74DBBF8}" srcOrd="0" destOrd="0" presId="urn:microsoft.com/office/officeart/2005/8/layout/orgChart1"/>
-    <dgm:cxn modelId="{12F50E76-003E-484A-911D-3F8DDA66EACF}" type="presOf" srcId="{F35ADB14-3F53-4F9C-A59C-49942A1E6024}" destId="{AFFD236A-6B48-41FD-B6EB-C7E4C9650A79}" srcOrd="0" destOrd="0" presId="urn:microsoft.com/office/officeart/2005/8/layout/orgChart1"/>
-    <dgm:cxn modelId="{32005358-4155-4A9C-8428-9C88371C7A49}" type="presOf" srcId="{FCB2BB3A-B553-4743-B8C6-02694F15CC4D}" destId="{28D2B13E-9A04-4705-89CE-28B82E405171}" srcOrd="1" destOrd="0" presId="urn:microsoft.com/office/officeart/2005/8/layout/orgChart1"/>
     <dgm:cxn modelId="{366E8578-0259-4DE4-B228-4D8C3EA86040}" type="presOf" srcId="{251AA9C5-65CA-4E6D-8831-14CD21D0C386}" destId="{4C4761C0-FABA-4BE0-AF17-6FF016FD95B1}" srcOrd="0" destOrd="0" presId="urn:microsoft.com/office/officeart/2005/8/layout/orgChart1"/>
     <dgm:cxn modelId="{3C9A1E79-66D6-4038-972B-BBD1DB4FB011}" type="presOf" srcId="{EA4071C9-D69C-4A3F-8A56-5D1784DCA390}" destId="{85254DA0-ADE4-4494-B8AA-7C92B0224EA0}" srcOrd="0" destOrd="0" presId="urn:microsoft.com/office/officeart/2005/8/layout/orgChart1"/>
     <dgm:cxn modelId="{BB15705A-B881-441A-B1E8-BD41BBCED6E2}" srcId="{DDFD41D8-0203-4BEB-A55B-2B6BA7F0489B}" destId="{EA961523-890D-4780-8FB2-4226B1DA0518}" srcOrd="2" destOrd="0" parTransId="{9D25406A-3F3A-47C6-8028-13226081F7F6}" sibTransId="{2F385987-187C-4F28-9DFC-958CEE15240B}"/>
-    <dgm:cxn modelId="{ADA8867A-3FD1-4C68-AA9A-5D73027ED9A0}" type="presOf" srcId="{7AEDBC12-7CE7-4CA0-B642-E158D8D434A9}" destId="{D3F0C759-0FE4-404D-A8A8-E5280D63C775}" srcOrd="0" destOrd="0" presId="urn:microsoft.com/office/officeart/2005/8/layout/orgChart1"/>
     <dgm:cxn modelId="{499D925A-1BB0-4108-BE53-0CBEC1B3AF60}" type="presOf" srcId="{B6007062-69F6-4186-841E-DD12D66B2E0B}" destId="{442AE7C3-2A29-4DE7-ABD9-C15F7C3058BC}" srcOrd="0" destOrd="0" presId="urn:microsoft.com/office/officeart/2005/8/layout/orgChart1"/>
     <dgm:cxn modelId="{E83ABC7B-FB9F-466E-8E1D-34D64DC61465}" type="presOf" srcId="{53CE5A2A-AAAE-4A22-AE9A-EFCCC4C8AFF9}" destId="{ADCB22DC-BCE2-4F6F-89DB-9ECDA855F3B2}" srcOrd="0" destOrd="0" presId="urn:microsoft.com/office/officeart/2005/8/layout/orgChart1"/>
-    <dgm:cxn modelId="{F837F27E-E845-446D-9E0F-617008EAA84C}" srcId="{E3A38E1F-6CC8-495A-BAAA-AA0C655468B1}" destId="{16D5F567-B11F-427B-9345-F7DDB1A4FB48}" srcOrd="0" destOrd="0" parTransId="{9AE4DFB6-EE6C-4E26-8801-72CF71519139}" sibTransId="{6FC86AD3-3306-42D7-878C-71A901BBBA8D}"/>
     <dgm:cxn modelId="{599C9F7F-0E03-4F24-B6FD-DFD8A22FF1B2}" type="presOf" srcId="{4FFFF72A-CA3F-491C-91E8-377D61DE4DB6}" destId="{19022296-9BC7-4C24-941F-17B7828A0FF7}" srcOrd="0" destOrd="0" presId="urn:microsoft.com/office/officeart/2005/8/layout/orgChart1"/>
     <dgm:cxn modelId="{2D1AAE82-CD8D-4A0C-B28F-D21E875587C6}" srcId="{F6024E43-A1D6-4F49-B4D4-D3A45C346AFA}" destId="{6B535D98-0459-4B4E-911F-275D7A75410B}" srcOrd="0" destOrd="0" parTransId="{A42A694F-0DC2-4F76-9342-BF7E1C8B30C9}" sibTransId="{D599AF18-0756-433B-A59D-69BA924B9E86}"/>
-    <dgm:cxn modelId="{75952285-2D3A-4456-B3F5-82A28283CE97}" srcId="{FCB2BB3A-B553-4743-B8C6-02694F15CC4D}" destId="{E3A38E1F-6CC8-495A-BAAA-AA0C655468B1}" srcOrd="1" destOrd="0" parTransId="{21F1EBAD-F5CC-42EC-93B3-77CE83B44DBF}" sibTransId="{27EB61E0-7CA5-40C4-9B07-9B17509C1152}"/>
     <dgm:cxn modelId="{C2A86389-E3BC-443B-9D99-CEDF4BB2E4F9}" type="presOf" srcId="{5AC28D7D-D256-4144-8D19-11BD995711F0}" destId="{1078865C-0760-49EA-BA45-E88F02AC99E1}" srcOrd="1" destOrd="0" presId="urn:microsoft.com/office/officeart/2005/8/layout/orgChart1"/>
     <dgm:cxn modelId="{A61DAD8A-CD74-4DAE-9B3E-7EF79EEF93DB}" type="presOf" srcId="{2C3F2D3D-D5CA-4D53-90FE-7E5F34494AC9}" destId="{4AEFEB53-782B-4CB3-A908-8A33646E3543}" srcOrd="0" destOrd="0" presId="urn:microsoft.com/office/officeart/2005/8/layout/orgChart1"/>
     <dgm:cxn modelId="{599BFC8D-3DA1-4C2E-945B-F56DA205F879}" type="presOf" srcId="{BD1C2900-BB9C-431A-BCFD-7D7437E4F68D}" destId="{5FC3CFC7-DA46-4C68-B6F6-ED7879BF88FA}" srcOrd="0" destOrd="0" presId="urn:microsoft.com/office/officeart/2005/8/layout/orgChart1"/>
@@ -3362,16 +2967,14 @@
     <dgm:cxn modelId="{61377C91-6D23-4539-862B-499B5F9755EE}" type="presOf" srcId="{B3208200-9566-4778-8DD6-F7A90547B5A5}" destId="{37060C8D-2477-4B5B-AC9C-2EBA286C627A}" srcOrd="1" destOrd="0" presId="urn:microsoft.com/office/officeart/2005/8/layout/orgChart1"/>
     <dgm:cxn modelId="{ADC43193-47D7-4E30-B7A3-99CD275622E5}" type="presOf" srcId="{DDFD41D8-0203-4BEB-A55B-2B6BA7F0489B}" destId="{5AA4E562-9421-4FAA-AB0E-3D202EFD0D48}" srcOrd="1" destOrd="0" presId="urn:microsoft.com/office/officeart/2005/8/layout/orgChart1"/>
     <dgm:cxn modelId="{8B12DD95-A13E-4F3D-9754-7FF1E5DF4ACC}" type="presOf" srcId="{9EC38554-0729-4E36-B1BE-866F3E0A3729}" destId="{4E5B94AB-EC7F-4FD5-9B66-B23049DC995F}" srcOrd="0" destOrd="0" presId="urn:microsoft.com/office/officeart/2005/8/layout/orgChart1"/>
-    <dgm:cxn modelId="{68808196-684E-4708-9A08-F8F5A71775FF}" type="presOf" srcId="{F6212152-A831-45AD-A778-88D8043C12A0}" destId="{C1455B8D-8BE6-4A31-8E35-1FC22CC759A5}" srcOrd="0" destOrd="0" presId="urn:microsoft.com/office/officeart/2005/8/layout/orgChart1"/>
     <dgm:cxn modelId="{BFE86F9A-799F-4AA3-B3D0-D73E7CC784B0}" type="presOf" srcId="{DDFD41D8-0203-4BEB-A55B-2B6BA7F0489B}" destId="{B0346768-B1ED-4812-9FA1-384593212921}" srcOrd="0" destOrd="0" presId="urn:microsoft.com/office/officeart/2005/8/layout/orgChart1"/>
     <dgm:cxn modelId="{A79FD49A-7193-4C82-8C23-F5444402C58D}" srcId="{EA4071C9-D69C-4A3F-8A56-5D1784DCA390}" destId="{DDFD41D8-0203-4BEB-A55B-2B6BA7F0489B}" srcOrd="2" destOrd="0" parTransId="{E54B67B2-22B0-4BD1-A277-AB2CA09C3E11}" sibTransId="{F76EC496-618E-4356-9142-2CA79EF2F2AD}"/>
     <dgm:cxn modelId="{4698E09B-BB74-4B69-A91A-ABDABF6EAD33}" type="presOf" srcId="{F68433DB-7CFF-43F9-A473-C5F8AA0B06EC}" destId="{2A098294-C6FB-4CDE-A18D-D965C0CE13D1}" srcOrd="0" destOrd="0" presId="urn:microsoft.com/office/officeart/2005/8/layout/orgChart1"/>
     <dgm:cxn modelId="{14C4B59F-8A47-40A1-BA42-5FA021453082}" srcId="{BD08C5E0-0681-45D7-BBEF-CAE8379DA1FE}" destId="{0FB05435-4892-4ABA-B3C9-7237C0B06A67}" srcOrd="0" destOrd="0" parTransId="{B6007062-69F6-4186-841E-DD12D66B2E0B}" sibTransId="{2740899C-3056-442D-A33B-CE478CFE026D}"/>
-    <dgm:cxn modelId="{480EF99F-F2A5-49DC-A13D-8B8EF89518D2}" type="presOf" srcId="{9AE4DFB6-EE6C-4E26-8801-72CF71519139}" destId="{50FF036A-B665-40B0-A123-AF6882C561F7}" srcOrd="0" destOrd="0" presId="urn:microsoft.com/office/officeart/2005/8/layout/orgChart1"/>
     <dgm:cxn modelId="{1B52D1A0-6549-4A45-ACE6-E71CB0D11CA2}" type="presOf" srcId="{0D21DA87-9B2C-4A09-A98C-CBD1380D6869}" destId="{9A978C52-6DE3-4C2F-B247-18A5692C4209}" srcOrd="0" destOrd="0" presId="urn:microsoft.com/office/officeart/2005/8/layout/orgChart1"/>
     <dgm:cxn modelId="{8DDCD8A1-8D7B-446C-841B-CE2909356DA2}" type="presOf" srcId="{F6024E43-A1D6-4F49-B4D4-D3A45C346AFA}" destId="{E96E4039-AAE6-48BB-AEC6-DA4B35BF430D}" srcOrd="0" destOrd="0" presId="urn:microsoft.com/office/officeart/2005/8/layout/orgChart1"/>
-    <dgm:cxn modelId="{861E54A2-0768-40FA-86A8-2E515461E032}" type="presOf" srcId="{E3A38E1F-6CC8-495A-BAAA-AA0C655468B1}" destId="{2BBF287D-CA9B-409C-95F5-B8033B276FE5}" srcOrd="1" destOrd="0" presId="urn:microsoft.com/office/officeart/2005/8/layout/orgChart1"/>
     <dgm:cxn modelId="{A9BFA2A2-926B-4B78-8734-473970A873A1}" type="presOf" srcId="{B715D9FE-073E-4B8C-9984-142AE32AAADB}" destId="{1325078D-458E-40E5-9F59-F3BADA823F30}" srcOrd="0" destOrd="0" presId="urn:microsoft.com/office/officeart/2005/8/layout/orgChart1"/>
+    <dgm:cxn modelId="{3C4137A6-5BAF-43B4-AC33-A9D1CA3553D4}" type="presOf" srcId="{620946A6-DE85-42D0-ACF1-0D606577D9E0}" destId="{A4AB2195-8759-472B-B385-F123404B10D5}" srcOrd="0" destOrd="0" presId="urn:microsoft.com/office/officeart/2005/8/layout/orgChart1"/>
     <dgm:cxn modelId="{77F539A6-7BA1-4D11-A64D-CD2303189472}" type="presOf" srcId="{793D71A2-CCD3-42BA-A4A2-D25C7A3387E5}" destId="{9A591FC9-4BD0-48A7-966C-EE8C418E4330}" srcOrd="0" destOrd="0" presId="urn:microsoft.com/office/officeart/2005/8/layout/orgChart1"/>
     <dgm:cxn modelId="{15DBE7A6-A6DB-4233-9970-428C3154EE76}" type="presOf" srcId="{5AC28D7D-D256-4144-8D19-11BD995711F0}" destId="{FB2B172F-5177-4933-AF21-26137413A2EE}" srcOrd="0" destOrd="0" presId="urn:microsoft.com/office/officeart/2005/8/layout/orgChart1"/>
     <dgm:cxn modelId="{71E4FFA7-1A4F-4E72-894A-C8C18BD58164}" type="presOf" srcId="{FE5DB0AD-FB49-4BCA-A679-92C4BD5CAE82}" destId="{7D4BCB10-4624-449F-94E5-D8E3D803FECB}" srcOrd="1" destOrd="0" presId="urn:microsoft.com/office/officeart/2005/8/layout/orgChart1"/>
@@ -3382,8 +2985,6 @@
     <dgm:cxn modelId="{4D6688AE-8455-4A9B-B390-D039AA820BA9}" type="presOf" srcId="{61F42092-ACB0-4918-A20F-6692B27AF0EE}" destId="{F40B1F54-A271-44E0-B12F-1DF35ACB48F9}" srcOrd="0" destOrd="0" presId="urn:microsoft.com/office/officeart/2005/8/layout/orgChart1"/>
     <dgm:cxn modelId="{082127B0-34C0-4899-9353-AA8929A72E4F}" type="presOf" srcId="{B3208200-9566-4778-8DD6-F7A90547B5A5}" destId="{F1A12858-AFF8-449A-AD45-DAC0414A51C7}" srcOrd="0" destOrd="0" presId="urn:microsoft.com/office/officeart/2005/8/layout/orgChart1"/>
     <dgm:cxn modelId="{D4B7A2B4-5785-4487-8131-248E6375894E}" type="presOf" srcId="{4883043B-5A38-42C5-87EF-37C4E190959C}" destId="{5D155140-9D19-4626-8DAF-457CB3ED574A}" srcOrd="0" destOrd="0" presId="urn:microsoft.com/office/officeart/2005/8/layout/orgChart1"/>
-    <dgm:cxn modelId="{DDD4A1B6-2008-4311-AB0F-DBF2B73CBF7D}" srcId="{E4E072EF-2915-4B1E-BCB0-025D9DF21850}" destId="{7AEDBC12-7CE7-4CA0-B642-E158D8D434A9}" srcOrd="0" destOrd="0" parTransId="{E2645853-2129-4A71-A76C-837EC638586A}" sibTransId="{081FB234-B909-4925-8DD8-636618F85237}"/>
-    <dgm:cxn modelId="{70602EB7-6F3C-4FB5-B757-D2099BF64969}" type="presOf" srcId="{F104E113-E7DD-4511-A4CF-B0522F6F32D2}" destId="{FA31F20D-8F19-4235-B7A5-40468A586692}" srcOrd="0" destOrd="0" presId="urn:microsoft.com/office/officeart/2005/8/layout/orgChart1"/>
     <dgm:cxn modelId="{26C597B8-5097-4595-9916-25FEF49328ED}" type="presOf" srcId="{E9AD5402-53C3-4E0E-BFB8-7DC457E62C6E}" destId="{E2E9D679-AA87-4CA5-9D92-385832FA8A38}" srcOrd="0" destOrd="0" presId="urn:microsoft.com/office/officeart/2005/8/layout/orgChart1"/>
     <dgm:cxn modelId="{E70DA3BF-52F8-45E3-8127-FB0AE7E2237E}" type="presOf" srcId="{AB68D805-C958-4186-AB98-BDF42A3C4103}" destId="{38ED2C34-AE31-4E66-AB20-27B061EAD4A2}" srcOrd="1" destOrd="0" presId="urn:microsoft.com/office/officeart/2005/8/layout/orgChart1"/>
     <dgm:cxn modelId="{F2C085C0-BBB7-4E0D-828B-C02F7B9D1ACF}" srcId="{D84BC07E-B480-4208-BE22-4C7FBCC73A87}" destId="{B3208200-9566-4778-8DD6-F7A90547B5A5}" srcOrd="2" destOrd="0" parTransId="{2347F36B-662C-4C22-AE9C-A36338F45122}" sibTransId="{108461CA-AF6E-42D1-A9FA-2528E4DF53D5}"/>
@@ -3399,26 +3000,25 @@
     <dgm:cxn modelId="{CE8B28D9-02D0-48F9-97D7-E7EF8E3D569C}" type="presOf" srcId="{BD08C5E0-0681-45D7-BBEF-CAE8379DA1FE}" destId="{6982A4F2-184C-4998-8D19-011A9D49E0C2}" srcOrd="0" destOrd="0" presId="urn:microsoft.com/office/officeart/2005/8/layout/orgChart1"/>
     <dgm:cxn modelId="{B8249EDB-0FED-48D5-9F5E-D67FAAE127DF}" srcId="{0FB05435-4892-4ABA-B3C9-7237C0B06A67}" destId="{F0DBC855-2474-4BDE-BDFA-C88E7E739F87}" srcOrd="0" destOrd="0" parTransId="{53CE5A2A-AAAE-4A22-AE9A-EFCCC4C8AFF9}" sibTransId="{9B3DC2DB-3ECC-4B88-8DFE-8F71AB88B63E}"/>
     <dgm:cxn modelId="{275B40DC-CF84-496A-BBF4-BB403E2E79DE}" type="presOf" srcId="{A33CAE26-1699-4947-AB51-691514BE59BA}" destId="{61E54A12-FECA-4DD8-A932-1592281ED015}" srcOrd="1" destOrd="0" presId="urn:microsoft.com/office/officeart/2005/8/layout/orgChart1"/>
+    <dgm:cxn modelId="{9FB44BDD-CB84-47E7-90CF-BCF82DC6ADE0}" type="presOf" srcId="{45CBB52A-35E3-463A-BE7F-702252449A53}" destId="{DDE3D686-D9D9-4FB3-93AE-66BE71BA2B74}" srcOrd="1" destOrd="0" presId="urn:microsoft.com/office/officeart/2005/8/layout/orgChart1"/>
     <dgm:cxn modelId="{1DFBECE0-7DFA-4082-8F46-827BC702D3FF}" type="presOf" srcId="{A33CAE26-1699-4947-AB51-691514BE59BA}" destId="{69892794-8969-400A-93B0-3237D6744633}" srcOrd="0" destOrd="0" presId="urn:microsoft.com/office/officeart/2005/8/layout/orgChart1"/>
     <dgm:cxn modelId="{DFD576E1-DDBA-43B9-967D-C582D6264EB9}" srcId="{EA4071C9-D69C-4A3F-8A56-5D1784DCA390}" destId="{1AA526BE-DE0B-495D-8439-3A1CBF421AC0}" srcOrd="0" destOrd="0" parTransId="{CE78814D-3EF5-41CF-80F7-57DB5E6575EA}" sibTransId="{E1187761-B3B0-4BA4-ADE7-64EBDA4E87B4}"/>
     <dgm:cxn modelId="{7AE7C2E2-0FEE-4E77-BAEA-B01D0924F74E}" type="presOf" srcId="{F4DB0EF5-5D73-4181-AB1F-1D55429A5929}" destId="{D6FC18CD-D8B1-43EC-9542-8DAEFFEE823B}" srcOrd="0" destOrd="0" presId="urn:microsoft.com/office/officeart/2005/8/layout/orgChart1"/>
     <dgm:cxn modelId="{FC9824E5-CA1C-4579-92BA-3A2E2AB73409}" srcId="{DDFD41D8-0203-4BEB-A55B-2B6BA7F0489B}" destId="{B26BD132-D542-4100-8554-C6DCAAFDDA1C}" srcOrd="0" destOrd="0" parTransId="{251AA9C5-65CA-4E6D-8831-14CD21D0C386}" sibTransId="{F9BCEED6-C528-4901-AC97-A526F59FBCFB}"/>
-    <dgm:cxn modelId="{DE5348E8-B1D7-4BAC-9F8A-6FAA93EAA071}" type="presOf" srcId="{16D5F567-B11F-427B-9345-F7DDB1A4FB48}" destId="{9359723F-E67B-4803-863B-567E48CF26A5}" srcOrd="0" destOrd="0" presId="urn:microsoft.com/office/officeart/2005/8/layout/orgChart1"/>
+    <dgm:cxn modelId="{8C4AADE5-5BC2-41DA-9D8E-026F65F8C93F}" type="presOf" srcId="{8DFA5406-DF9D-4F57-9312-AAB348BF9E28}" destId="{17D24AD2-7AFB-4DE8-8C9D-A2297937059E}" srcOrd="0" destOrd="0" presId="urn:microsoft.com/office/officeart/2005/8/layout/orgChart1"/>
     <dgm:cxn modelId="{C12B96E9-F6FD-443B-BC07-CEA8FF98EEB6}" srcId="{DDFD41D8-0203-4BEB-A55B-2B6BA7F0489B}" destId="{B715D9FE-073E-4B8C-9984-142AE32AAADB}" srcOrd="3" destOrd="0" parTransId="{5E28935A-C653-4F2B-A7C4-2B8223459FE0}" sibTransId="{83005A10-454E-47EA-977B-EC549F6A011D}"/>
     <dgm:cxn modelId="{0ACEC3EB-C301-448E-9CE5-EE77FB3DACDC}" type="presOf" srcId="{6B535D98-0459-4B4E-911F-275D7A75410B}" destId="{9094D8D8-38C3-4346-920F-8F63E11E87E4}" srcOrd="0" destOrd="0" presId="urn:microsoft.com/office/officeart/2005/8/layout/orgChart1"/>
-    <dgm:cxn modelId="{E49AFAEB-943F-4B0B-AB62-2FE3E67D3FF1}" type="presOf" srcId="{E3A38E1F-6CC8-495A-BAAA-AA0C655468B1}" destId="{8EAFEB7F-FBA0-4433-996F-F79724D317D5}" srcOrd="0" destOrd="0" presId="urn:microsoft.com/office/officeart/2005/8/layout/orgChart1"/>
+    <dgm:cxn modelId="{5CF643ED-C96E-446C-BF20-CABA32CEF2FD}" type="presOf" srcId="{8DFA5406-DF9D-4F57-9312-AAB348BF9E28}" destId="{A1181027-2607-46F5-B3C7-52A7685E3789}" srcOrd="1" destOrd="0" presId="urn:microsoft.com/office/officeart/2005/8/layout/orgChart1"/>
     <dgm:cxn modelId="{0A6947ED-96F5-49E6-A7E3-F05212D2F79C}" type="presOf" srcId="{D84BC07E-B480-4208-BE22-4C7FBCC73A87}" destId="{DBC7248B-CFD4-402B-8D9E-077F3E70D599}" srcOrd="1" destOrd="0" presId="urn:microsoft.com/office/officeart/2005/8/layout/orgChart1"/>
     <dgm:cxn modelId="{6B30F8EE-2AF3-4C1E-A29A-4927873B7F48}" srcId="{9EC38554-0729-4E36-B1BE-866F3E0A3729}" destId="{12410C7B-6B77-4D85-9E30-1820511D66D1}" srcOrd="0" destOrd="0" parTransId="{0D21DA87-9B2C-4A09-A98C-CBD1380D6869}" sibTransId="{93E279B7-77F6-400D-9B75-49035B0DADF3}"/>
     <dgm:cxn modelId="{6880F9EE-4873-4042-938A-5D6085A7E0CD}" type="presOf" srcId="{9EC38554-0729-4E36-B1BE-866F3E0A3729}" destId="{4A172366-B8EA-4168-B515-D3C958E9AECA}" srcOrd="1" destOrd="0" presId="urn:microsoft.com/office/officeart/2005/8/layout/orgChart1"/>
-    <dgm:cxn modelId="{B2683CEF-7301-49C1-8E49-4FBD0523E8E4}" type="presOf" srcId="{A95B2C21-8392-4A03-B99C-3E9C5B98A501}" destId="{4D6DCFC9-CDB4-4D1B-9D2C-08DCAE76A815}" srcOrd="0" destOrd="0" presId="urn:microsoft.com/office/officeart/2005/8/layout/orgChart1"/>
-    <dgm:cxn modelId="{98DCE4EF-FC00-45BD-9720-0EF53B27FA80}" srcId="{962C29C3-AE9F-445D-BBD8-31B216B597ED}" destId="{45CBB52A-35E3-463A-BE7F-702252449A53}" srcOrd="0" destOrd="0" parTransId="{F6212152-A831-45AD-A778-88D8043C12A0}" sibTransId="{66235F2F-B1C2-446A-AF61-CF50DF55BC8F}"/>
+    <dgm:cxn modelId="{98DCE4EF-FC00-45BD-9720-0EF53B27FA80}" srcId="{E4E072EF-2915-4B1E-BCB0-025D9DF21850}" destId="{45CBB52A-35E3-463A-BE7F-702252449A53}" srcOrd="2" destOrd="0" parTransId="{F6212152-A831-45AD-A778-88D8043C12A0}" sibTransId="{66235F2F-B1C2-446A-AF61-CF50DF55BC8F}"/>
     <dgm:cxn modelId="{3C9D58F0-06C2-457C-8253-3497FE148ADF}" srcId="{B3208200-9566-4778-8DD6-F7A90547B5A5}" destId="{5AC28D7D-D256-4144-8D19-11BD995711F0}" srcOrd="1" destOrd="0" parTransId="{45EA2EA8-BFD8-4565-A744-6B05FD36FEFB}" sibTransId="{DCB3F54A-9778-48AE-8875-003ADF6602FA}"/>
+    <dgm:cxn modelId="{B8C879F1-42B5-4163-AF93-BA6285A2FAB5}" type="presOf" srcId="{45CBB52A-35E3-463A-BE7F-702252449A53}" destId="{80284372-DEAA-4F2B-9BE1-1465649F27EB}" srcOrd="0" destOrd="0" presId="urn:microsoft.com/office/officeart/2005/8/layout/orgChart1"/>
     <dgm:cxn modelId="{81F880F2-A677-422E-B479-C2E7B57E2C40}" type="presOf" srcId="{D84BC07E-B480-4208-BE22-4C7FBCC73A87}" destId="{FD050043-48AB-4E36-B6BE-F60708161507}" srcOrd="0" destOrd="0" presId="urn:microsoft.com/office/officeart/2005/8/layout/orgChart1"/>
     <dgm:cxn modelId="{E628E4F4-62E8-4684-A9B3-CB3EE5420C65}" type="presOf" srcId="{EA4071C9-D69C-4A3F-8A56-5D1784DCA390}" destId="{EC44973A-F342-4840-B08F-220E26E08FB0}" srcOrd="1" destOrd="0" presId="urn:microsoft.com/office/officeart/2005/8/layout/orgChart1"/>
     <dgm:cxn modelId="{0887ECF5-9386-4289-8949-71FC2F9AC450}" type="presOf" srcId="{B86FB469-64E1-48D0-8CCF-1FCAA690F264}" destId="{7169E580-6599-4D0C-BE35-E81DF9E1B774}" srcOrd="0" destOrd="0" presId="urn:microsoft.com/office/officeart/2005/8/layout/orgChart1"/>
     <dgm:cxn modelId="{D51A41FA-6A60-4DFB-B220-41AD50168F2B}" type="presOf" srcId="{E4E072EF-2915-4B1E-BCB0-025D9DF21850}" destId="{63E71DF9-B3A7-4070-89D4-3944424C2913}" srcOrd="0" destOrd="0" presId="urn:microsoft.com/office/officeart/2005/8/layout/orgChart1"/>
-    <dgm:cxn modelId="{7B7B27FB-0FC4-4667-8AC5-FB84D1608E89}" type="presOf" srcId="{FCB2BB3A-B553-4743-B8C6-02694F15CC4D}" destId="{239F6289-AE16-4CCB-9BAE-15F7BFC87DCF}" srcOrd="0" destOrd="0" presId="urn:microsoft.com/office/officeart/2005/8/layout/orgChart1"/>
-    <dgm:cxn modelId="{6BB042FB-5B8B-432D-A0F7-4761AB426BA6}" srcId="{D84BC07E-B480-4208-BE22-4C7FBCC73A87}" destId="{A95B2C21-8392-4A03-B99C-3E9C5B98A501}" srcOrd="4" destOrd="0" parTransId="{F104E113-E7DD-4511-A4CF-B0522F6F32D2}" sibTransId="{448A1A1E-E7D6-4BA3-A23E-E65A535C3529}"/>
     <dgm:cxn modelId="{C5A000FE-9CFE-4AB0-9B3A-36704958307E}" type="presOf" srcId="{1AA526BE-DE0B-495D-8439-3A1CBF421AC0}" destId="{648AC1B9-2F03-4583-843D-F860277D64CC}" srcOrd="1" destOrd="0" presId="urn:microsoft.com/office/officeart/2005/8/layout/orgChart1"/>
     <dgm:cxn modelId="{F67DA096-7829-4DB2-9435-7F79AD9A18F6}" type="presParOf" srcId="{83A48DD7-0550-4E79-ABF7-3AB69763010D}" destId="{FCA07961-4DF8-494A-AA4C-918F7AE7D310}" srcOrd="0" destOrd="0" presId="urn:microsoft.com/office/officeart/2005/8/layout/orgChart1"/>
     <dgm:cxn modelId="{7EE569C8-08C3-44C4-984C-1732DA78C975}" type="presParOf" srcId="{FCA07961-4DF8-494A-AA4C-918F7AE7D310}" destId="{11501D3A-49CE-4653-9F96-1F982EBA3CBF}" srcOrd="0" destOrd="0" presId="urn:microsoft.com/office/officeart/2005/8/layout/orgChart1"/>
@@ -3501,34 +3101,34 @@
     <dgm:cxn modelId="{5BA2C0A5-CF29-4E3F-8CA7-233C52AA63C2}" type="presParOf" srcId="{FB384E8A-EEDB-4CDD-80E4-F52016797084}" destId="{63E71DF9-B3A7-4070-89D4-3944424C2913}" srcOrd="0" destOrd="0" presId="urn:microsoft.com/office/officeart/2005/8/layout/orgChart1"/>
     <dgm:cxn modelId="{0BF5587E-2134-43E4-A9BE-A802A1A3ABA6}" type="presParOf" srcId="{FB384E8A-EEDB-4CDD-80E4-F52016797084}" destId="{129B1073-770F-48F3-B8E0-E8458AFF12B1}" srcOrd="1" destOrd="0" presId="urn:microsoft.com/office/officeart/2005/8/layout/orgChart1"/>
     <dgm:cxn modelId="{EC726DE6-57B9-4752-9A15-E537C90E2001}" type="presParOf" srcId="{D6BBFC0D-FC28-417C-BB50-8E643391E7F5}" destId="{7ACEC615-AE4E-4FED-821D-9B74F2D16011}" srcOrd="1" destOrd="0" presId="urn:microsoft.com/office/officeart/2005/8/layout/orgChart1"/>
-    <dgm:cxn modelId="{10C26B1D-EADB-4A79-A847-73762C401F3C}" type="presParOf" srcId="{7ACEC615-AE4E-4FED-821D-9B74F2D16011}" destId="{27DDDCD5-6FB2-472B-9AF7-14B4A74DBBF8}" srcOrd="0" destOrd="0" presId="urn:microsoft.com/office/officeart/2005/8/layout/orgChart1"/>
-    <dgm:cxn modelId="{13BC364C-C6E3-4716-AA3E-65C840FBD04A}" type="presParOf" srcId="{7ACEC615-AE4E-4FED-821D-9B74F2D16011}" destId="{EACB641A-792F-478A-AFC6-0E372F85211F}" srcOrd="1" destOrd="0" presId="urn:microsoft.com/office/officeart/2005/8/layout/orgChart1"/>
-    <dgm:cxn modelId="{13DD57F1-21F8-4257-BF3D-CA9276E6A133}" type="presParOf" srcId="{EACB641A-792F-478A-AFC6-0E372F85211F}" destId="{AF758132-80FF-48F8-80AB-8EFFACF4D2BB}" srcOrd="0" destOrd="0" presId="urn:microsoft.com/office/officeart/2005/8/layout/orgChart1"/>
-    <dgm:cxn modelId="{E5ECF9E3-971D-4532-8EFC-624253F3AEBB}" type="presParOf" srcId="{AF758132-80FF-48F8-80AB-8EFFACF4D2BB}" destId="{D3F0C759-0FE4-404D-A8A8-E5280D63C775}" srcOrd="0" destOrd="0" presId="urn:microsoft.com/office/officeart/2005/8/layout/orgChart1"/>
-    <dgm:cxn modelId="{ECA08D86-A055-4548-AB64-73329BF8CDED}" type="presParOf" srcId="{AF758132-80FF-48F8-80AB-8EFFACF4D2BB}" destId="{BF784F57-6AE5-4B0D-A7B1-A8C12D050B79}" srcOrd="1" destOrd="0" presId="urn:microsoft.com/office/officeart/2005/8/layout/orgChart1"/>
-    <dgm:cxn modelId="{FDAE68E6-8A94-4213-A442-3886B7A445D3}" type="presParOf" srcId="{EACB641A-792F-478A-AFC6-0E372F85211F}" destId="{4D6B05ED-A29C-4EB3-AFA2-721339881783}" srcOrd="1" destOrd="0" presId="urn:microsoft.com/office/officeart/2005/8/layout/orgChart1"/>
-    <dgm:cxn modelId="{6FAD9810-E4CC-4950-B6A6-5C0F9A3EA427}" type="presParOf" srcId="{EACB641A-792F-478A-AFC6-0E372F85211F}" destId="{54BFB9BE-1F21-4B4A-93D1-ACC96507689D}" srcOrd="2" destOrd="0" presId="urn:microsoft.com/office/officeart/2005/8/layout/orgChart1"/>
-    <dgm:cxn modelId="{42F4D312-05A7-4410-8F3A-CFB8D5E03293}" type="presParOf" srcId="{7ACEC615-AE4E-4FED-821D-9B74F2D16011}" destId="{5D155140-9D19-4626-8DAF-457CB3ED574A}" srcOrd="2" destOrd="0" presId="urn:microsoft.com/office/officeart/2005/8/layout/orgChart1"/>
-    <dgm:cxn modelId="{5011D5F3-47C5-4398-8618-A50CCF2CEE8C}" type="presParOf" srcId="{7ACEC615-AE4E-4FED-821D-9B74F2D16011}" destId="{5AD0B328-7C68-4FFD-81AF-3AD3EE330C7A}" srcOrd="3" destOrd="0" presId="urn:microsoft.com/office/officeart/2005/8/layout/orgChart1"/>
+    <dgm:cxn modelId="{42F4D312-05A7-4410-8F3A-CFB8D5E03293}" type="presParOf" srcId="{7ACEC615-AE4E-4FED-821D-9B74F2D16011}" destId="{5D155140-9D19-4626-8DAF-457CB3ED574A}" srcOrd="0" destOrd="0" presId="urn:microsoft.com/office/officeart/2005/8/layout/orgChart1"/>
+    <dgm:cxn modelId="{5011D5F3-47C5-4398-8618-A50CCF2CEE8C}" type="presParOf" srcId="{7ACEC615-AE4E-4FED-821D-9B74F2D16011}" destId="{5AD0B328-7C68-4FFD-81AF-3AD3EE330C7A}" srcOrd="1" destOrd="0" presId="urn:microsoft.com/office/officeart/2005/8/layout/orgChart1"/>
     <dgm:cxn modelId="{F93D2372-2E0D-4CB8-AA9A-E30DF2F9F9C9}" type="presParOf" srcId="{5AD0B328-7C68-4FFD-81AF-3AD3EE330C7A}" destId="{1F6514E7-D8DC-4D95-94DC-295E016D32B1}" srcOrd="0" destOrd="0" presId="urn:microsoft.com/office/officeart/2005/8/layout/orgChart1"/>
     <dgm:cxn modelId="{DC482451-70CC-4B2D-BD6E-35DCE1E1765D}" type="presParOf" srcId="{1F6514E7-D8DC-4D95-94DC-295E016D32B1}" destId="{2A098294-C6FB-4CDE-A18D-D965C0CE13D1}" srcOrd="0" destOrd="0" presId="urn:microsoft.com/office/officeart/2005/8/layout/orgChart1"/>
     <dgm:cxn modelId="{BDC66DB6-6FF6-4F8E-84CF-51A71FC90186}" type="presParOf" srcId="{1F6514E7-D8DC-4D95-94DC-295E016D32B1}" destId="{0C01B648-750E-4CB2-BBAE-64D7D990182B}" srcOrd="1" destOrd="0" presId="urn:microsoft.com/office/officeart/2005/8/layout/orgChart1"/>
     <dgm:cxn modelId="{8388B4F2-288F-43BA-820D-19DD9C86D109}" type="presParOf" srcId="{5AD0B328-7C68-4FFD-81AF-3AD3EE330C7A}" destId="{438CB710-FBE3-489C-B279-178DEE3C331D}" srcOrd="1" destOrd="0" presId="urn:microsoft.com/office/officeart/2005/8/layout/orgChart1"/>
     <dgm:cxn modelId="{54716534-13CC-4A97-8C5C-6CBC3AF1A39C}" type="presParOf" srcId="{5AD0B328-7C68-4FFD-81AF-3AD3EE330C7A}" destId="{342F97CB-A271-4F85-9E63-E81BF914CD03}" srcOrd="2" destOrd="0" presId="urn:microsoft.com/office/officeart/2005/8/layout/orgChart1"/>
-    <dgm:cxn modelId="{8F089FC0-1432-4654-ABFC-0BDB9AB78F41}" type="presParOf" srcId="{7ACEC615-AE4E-4FED-821D-9B74F2D16011}" destId="{0626F3B8-74E5-4881-9EF6-18466B2CF4DE}" srcOrd="4" destOrd="0" presId="urn:microsoft.com/office/officeart/2005/8/layout/orgChart1"/>
-    <dgm:cxn modelId="{76F59023-6CD1-4EA8-9A40-4C12013BDF18}" type="presParOf" srcId="{7ACEC615-AE4E-4FED-821D-9B74F2D16011}" destId="{037DBCC2-7F6A-4447-A89C-7BA0C5335A8E}" srcOrd="5" destOrd="0" presId="urn:microsoft.com/office/officeart/2005/8/layout/orgChart1"/>
+    <dgm:cxn modelId="{8F089FC0-1432-4654-ABFC-0BDB9AB78F41}" type="presParOf" srcId="{7ACEC615-AE4E-4FED-821D-9B74F2D16011}" destId="{0626F3B8-74E5-4881-9EF6-18466B2CF4DE}" srcOrd="2" destOrd="0" presId="urn:microsoft.com/office/officeart/2005/8/layout/orgChart1"/>
+    <dgm:cxn modelId="{76F59023-6CD1-4EA8-9A40-4C12013BDF18}" type="presParOf" srcId="{7ACEC615-AE4E-4FED-821D-9B74F2D16011}" destId="{037DBCC2-7F6A-4447-A89C-7BA0C5335A8E}" srcOrd="3" destOrd="0" presId="urn:microsoft.com/office/officeart/2005/8/layout/orgChart1"/>
     <dgm:cxn modelId="{AE27583A-F6C2-4803-AF7F-722A33D349D7}" type="presParOf" srcId="{037DBCC2-7F6A-4447-A89C-7BA0C5335A8E}" destId="{38808604-24D0-4D21-A2B2-859596C32724}" srcOrd="0" destOrd="0" presId="urn:microsoft.com/office/officeart/2005/8/layout/orgChart1"/>
     <dgm:cxn modelId="{6AEED4B5-C623-458C-A006-1F2B1CC8E1D2}" type="presParOf" srcId="{38808604-24D0-4D21-A2B2-859596C32724}" destId="{622B0033-31B7-4ED8-ADE4-278D36C5733F}" srcOrd="0" destOrd="0" presId="urn:microsoft.com/office/officeart/2005/8/layout/orgChart1"/>
     <dgm:cxn modelId="{F477DBE6-8225-44FD-8F6D-984E2E589667}" type="presParOf" srcId="{38808604-24D0-4D21-A2B2-859596C32724}" destId="{177B038E-8FC6-4D90-9B81-368776EF5BFA}" srcOrd="1" destOrd="0" presId="urn:microsoft.com/office/officeart/2005/8/layout/orgChart1"/>
     <dgm:cxn modelId="{5178FA5E-1BDD-4BA1-A32A-30EE6B8CAC77}" type="presParOf" srcId="{037DBCC2-7F6A-4447-A89C-7BA0C5335A8E}" destId="{7DBD0D4C-491F-499D-8A07-7152D027D595}" srcOrd="1" destOrd="0" presId="urn:microsoft.com/office/officeart/2005/8/layout/orgChart1"/>
-    <dgm:cxn modelId="{9983C661-5591-40CB-BC5C-477EA587A817}" type="presParOf" srcId="{7DBD0D4C-491F-499D-8A07-7152D027D595}" destId="{C1455B8D-8BE6-4A31-8E35-1FC22CC759A5}" srcOrd="0" destOrd="0" presId="urn:microsoft.com/office/officeart/2005/8/layout/orgChart1"/>
-    <dgm:cxn modelId="{3FFF573B-6692-4541-B580-C18E1C671267}" type="presParOf" srcId="{7DBD0D4C-491F-499D-8A07-7152D027D595}" destId="{2D7A81AB-2B0E-491B-A9C5-D48A79ECA519}" srcOrd="1" destOrd="0" presId="urn:microsoft.com/office/officeart/2005/8/layout/orgChart1"/>
-    <dgm:cxn modelId="{09F2A989-F792-42EF-945E-C5C8664413B1}" type="presParOf" srcId="{2D7A81AB-2B0E-491B-A9C5-D48A79ECA519}" destId="{CCEF405B-7F0B-40C0-AA05-2727E572F785}" srcOrd="0" destOrd="0" presId="urn:microsoft.com/office/officeart/2005/8/layout/orgChart1"/>
-    <dgm:cxn modelId="{F0F5226E-3E41-41E6-9642-02F668392D72}" type="presParOf" srcId="{CCEF405B-7F0B-40C0-AA05-2727E572F785}" destId="{80284372-DEAA-4F2B-9BE1-1465649F27EB}" srcOrd="0" destOrd="0" presId="urn:microsoft.com/office/officeart/2005/8/layout/orgChart1"/>
-    <dgm:cxn modelId="{99F67443-DBC2-4FF5-AEE8-52F839174F62}" type="presParOf" srcId="{CCEF405B-7F0B-40C0-AA05-2727E572F785}" destId="{DDE3D686-D9D9-4FB3-93AE-66BE71BA2B74}" srcOrd="1" destOrd="0" presId="urn:microsoft.com/office/officeart/2005/8/layout/orgChart1"/>
-    <dgm:cxn modelId="{1103B00C-DE42-4E38-AA53-2A27D873F83A}" type="presParOf" srcId="{2D7A81AB-2B0E-491B-A9C5-D48A79ECA519}" destId="{3D23BCD3-FA72-4D92-A527-50DBCEB86742}" srcOrd="1" destOrd="0" presId="urn:microsoft.com/office/officeart/2005/8/layout/orgChart1"/>
-    <dgm:cxn modelId="{6C3FA272-C924-4793-BDE4-337C73738466}" type="presParOf" srcId="{2D7A81AB-2B0E-491B-A9C5-D48A79ECA519}" destId="{33CF4B33-FC78-48E0-8FA0-1674415E4DB7}" srcOrd="2" destOrd="0" presId="urn:microsoft.com/office/officeart/2005/8/layout/orgChart1"/>
+    <dgm:cxn modelId="{02AE8E32-D901-4142-8926-E83EEBA08F10}" type="presParOf" srcId="{7DBD0D4C-491F-499D-8A07-7152D027D595}" destId="{A4AB2195-8759-472B-B385-F123404B10D5}" srcOrd="0" destOrd="0" presId="urn:microsoft.com/office/officeart/2005/8/layout/orgChart1"/>
+    <dgm:cxn modelId="{02B1A3B6-A181-402B-9929-E85FA9676DDA}" type="presParOf" srcId="{7DBD0D4C-491F-499D-8A07-7152D027D595}" destId="{7A6CD135-2C3C-44C1-AFBC-708267324865}" srcOrd="1" destOrd="0" presId="urn:microsoft.com/office/officeart/2005/8/layout/orgChart1"/>
+    <dgm:cxn modelId="{8E3C04E2-3E37-4094-8382-FB4BDF21F3F2}" type="presParOf" srcId="{7A6CD135-2C3C-44C1-AFBC-708267324865}" destId="{72816C41-DE7D-4084-88D0-CF0BCF162B15}" srcOrd="0" destOrd="0" presId="urn:microsoft.com/office/officeart/2005/8/layout/orgChart1"/>
+    <dgm:cxn modelId="{FF191D01-91C9-4ECB-BCED-60F3F27C0973}" type="presParOf" srcId="{72816C41-DE7D-4084-88D0-CF0BCF162B15}" destId="{17D24AD2-7AFB-4DE8-8C9D-A2297937059E}" srcOrd="0" destOrd="0" presId="urn:microsoft.com/office/officeart/2005/8/layout/orgChart1"/>
+    <dgm:cxn modelId="{92980460-2101-4E01-9514-CE605D798BCC}" type="presParOf" srcId="{72816C41-DE7D-4084-88D0-CF0BCF162B15}" destId="{A1181027-2607-46F5-B3C7-52A7685E3789}" srcOrd="1" destOrd="0" presId="urn:microsoft.com/office/officeart/2005/8/layout/orgChart1"/>
+    <dgm:cxn modelId="{59FD5570-ACCB-4B8C-9089-415D84C3C7B0}" type="presParOf" srcId="{7A6CD135-2C3C-44C1-AFBC-708267324865}" destId="{17588116-9CD7-42CC-9013-60E8096D8708}" srcOrd="1" destOrd="0" presId="urn:microsoft.com/office/officeart/2005/8/layout/orgChart1"/>
+    <dgm:cxn modelId="{C9EE50C6-3C76-4946-8313-EEAFA82AEAC5}" type="presParOf" srcId="{7A6CD135-2C3C-44C1-AFBC-708267324865}" destId="{F74B521A-1139-4FFE-B728-178FEA54A087}" srcOrd="2" destOrd="0" presId="urn:microsoft.com/office/officeart/2005/8/layout/orgChart1"/>
     <dgm:cxn modelId="{30448103-0930-4F2A-9C1D-915E201499FE}" type="presParOf" srcId="{037DBCC2-7F6A-4447-A89C-7BA0C5335A8E}" destId="{2FC0675E-6305-422E-9C4A-180079AF76E4}" srcOrd="2" destOrd="0" presId="urn:microsoft.com/office/officeart/2005/8/layout/orgChart1"/>
+    <dgm:cxn modelId="{F0742ACD-FAD8-441F-A5E6-A57B550BA614}" type="presParOf" srcId="{7ACEC615-AE4E-4FED-821D-9B74F2D16011}" destId="{C1455B8D-8BE6-4A31-8E35-1FC22CC759A5}" srcOrd="4" destOrd="0" presId="urn:microsoft.com/office/officeart/2005/8/layout/orgChart1"/>
+    <dgm:cxn modelId="{4EAC48B0-667D-47CF-8A4A-0512BDC7CCCF}" type="presParOf" srcId="{7ACEC615-AE4E-4FED-821D-9B74F2D16011}" destId="{2D7A81AB-2B0E-491B-A9C5-D48A79ECA519}" srcOrd="5" destOrd="0" presId="urn:microsoft.com/office/officeart/2005/8/layout/orgChart1"/>
+    <dgm:cxn modelId="{A63F2219-B6E6-4E04-B377-A77715455B4D}" type="presParOf" srcId="{2D7A81AB-2B0E-491B-A9C5-D48A79ECA519}" destId="{CCEF405B-7F0B-40C0-AA05-2727E572F785}" srcOrd="0" destOrd="0" presId="urn:microsoft.com/office/officeart/2005/8/layout/orgChart1"/>
+    <dgm:cxn modelId="{1D24A12E-6AD8-49D8-8BEB-75B6805C4C98}" type="presParOf" srcId="{CCEF405B-7F0B-40C0-AA05-2727E572F785}" destId="{80284372-DEAA-4F2B-9BE1-1465649F27EB}" srcOrd="0" destOrd="0" presId="urn:microsoft.com/office/officeart/2005/8/layout/orgChart1"/>
+    <dgm:cxn modelId="{22A2356B-D604-4776-8F23-C700A3BE82B2}" type="presParOf" srcId="{CCEF405B-7F0B-40C0-AA05-2727E572F785}" destId="{DDE3D686-D9D9-4FB3-93AE-66BE71BA2B74}" srcOrd="1" destOrd="0" presId="urn:microsoft.com/office/officeart/2005/8/layout/orgChart1"/>
+    <dgm:cxn modelId="{84D6ACAF-3853-46BE-B89E-1CFCEB2A478F}" type="presParOf" srcId="{2D7A81AB-2B0E-491B-A9C5-D48A79ECA519}" destId="{3D23BCD3-FA72-4D92-A527-50DBCEB86742}" srcOrd="1" destOrd="0" presId="urn:microsoft.com/office/officeart/2005/8/layout/orgChart1"/>
+    <dgm:cxn modelId="{71DDC1F9-AE83-46AA-8468-5D08E985583F}" type="presParOf" srcId="{2D7A81AB-2B0E-491B-A9C5-D48A79ECA519}" destId="{33CF4B33-FC78-48E0-8FA0-1674415E4DB7}" srcOrd="2" destOrd="0" presId="urn:microsoft.com/office/officeart/2005/8/layout/orgChart1"/>
     <dgm:cxn modelId="{7FF8FFFE-FA8D-4A73-9654-6C2055CA5FCA}" type="presParOf" srcId="{D6BBFC0D-FC28-417C-BB50-8E643391E7F5}" destId="{0C8DFEE2-DA9E-415C-85D6-B53FC35D14B7}" srcOrd="2" destOrd="0" presId="urn:microsoft.com/office/officeart/2005/8/layout/orgChart1"/>
     <dgm:cxn modelId="{BC92281D-0072-493D-99B5-7E1FE9C8CE5A}" type="presParOf" srcId="{FBEBFD3A-E930-4701-B23F-5FC4A528B530}" destId="{365EC482-16B1-4AAD-B4CC-D63D201EE27E}" srcOrd="4" destOrd="0" presId="urn:microsoft.com/office/officeart/2005/8/layout/orgChart1"/>
     <dgm:cxn modelId="{DB46EFBD-482C-4954-952D-C17072DD16AD}" type="presParOf" srcId="{FBEBFD3A-E930-4701-B23F-5FC4A528B530}" destId="{E9B6DB36-5262-4381-97F4-9EB636D22537}" srcOrd="5" destOrd="0" presId="urn:microsoft.com/office/officeart/2005/8/layout/orgChart1"/>
@@ -3592,34 +3192,6 @@
     <dgm:cxn modelId="{AF6267AC-CEFC-49FF-BE9B-C3E31FF8C192}" type="presParOf" srcId="{FA91D906-E9B2-4F50-A3ED-CF6A9809E83E}" destId="{DD2C380E-D023-4CFB-A202-64CD1847189A}" srcOrd="2" destOrd="0" presId="urn:microsoft.com/office/officeart/2005/8/layout/orgChart1"/>
     <dgm:cxn modelId="{D63F3371-DB6F-4F30-B686-D447A12850AF}" type="presParOf" srcId="{57BF3D87-26C5-4A3F-B224-3F7277436B6A}" destId="{7EB52BE4-F6F7-4894-BA2B-57EE10F07EA8}" srcOrd="2" destOrd="0" presId="urn:microsoft.com/office/officeart/2005/8/layout/orgChart1"/>
     <dgm:cxn modelId="{E658A5B7-DF7F-44A3-9308-2EADC2927989}" type="presParOf" srcId="{B6940923-98D8-4CFE-9414-56194B932998}" destId="{41107B5B-8089-48CC-BB02-4638A1FFF136}" srcOrd="2" destOrd="0" presId="urn:microsoft.com/office/officeart/2005/8/layout/orgChart1"/>
-    <dgm:cxn modelId="{7D1F962F-696F-4839-BA77-B033ABFB4A1E}" type="presParOf" srcId="{B4B02CFE-DE12-4B73-BB3B-748E560985FB}" destId="{A83E7F0A-9D50-4002-B043-608EB14336CD}" srcOrd="4" destOrd="0" presId="urn:microsoft.com/office/officeart/2005/8/layout/orgChart1"/>
-    <dgm:cxn modelId="{7D2690DA-7833-445F-AC1C-13A0B27F2A43}" type="presParOf" srcId="{B4B02CFE-DE12-4B73-BB3B-748E560985FB}" destId="{3DC475B2-F484-4E6B-857A-8DD35CD5F9B8}" srcOrd="5" destOrd="0" presId="urn:microsoft.com/office/officeart/2005/8/layout/orgChart1"/>
-    <dgm:cxn modelId="{E46B8840-31E5-4FAD-BD84-B3B21F09A69C}" type="presParOf" srcId="{3DC475B2-F484-4E6B-857A-8DD35CD5F9B8}" destId="{75ABCECC-0501-4E60-B97D-CC5F504E7C2C}" srcOrd="0" destOrd="0" presId="urn:microsoft.com/office/officeart/2005/8/layout/orgChart1"/>
-    <dgm:cxn modelId="{A7F07039-9573-4CEA-A20E-248EC8C992B0}" type="presParOf" srcId="{75ABCECC-0501-4E60-B97D-CC5F504E7C2C}" destId="{239F6289-AE16-4CCB-9BAE-15F7BFC87DCF}" srcOrd="0" destOrd="0" presId="urn:microsoft.com/office/officeart/2005/8/layout/orgChart1"/>
-    <dgm:cxn modelId="{CACB5E24-1AE7-4120-B250-2870E2D3224E}" type="presParOf" srcId="{75ABCECC-0501-4E60-B97D-CC5F504E7C2C}" destId="{28D2B13E-9A04-4705-89CE-28B82E405171}" srcOrd="1" destOrd="0" presId="urn:microsoft.com/office/officeart/2005/8/layout/orgChart1"/>
-    <dgm:cxn modelId="{A75D348D-21F5-47D4-8C96-9356F406C3AF}" type="presParOf" srcId="{3DC475B2-F484-4E6B-857A-8DD35CD5F9B8}" destId="{5CB2225E-05CD-4717-B11C-00E77B570016}" srcOrd="1" destOrd="0" presId="urn:microsoft.com/office/officeart/2005/8/layout/orgChart1"/>
-    <dgm:cxn modelId="{31D8B814-3A07-4756-84D0-AFF1105D6C18}" type="presParOf" srcId="{5CB2225E-05CD-4717-B11C-00E77B570016}" destId="{748BE8D2-2DFD-4478-9C46-54F07749F38C}" srcOrd="0" destOrd="0" presId="urn:microsoft.com/office/officeart/2005/8/layout/orgChart1"/>
-    <dgm:cxn modelId="{5304BAF1-51FE-4889-9987-967F622B732A}" type="presParOf" srcId="{5CB2225E-05CD-4717-B11C-00E77B570016}" destId="{375DF4A2-D241-4B47-8D96-8A247FFC9631}" srcOrd="1" destOrd="0" presId="urn:microsoft.com/office/officeart/2005/8/layout/orgChart1"/>
-    <dgm:cxn modelId="{973AA1FB-E9AA-437A-8D08-2D381F6EB752}" type="presParOf" srcId="{375DF4A2-D241-4B47-8D96-8A247FFC9631}" destId="{B66E49A9-0A07-490D-9C3A-FE85A8893A12}" srcOrd="0" destOrd="0" presId="urn:microsoft.com/office/officeart/2005/8/layout/orgChart1"/>
-    <dgm:cxn modelId="{66F67989-2AC6-4D44-A7A6-6EED2F9F6CF6}" type="presParOf" srcId="{B66E49A9-0A07-490D-9C3A-FE85A8893A12}" destId="{AFFD236A-6B48-41FD-B6EB-C7E4C9650A79}" srcOrd="0" destOrd="0" presId="urn:microsoft.com/office/officeart/2005/8/layout/orgChart1"/>
-    <dgm:cxn modelId="{F6CB2040-ADF8-4ADA-B7A7-BBF547CBBDDF}" type="presParOf" srcId="{B66E49A9-0A07-490D-9C3A-FE85A8893A12}" destId="{2ECE3AB1-FB37-40BF-B4ED-A6A18B6F2F79}" srcOrd="1" destOrd="0" presId="urn:microsoft.com/office/officeart/2005/8/layout/orgChart1"/>
-    <dgm:cxn modelId="{D6C7EC3E-B563-4B88-BC46-431061148848}" type="presParOf" srcId="{375DF4A2-D241-4B47-8D96-8A247FFC9631}" destId="{53007345-CAEB-462E-B901-0F9846FA275B}" srcOrd="1" destOrd="0" presId="urn:microsoft.com/office/officeart/2005/8/layout/orgChart1"/>
-    <dgm:cxn modelId="{EFD32D7F-CFC9-4851-9051-91100905E54E}" type="presParOf" srcId="{375DF4A2-D241-4B47-8D96-8A247FFC9631}" destId="{D320EF83-2AB4-4160-87ED-9FB8681EA260}" srcOrd="2" destOrd="0" presId="urn:microsoft.com/office/officeart/2005/8/layout/orgChart1"/>
-    <dgm:cxn modelId="{3A40C164-2B85-4CA7-9200-0828C64A83AF}" type="presParOf" srcId="{5CB2225E-05CD-4717-B11C-00E77B570016}" destId="{DD819ABA-B98F-4FBD-89BA-AA885FDBFEE7}" srcOrd="2" destOrd="0" presId="urn:microsoft.com/office/officeart/2005/8/layout/orgChart1"/>
-    <dgm:cxn modelId="{7B40FDBE-25D7-4F35-A920-9DB6A13C566B}" type="presParOf" srcId="{5CB2225E-05CD-4717-B11C-00E77B570016}" destId="{3DC4A54C-9871-48C5-BBD1-BCB72D7965E9}" srcOrd="3" destOrd="0" presId="urn:microsoft.com/office/officeart/2005/8/layout/orgChart1"/>
-    <dgm:cxn modelId="{F146D645-D17A-4E60-A62E-0786A31E829E}" type="presParOf" srcId="{3DC4A54C-9871-48C5-BBD1-BCB72D7965E9}" destId="{572D7658-2760-4FAB-AEE6-20E28D698CA1}" srcOrd="0" destOrd="0" presId="urn:microsoft.com/office/officeart/2005/8/layout/orgChart1"/>
-    <dgm:cxn modelId="{9F8557E1-DAF3-489F-A65E-25F6577F0026}" type="presParOf" srcId="{572D7658-2760-4FAB-AEE6-20E28D698CA1}" destId="{8EAFEB7F-FBA0-4433-996F-F79724D317D5}" srcOrd="0" destOrd="0" presId="urn:microsoft.com/office/officeart/2005/8/layout/orgChart1"/>
-    <dgm:cxn modelId="{DE026BD3-FC8C-4DF1-978A-30667AE634C7}" type="presParOf" srcId="{572D7658-2760-4FAB-AEE6-20E28D698CA1}" destId="{2BBF287D-CA9B-409C-95F5-B8033B276FE5}" srcOrd="1" destOrd="0" presId="urn:microsoft.com/office/officeart/2005/8/layout/orgChart1"/>
-    <dgm:cxn modelId="{E90876E5-50C9-4FF7-B4DE-DEBE9D0FE699}" type="presParOf" srcId="{3DC4A54C-9871-48C5-BBD1-BCB72D7965E9}" destId="{FB0C16AC-74E8-41AD-B343-8564601772C3}" srcOrd="1" destOrd="0" presId="urn:microsoft.com/office/officeart/2005/8/layout/orgChart1"/>
-    <dgm:cxn modelId="{509D5452-EB29-4999-BE03-31B53E3A1B24}" type="presParOf" srcId="{FB0C16AC-74E8-41AD-B343-8564601772C3}" destId="{50FF036A-B665-40B0-A123-AF6882C561F7}" srcOrd="0" destOrd="0" presId="urn:microsoft.com/office/officeart/2005/8/layout/orgChart1"/>
-    <dgm:cxn modelId="{BD8E3C64-26CA-4CDD-A530-8070FD9EBD7D}" type="presParOf" srcId="{FB0C16AC-74E8-41AD-B343-8564601772C3}" destId="{7CFA68AF-66CF-45DC-BD1C-E1E7F35C48E2}" srcOrd="1" destOrd="0" presId="urn:microsoft.com/office/officeart/2005/8/layout/orgChart1"/>
-    <dgm:cxn modelId="{7CA3DCA7-7336-4058-9C83-6DF6C6D3855A}" type="presParOf" srcId="{7CFA68AF-66CF-45DC-BD1C-E1E7F35C48E2}" destId="{C4D25617-B590-4964-A0B7-91187CD878D1}" srcOrd="0" destOrd="0" presId="urn:microsoft.com/office/officeart/2005/8/layout/orgChart1"/>
-    <dgm:cxn modelId="{BE7074EC-34B0-411E-8689-5E422F405767}" type="presParOf" srcId="{C4D25617-B590-4964-A0B7-91187CD878D1}" destId="{9359723F-E67B-4803-863B-567E48CF26A5}" srcOrd="0" destOrd="0" presId="urn:microsoft.com/office/officeart/2005/8/layout/orgChart1"/>
-    <dgm:cxn modelId="{6796B6A9-2083-4037-86FF-372FF9C0C6CC}" type="presParOf" srcId="{C4D25617-B590-4964-A0B7-91187CD878D1}" destId="{8346CC11-7EAE-449E-A93B-F412D853181C}" srcOrd="1" destOrd="0" presId="urn:microsoft.com/office/officeart/2005/8/layout/orgChart1"/>
-    <dgm:cxn modelId="{3CA7DFB6-E856-40CD-B18E-6C8B73779A38}" type="presParOf" srcId="{7CFA68AF-66CF-45DC-BD1C-E1E7F35C48E2}" destId="{C286E7BE-9576-47B5-B528-21DF9BBB5417}" srcOrd="1" destOrd="0" presId="urn:microsoft.com/office/officeart/2005/8/layout/orgChart1"/>
-    <dgm:cxn modelId="{D86CEA44-08F4-49CF-949F-761975222E66}" type="presParOf" srcId="{7CFA68AF-66CF-45DC-BD1C-E1E7F35C48E2}" destId="{1A224FC7-071D-4888-89CA-79547014A985}" srcOrd="2" destOrd="0" presId="urn:microsoft.com/office/officeart/2005/8/layout/orgChart1"/>
-    <dgm:cxn modelId="{8AEB3F58-A0FB-4B9F-B953-91102BEDFD7A}" type="presParOf" srcId="{3DC4A54C-9871-48C5-BBD1-BCB72D7965E9}" destId="{658A5FFD-500F-4327-8A08-2ABE175F18CC}" srcOrd="2" destOrd="0" presId="urn:microsoft.com/office/officeart/2005/8/layout/orgChart1"/>
-    <dgm:cxn modelId="{01473C87-C24E-4EB1-AFE1-D46B37952FB4}" type="presParOf" srcId="{3DC475B2-F484-4E6B-857A-8DD35CD5F9B8}" destId="{E6F1DDF9-D236-46A0-B726-399AA88319F3}" srcOrd="2" destOrd="0" presId="urn:microsoft.com/office/officeart/2005/8/layout/orgChart1"/>
     <dgm:cxn modelId="{D225DC94-EC75-446E-9061-E421A06A288E}" type="presParOf" srcId="{E9B6DB36-5262-4381-97F4-9EB636D22537}" destId="{5A93BB26-914A-4F20-A88F-7A740ACEFAD9}" srcOrd="2" destOrd="0" presId="urn:microsoft.com/office/officeart/2005/8/layout/orgChart1"/>
     <dgm:cxn modelId="{99EC4448-D176-46D4-B129-DC54952FE74D}" type="presParOf" srcId="{FBEBFD3A-E930-4701-B23F-5FC4A528B530}" destId="{C58C9AFA-073D-40B3-872A-FAD59E8FE445}" srcOrd="6" destOrd="0" presId="urn:microsoft.com/office/officeart/2005/8/layout/orgChart1"/>
     <dgm:cxn modelId="{058C6E62-C13B-4388-B797-8BA3DF5EA8D6}" type="presParOf" srcId="{FBEBFD3A-E930-4701-B23F-5FC4A528B530}" destId="{6F3D4102-F4B6-40E9-8B6E-CAF518867752}" srcOrd="7" destOrd="0" presId="urn:microsoft.com/office/officeart/2005/8/layout/orgChart1"/>
@@ -3635,13 +3207,6 @@
     <dgm:cxn modelId="{FD58A991-F7D5-4574-8752-34DB256354C4}" type="presParOf" srcId="{42985EA8-E909-4961-84FB-06DE7D5B26F0}" destId="{7BAE9CBF-5F09-4AB6-B85B-627DC98F3A0A}" srcOrd="1" destOrd="0" presId="urn:microsoft.com/office/officeart/2005/8/layout/orgChart1"/>
     <dgm:cxn modelId="{1F99D11F-8120-4988-81F6-014628225E82}" type="presParOf" srcId="{42985EA8-E909-4961-84FB-06DE7D5B26F0}" destId="{47F0EBA7-54A9-412C-9640-E98B577528F8}" srcOrd="2" destOrd="0" presId="urn:microsoft.com/office/officeart/2005/8/layout/orgChart1"/>
     <dgm:cxn modelId="{BFE3B470-0D5F-40BD-BA4E-D6DADFAF61C0}" type="presParOf" srcId="{6F3D4102-F4B6-40E9-8B6E-CAF518867752}" destId="{77FF8222-F9D0-4A9A-AC97-D4C84AC37C29}" srcOrd="2" destOrd="0" presId="urn:microsoft.com/office/officeart/2005/8/layout/orgChart1"/>
-    <dgm:cxn modelId="{5297FD06-563D-48D0-B84D-DCD187C89ED4}" type="presParOf" srcId="{FBEBFD3A-E930-4701-B23F-5FC4A528B530}" destId="{FA31F20D-8F19-4235-B7A5-40468A586692}" srcOrd="8" destOrd="0" presId="urn:microsoft.com/office/officeart/2005/8/layout/orgChart1"/>
-    <dgm:cxn modelId="{6FA45027-2DE9-441C-B760-7866CF339A43}" type="presParOf" srcId="{FBEBFD3A-E930-4701-B23F-5FC4A528B530}" destId="{9E5558F6-88D7-46DA-A592-8F3706BC8081}" srcOrd="9" destOrd="0" presId="urn:microsoft.com/office/officeart/2005/8/layout/orgChart1"/>
-    <dgm:cxn modelId="{5D4CFD29-5CE9-4640-89D5-E5EED6F31BDE}" type="presParOf" srcId="{9E5558F6-88D7-46DA-A592-8F3706BC8081}" destId="{BEDF34F2-DA1B-4BA2-B86B-A56421E98E7E}" srcOrd="0" destOrd="0" presId="urn:microsoft.com/office/officeart/2005/8/layout/orgChart1"/>
-    <dgm:cxn modelId="{1D18AAB9-7246-4AA6-8E65-11BC5BD448A8}" type="presParOf" srcId="{BEDF34F2-DA1B-4BA2-B86B-A56421E98E7E}" destId="{4D6DCFC9-CDB4-4D1B-9D2C-08DCAE76A815}" srcOrd="0" destOrd="0" presId="urn:microsoft.com/office/officeart/2005/8/layout/orgChart1"/>
-    <dgm:cxn modelId="{8EDDB1BB-3660-4640-8EC6-444C4B1315CC}" type="presParOf" srcId="{BEDF34F2-DA1B-4BA2-B86B-A56421E98E7E}" destId="{859A4C3B-F373-44A6-B5C3-D649A35E5BAF}" srcOrd="1" destOrd="0" presId="urn:microsoft.com/office/officeart/2005/8/layout/orgChart1"/>
-    <dgm:cxn modelId="{ADC19C8E-1679-4B72-B13C-B671E53474D7}" type="presParOf" srcId="{9E5558F6-88D7-46DA-A592-8F3706BC8081}" destId="{844085E9-77A0-4D2B-87B8-3F2C0B016001}" srcOrd="1" destOrd="0" presId="urn:microsoft.com/office/officeart/2005/8/layout/orgChart1"/>
-    <dgm:cxn modelId="{5D7A547D-CBB3-4C5D-9F48-CAC54787034F}" type="presParOf" srcId="{9E5558F6-88D7-46DA-A592-8F3706BC8081}" destId="{ACBF4B4F-F650-459F-99C4-7D57D8F9FC88}" srcOrd="2" destOrd="0" presId="urn:microsoft.com/office/officeart/2005/8/layout/orgChart1"/>
     <dgm:cxn modelId="{0369C97C-5A33-4E1A-B39A-2763FD9ADBD6}" type="presParOf" srcId="{FCA07961-4DF8-494A-AA4C-918F7AE7D310}" destId="{E3A6B581-847B-475C-9497-7004C4D5C4DB}" srcOrd="2" destOrd="0" presId="urn:microsoft.com/office/officeart/2005/8/layout/orgChart1"/>
   </dgm:cxnLst>
   <dgm:bg/>
@@ -3662,15 +3227,15 @@
       <dsp:cNvGrpSpPr/>
     </dsp:nvGrpSpPr>
     <dsp:grpSpPr/>
-    <dsp:sp modelId="{FA31F20D-8F19-4235-B7A5-40468A586692}">
+    <dsp:sp modelId="{25D5F2A4-E7FF-41FF-A2D8-55A1CD82CA75}">
       <dsp:nvSpPr>
         <dsp:cNvPr id="0" name=""/>
         <dsp:cNvSpPr/>
       </dsp:nvSpPr>
       <dsp:spPr>
         <a:xfrm>
-          <a:off x="6615986" y="1749989"/>
-          <a:ext cx="5146151" cy="180491"/>
+          <a:off x="10987254" y="2207086"/>
+          <a:ext cx="157106" cy="481793"/>
         </a:xfrm>
         <a:custGeom>
           <a:avLst/>
@@ -3684,13 +3249,72 @@
                 <a:pt x="0" y="0"/>
               </a:moveTo>
               <a:lnTo>
-                <a:pt x="0" y="90245"/>
+                <a:pt x="0" y="481793"/>
               </a:lnTo>
               <a:lnTo>
-                <a:pt x="5146151" y="90245"/>
+                <a:pt x="157106" y="481793"/>
+              </a:lnTo>
+            </a:path>
+          </a:pathLst>
+        </a:custGeom>
+        <a:noFill/>
+        <a:ln w="12700" cap="flat" cmpd="sng" algn="ctr">
+          <a:solidFill>
+            <a:schemeClr val="accent1">
+              <a:shade val="80000"/>
+              <a:hueOff val="0"/>
+              <a:satOff val="0"/>
+              <a:lumOff val="0"/>
+              <a:alphaOff val="0"/>
+            </a:schemeClr>
+          </a:solidFill>
+          <a:prstDash val="solid"/>
+          <a:miter lim="800000"/>
+        </a:ln>
+        <a:effectLst/>
+      </dsp:spPr>
+      <dsp:style>
+        <a:lnRef idx="2">
+          <a:scrgbClr r="0" g="0" b="0"/>
+        </a:lnRef>
+        <a:fillRef idx="0">
+          <a:scrgbClr r="0" g="0" b="0"/>
+        </a:fillRef>
+        <a:effectRef idx="0">
+          <a:scrgbClr r="0" g="0" b="0"/>
+        </a:effectRef>
+        <a:fontRef idx="minor"/>
+      </dsp:style>
+    </dsp:sp>
+    <dsp:sp modelId="{C58C9AFA-073D-40B3-872A-FAD59E8FE445}">
+      <dsp:nvSpPr>
+        <dsp:cNvPr id="0" name=""/>
+        <dsp:cNvSpPr/>
+      </dsp:nvSpPr>
+      <dsp:spPr>
+        <a:xfrm>
+          <a:off x="6598741" y="1463448"/>
+          <a:ext cx="4807464" cy="219949"/>
+        </a:xfrm>
+        <a:custGeom>
+          <a:avLst/>
+          <a:gdLst/>
+          <a:ahLst/>
+          <a:cxnLst/>
+          <a:rect l="0" t="0" r="0" b="0"/>
+          <a:pathLst>
+            <a:path>
+              <a:moveTo>
+                <a:pt x="0" y="0"/>
+              </a:moveTo>
+              <a:lnTo>
+                <a:pt x="0" y="109974"/>
               </a:lnTo>
               <a:lnTo>
-                <a:pt x="5146151" y="180491"/>
+                <a:pt x="4807464" y="109974"/>
+              </a:lnTo>
+              <a:lnTo>
+                <a:pt x="4807464" y="219949"/>
               </a:lnTo>
             </a:path>
           </a:pathLst>
@@ -3724,15 +3348,15 @@
         <a:fontRef idx="minor"/>
       </dsp:style>
     </dsp:sp>
-    <dsp:sp modelId="{25D5F2A4-E7FF-41FF-A2D8-55A1CD82CA75}">
+    <dsp:sp modelId="{ADCB22DC-BCE2-4F6F-89DB-9ECDA855F3B2}">
       <dsp:nvSpPr>
         <dsp:cNvPr id="0" name=""/>
         <dsp:cNvSpPr/>
       </dsp:nvSpPr>
       <dsp:spPr>
         <a:xfrm>
-          <a:off x="10378371" y="2360221"/>
-          <a:ext cx="128922" cy="395361"/>
+          <a:off x="10746358" y="4438001"/>
+          <a:ext cx="157106" cy="481793"/>
         </a:xfrm>
         <a:custGeom>
           <a:avLst/>
@@ -3746,10 +3370,10 @@
                 <a:pt x="0" y="0"/>
               </a:moveTo>
               <a:lnTo>
-                <a:pt x="0" y="395361"/>
+                <a:pt x="0" y="481793"/>
               </a:lnTo>
               <a:lnTo>
-                <a:pt x="128922" y="395361"/>
+                <a:pt x="157106" y="481793"/>
               </a:lnTo>
             </a:path>
           </a:pathLst>
@@ -3783,15 +3407,71 @@
         <a:fontRef idx="minor"/>
       </dsp:style>
     </dsp:sp>
-    <dsp:sp modelId="{C58C9AFA-073D-40B3-872A-FAD59E8FE445}">
+    <dsp:sp modelId="{442AE7C3-2A29-4DE7-ABD9-C15F7C3058BC}">
       <dsp:nvSpPr>
         <dsp:cNvPr id="0" name=""/>
         <dsp:cNvSpPr/>
       </dsp:nvSpPr>
       <dsp:spPr>
         <a:xfrm>
-          <a:off x="6615986" y="1749989"/>
-          <a:ext cx="4106177" cy="180491"/>
+          <a:off x="11119589" y="3694363"/>
+          <a:ext cx="91440" cy="219949"/>
+        </a:xfrm>
+        <a:custGeom>
+          <a:avLst/>
+          <a:gdLst/>
+          <a:ahLst/>
+          <a:cxnLst/>
+          <a:rect l="0" t="0" r="0" b="0"/>
+          <a:pathLst>
+            <a:path>
+              <a:moveTo>
+                <a:pt x="45720" y="0"/>
+              </a:moveTo>
+              <a:lnTo>
+                <a:pt x="45720" y="219949"/>
+              </a:lnTo>
+            </a:path>
+          </a:pathLst>
+        </a:custGeom>
+        <a:noFill/>
+        <a:ln w="12700" cap="flat" cmpd="sng" algn="ctr">
+          <a:solidFill>
+            <a:schemeClr val="accent1">
+              <a:shade val="80000"/>
+              <a:hueOff val="0"/>
+              <a:satOff val="0"/>
+              <a:lumOff val="0"/>
+              <a:alphaOff val="0"/>
+            </a:schemeClr>
+          </a:solidFill>
+          <a:prstDash val="solid"/>
+          <a:miter lim="800000"/>
+        </a:ln>
+        <a:effectLst/>
+      </dsp:spPr>
+      <dsp:style>
+        <a:lnRef idx="2">
+          <a:scrgbClr r="0" g="0" b="0"/>
+        </a:lnRef>
+        <a:fillRef idx="0">
+          <a:scrgbClr r="0" g="0" b="0"/>
+        </a:fillRef>
+        <a:effectRef idx="0">
+          <a:scrgbClr r="0" g="0" b="0"/>
+        </a:effectRef>
+        <a:fontRef idx="minor"/>
+      </dsp:style>
+    </dsp:sp>
+    <dsp:sp modelId="{5FC3CFC7-DA46-4C68-B6F6-ED7879BF88FA}">
+      <dsp:nvSpPr>
+        <dsp:cNvPr id="0" name=""/>
+        <dsp:cNvSpPr/>
+      </dsp:nvSpPr>
+      <dsp:spPr>
+        <a:xfrm>
+          <a:off x="10400723" y="2950725"/>
+          <a:ext cx="764585" cy="219949"/>
         </a:xfrm>
         <a:custGeom>
           <a:avLst/>
@@ -3805,13 +3485,379 @@
                 <a:pt x="0" y="0"/>
               </a:moveTo>
               <a:lnTo>
-                <a:pt x="0" y="90245"/>
+                <a:pt x="0" y="109974"/>
               </a:lnTo>
               <a:lnTo>
-                <a:pt x="4106177" y="90245"/>
+                <a:pt x="764585" y="109974"/>
               </a:lnTo>
               <a:lnTo>
-                <a:pt x="4106177" y="180491"/>
+                <a:pt x="764585" y="219949"/>
+              </a:lnTo>
+            </a:path>
+          </a:pathLst>
+        </a:custGeom>
+        <a:noFill/>
+        <a:ln w="12700" cap="flat" cmpd="sng" algn="ctr">
+          <a:solidFill>
+            <a:schemeClr val="accent1">
+              <a:shade val="80000"/>
+              <a:hueOff val="0"/>
+              <a:satOff val="0"/>
+              <a:lumOff val="0"/>
+              <a:alphaOff val="0"/>
+            </a:schemeClr>
+          </a:solidFill>
+          <a:prstDash val="solid"/>
+          <a:miter lim="800000"/>
+        </a:ln>
+        <a:effectLst/>
+      </dsp:spPr>
+      <dsp:style>
+        <a:lnRef idx="2">
+          <a:scrgbClr r="0" g="0" b="0"/>
+        </a:lnRef>
+        <a:fillRef idx="0">
+          <a:scrgbClr r="0" g="0" b="0"/>
+        </a:fillRef>
+        <a:effectRef idx="0">
+          <a:scrgbClr r="0" g="0" b="0"/>
+        </a:effectRef>
+        <a:fontRef idx="minor"/>
+      </dsp:style>
+    </dsp:sp>
+    <dsp:sp modelId="{D6FC18CD-D8B1-43EC-9542-8DAEFFEE823B}">
+      <dsp:nvSpPr>
+        <dsp:cNvPr id="0" name=""/>
+        <dsp:cNvSpPr/>
+      </dsp:nvSpPr>
+      <dsp:spPr>
+        <a:xfrm>
+          <a:off x="9217186" y="3694363"/>
+          <a:ext cx="157106" cy="1225432"/>
+        </a:xfrm>
+        <a:custGeom>
+          <a:avLst/>
+          <a:gdLst/>
+          <a:ahLst/>
+          <a:cxnLst/>
+          <a:rect l="0" t="0" r="0" b="0"/>
+          <a:pathLst>
+            <a:path>
+              <a:moveTo>
+                <a:pt x="0" y="0"/>
+              </a:moveTo>
+              <a:lnTo>
+                <a:pt x="0" y="1225432"/>
+              </a:lnTo>
+              <a:lnTo>
+                <a:pt x="157106" y="1225432"/>
+              </a:lnTo>
+            </a:path>
+          </a:pathLst>
+        </a:custGeom>
+        <a:noFill/>
+        <a:ln w="12700" cap="flat" cmpd="sng" algn="ctr">
+          <a:solidFill>
+            <a:schemeClr val="accent1">
+              <a:shade val="80000"/>
+              <a:hueOff val="0"/>
+              <a:satOff val="0"/>
+              <a:lumOff val="0"/>
+              <a:alphaOff val="0"/>
+            </a:schemeClr>
+          </a:solidFill>
+          <a:prstDash val="solid"/>
+          <a:miter lim="800000"/>
+        </a:ln>
+        <a:effectLst/>
+      </dsp:spPr>
+      <dsp:style>
+        <a:lnRef idx="2">
+          <a:scrgbClr r="0" g="0" b="0"/>
+        </a:lnRef>
+        <a:fillRef idx="0">
+          <a:scrgbClr r="0" g="0" b="0"/>
+        </a:fillRef>
+        <a:effectRef idx="0">
+          <a:scrgbClr r="0" g="0" b="0"/>
+        </a:effectRef>
+        <a:fontRef idx="minor"/>
+      </dsp:style>
+    </dsp:sp>
+    <dsp:sp modelId="{73378EFE-146D-4196-947E-A6CEC68B4305}">
+      <dsp:nvSpPr>
+        <dsp:cNvPr id="0" name=""/>
+        <dsp:cNvSpPr/>
+      </dsp:nvSpPr>
+      <dsp:spPr>
+        <a:xfrm>
+          <a:off x="9217186" y="3694363"/>
+          <a:ext cx="157106" cy="481793"/>
+        </a:xfrm>
+        <a:custGeom>
+          <a:avLst/>
+          <a:gdLst/>
+          <a:ahLst/>
+          <a:cxnLst/>
+          <a:rect l="0" t="0" r="0" b="0"/>
+          <a:pathLst>
+            <a:path>
+              <a:moveTo>
+                <a:pt x="0" y="0"/>
+              </a:moveTo>
+              <a:lnTo>
+                <a:pt x="0" y="481793"/>
+              </a:lnTo>
+              <a:lnTo>
+                <a:pt x="157106" y="481793"/>
+              </a:lnTo>
+            </a:path>
+          </a:pathLst>
+        </a:custGeom>
+        <a:noFill/>
+        <a:ln w="12700" cap="flat" cmpd="sng" algn="ctr">
+          <a:solidFill>
+            <a:schemeClr val="accent1">
+              <a:shade val="80000"/>
+              <a:hueOff val="0"/>
+              <a:satOff val="0"/>
+              <a:lumOff val="0"/>
+              <a:alphaOff val="0"/>
+            </a:schemeClr>
+          </a:solidFill>
+          <a:prstDash val="solid"/>
+          <a:miter lim="800000"/>
+        </a:ln>
+        <a:effectLst/>
+      </dsp:spPr>
+      <dsp:style>
+        <a:lnRef idx="2">
+          <a:scrgbClr r="0" g="0" b="0"/>
+        </a:lnRef>
+        <a:fillRef idx="0">
+          <a:scrgbClr r="0" g="0" b="0"/>
+        </a:fillRef>
+        <a:effectRef idx="0">
+          <a:scrgbClr r="0" g="0" b="0"/>
+        </a:effectRef>
+        <a:fontRef idx="minor"/>
+      </dsp:style>
+    </dsp:sp>
+    <dsp:sp modelId="{2B9B4D75-1786-4A58-AB58-F266C283DA89}">
+      <dsp:nvSpPr>
+        <dsp:cNvPr id="0" name=""/>
+        <dsp:cNvSpPr/>
+      </dsp:nvSpPr>
+      <dsp:spPr>
+        <a:xfrm>
+          <a:off x="9636137" y="2950725"/>
+          <a:ext cx="764585" cy="219949"/>
+        </a:xfrm>
+        <a:custGeom>
+          <a:avLst/>
+          <a:gdLst/>
+          <a:ahLst/>
+          <a:cxnLst/>
+          <a:rect l="0" t="0" r="0" b="0"/>
+          <a:pathLst>
+            <a:path>
+              <a:moveTo>
+                <a:pt x="764585" y="0"/>
+              </a:moveTo>
+              <a:lnTo>
+                <a:pt x="764585" y="109974"/>
+              </a:lnTo>
+              <a:lnTo>
+                <a:pt x="0" y="109974"/>
+              </a:lnTo>
+              <a:lnTo>
+                <a:pt x="0" y="219949"/>
+              </a:lnTo>
+            </a:path>
+          </a:pathLst>
+        </a:custGeom>
+        <a:noFill/>
+        <a:ln w="12700" cap="flat" cmpd="sng" algn="ctr">
+          <a:solidFill>
+            <a:schemeClr val="accent1">
+              <a:shade val="80000"/>
+              <a:hueOff val="0"/>
+              <a:satOff val="0"/>
+              <a:lumOff val="0"/>
+              <a:alphaOff val="0"/>
+            </a:schemeClr>
+          </a:solidFill>
+          <a:prstDash val="solid"/>
+          <a:miter lim="800000"/>
+        </a:ln>
+        <a:effectLst/>
+      </dsp:spPr>
+      <dsp:style>
+        <a:lnRef idx="2">
+          <a:scrgbClr r="0" g="0" b="0"/>
+        </a:lnRef>
+        <a:fillRef idx="0">
+          <a:scrgbClr r="0" g="0" b="0"/>
+        </a:fillRef>
+        <a:effectRef idx="0">
+          <a:scrgbClr r="0" g="0" b="0"/>
+        </a:effectRef>
+        <a:fontRef idx="minor"/>
+      </dsp:style>
+    </dsp:sp>
+    <dsp:sp modelId="{F5B1E418-46F4-4DA5-B6F2-687161E28117}">
+      <dsp:nvSpPr>
+        <dsp:cNvPr id="0" name=""/>
+        <dsp:cNvSpPr/>
+      </dsp:nvSpPr>
+      <dsp:spPr>
+        <a:xfrm>
+          <a:off x="9767059" y="2207086"/>
+          <a:ext cx="633663" cy="219949"/>
+        </a:xfrm>
+        <a:custGeom>
+          <a:avLst/>
+          <a:gdLst/>
+          <a:ahLst/>
+          <a:cxnLst/>
+          <a:rect l="0" t="0" r="0" b="0"/>
+          <a:pathLst>
+            <a:path>
+              <a:moveTo>
+                <a:pt x="0" y="0"/>
+              </a:moveTo>
+              <a:lnTo>
+                <a:pt x="0" y="109974"/>
+              </a:lnTo>
+              <a:lnTo>
+                <a:pt x="633663" y="109974"/>
+              </a:lnTo>
+              <a:lnTo>
+                <a:pt x="633663" y="219949"/>
+              </a:lnTo>
+            </a:path>
+          </a:pathLst>
+        </a:custGeom>
+        <a:noFill/>
+        <a:ln w="12700" cap="flat" cmpd="sng" algn="ctr">
+          <a:solidFill>
+            <a:schemeClr val="accent1">
+              <a:shade val="80000"/>
+              <a:hueOff val="0"/>
+              <a:satOff val="0"/>
+              <a:lumOff val="0"/>
+              <a:alphaOff val="0"/>
+            </a:schemeClr>
+          </a:solidFill>
+          <a:prstDash val="solid"/>
+          <a:miter lim="800000"/>
+        </a:ln>
+        <a:effectLst/>
+      </dsp:spPr>
+      <dsp:style>
+        <a:lnRef idx="2">
+          <a:scrgbClr r="0" g="0" b="0"/>
+        </a:lnRef>
+        <a:fillRef idx="0">
+          <a:scrgbClr r="0" g="0" b="0"/>
+        </a:fillRef>
+        <a:effectRef idx="0">
+          <a:scrgbClr r="0" g="0" b="0"/>
+        </a:effectRef>
+        <a:fontRef idx="minor"/>
+      </dsp:style>
+    </dsp:sp>
+    <dsp:sp modelId="{19022296-9BC7-4C24-941F-17B7828A0FF7}">
+      <dsp:nvSpPr>
+        <dsp:cNvPr id="0" name=""/>
+        <dsp:cNvSpPr/>
+      </dsp:nvSpPr>
+      <dsp:spPr>
+        <a:xfrm>
+          <a:off x="9133395" y="2207086"/>
+          <a:ext cx="633663" cy="219949"/>
+        </a:xfrm>
+        <a:custGeom>
+          <a:avLst/>
+          <a:gdLst/>
+          <a:ahLst/>
+          <a:cxnLst/>
+          <a:rect l="0" t="0" r="0" b="0"/>
+          <a:pathLst>
+            <a:path>
+              <a:moveTo>
+                <a:pt x="633663" y="0"/>
+              </a:moveTo>
+              <a:lnTo>
+                <a:pt x="633663" y="109974"/>
+              </a:lnTo>
+              <a:lnTo>
+                <a:pt x="0" y="109974"/>
+              </a:lnTo>
+              <a:lnTo>
+                <a:pt x="0" y="219949"/>
+              </a:lnTo>
+            </a:path>
+          </a:pathLst>
+        </a:custGeom>
+        <a:noFill/>
+        <a:ln w="12700" cap="flat" cmpd="sng" algn="ctr">
+          <a:solidFill>
+            <a:schemeClr val="accent1">
+              <a:shade val="80000"/>
+              <a:hueOff val="0"/>
+              <a:satOff val="0"/>
+              <a:lumOff val="0"/>
+              <a:alphaOff val="0"/>
+            </a:schemeClr>
+          </a:solidFill>
+          <a:prstDash val="solid"/>
+          <a:miter lim="800000"/>
+        </a:ln>
+        <a:effectLst/>
+      </dsp:spPr>
+      <dsp:style>
+        <a:lnRef idx="2">
+          <a:scrgbClr r="0" g="0" b="0"/>
+        </a:lnRef>
+        <a:fillRef idx="0">
+          <a:scrgbClr r="0" g="0" b="0"/>
+        </a:fillRef>
+        <a:effectRef idx="0">
+          <a:scrgbClr r="0" g="0" b="0"/>
+        </a:effectRef>
+        <a:fontRef idx="minor"/>
+      </dsp:style>
+    </dsp:sp>
+    <dsp:sp modelId="{365EC482-16B1-4AAD-B4CC-D63D201EE27E}">
+      <dsp:nvSpPr>
+        <dsp:cNvPr id="0" name=""/>
+        <dsp:cNvSpPr/>
+      </dsp:nvSpPr>
+      <dsp:spPr>
+        <a:xfrm>
+          <a:off x="6598741" y="1463448"/>
+          <a:ext cx="3168318" cy="219949"/>
+        </a:xfrm>
+        <a:custGeom>
+          <a:avLst/>
+          <a:gdLst/>
+          <a:ahLst/>
+          <a:cxnLst/>
+          <a:rect l="0" t="0" r="0" b="0"/>
+          <a:pathLst>
+            <a:path>
+              <a:moveTo>
+                <a:pt x="0" y="0"/>
+              </a:moveTo>
+              <a:lnTo>
+                <a:pt x="0" y="109974"/>
+              </a:lnTo>
+              <a:lnTo>
+                <a:pt x="3168318" y="109974"/>
+              </a:lnTo>
+              <a:lnTo>
+                <a:pt x="3168318" y="219949"/>
               </a:lnTo>
             </a:path>
           </a:pathLst>
@@ -3845,15 +3891,15 @@
         <a:fontRef idx="minor"/>
       </dsp:style>
     </dsp:sp>
-    <dsp:sp modelId="{50FF036A-B665-40B0-A123-AF6882C561F7}">
+    <dsp:sp modelId="{C1455B8D-8BE6-4A31-8E35-1FC22CC759A5}">
       <dsp:nvSpPr>
         <dsp:cNvPr id="0" name=""/>
         <dsp:cNvSpPr/>
       </dsp:nvSpPr>
       <dsp:spPr>
         <a:xfrm>
-          <a:off x="10073254" y="3597352"/>
-          <a:ext cx="128922" cy="378696"/>
+          <a:off x="6598741" y="2207086"/>
+          <a:ext cx="1267327" cy="219949"/>
         </a:xfrm>
         <a:custGeom>
           <a:avLst/>
@@ -3867,10 +3913,13 @@
                 <a:pt x="0" y="0"/>
               </a:moveTo>
               <a:lnTo>
-                <a:pt x="0" y="378696"/>
+                <a:pt x="0" y="109974"/>
               </a:lnTo>
               <a:lnTo>
-                <a:pt x="128922" y="378696"/>
+                <a:pt x="1267327" y="109974"/>
+              </a:lnTo>
+              <a:lnTo>
+                <a:pt x="1267327" y="219949"/>
               </a:lnTo>
             </a:path>
           </a:pathLst>
@@ -3904,15 +3953,15 @@
         <a:fontRef idx="minor"/>
       </dsp:style>
     </dsp:sp>
-    <dsp:sp modelId="{DD819ABA-B98F-4FBD-89BA-AA885FDBFEE7}">
+    <dsp:sp modelId="{A4AB2195-8759-472B-B385-F123404B10D5}">
       <dsp:nvSpPr>
         <dsp:cNvPr id="0" name=""/>
         <dsp:cNvSpPr/>
       </dsp:nvSpPr>
       <dsp:spPr>
         <a:xfrm>
-          <a:off x="9897061" y="2970454"/>
-          <a:ext cx="519986" cy="197156"/>
+          <a:off x="6179790" y="2950725"/>
+          <a:ext cx="397741" cy="468293"/>
         </a:xfrm>
         <a:custGeom>
           <a:avLst/>
@@ -3926,13 +3975,10 @@
                 <a:pt x="0" y="0"/>
               </a:moveTo>
               <a:lnTo>
-                <a:pt x="0" y="106911"/>
+                <a:pt x="0" y="468293"/>
               </a:lnTo>
               <a:lnTo>
-                <a:pt x="519986" y="106911"/>
-              </a:lnTo>
-              <a:lnTo>
-                <a:pt x="519986" y="197156"/>
+                <a:pt x="397741" y="468293"/>
               </a:lnTo>
             </a:path>
           </a:pathLst>
@@ -3966,15 +4012,15 @@
         <a:fontRef idx="minor"/>
       </dsp:style>
     </dsp:sp>
-    <dsp:sp modelId="{748BE8D2-2DFD-4478-9C46-54F07749F38C}">
+    <dsp:sp modelId="{0626F3B8-74E5-4881-9EF6-18466B2CF4DE}">
       <dsp:nvSpPr>
         <dsp:cNvPr id="0" name=""/>
         <dsp:cNvSpPr/>
       </dsp:nvSpPr>
       <dsp:spPr>
         <a:xfrm>
-          <a:off x="9377074" y="2970454"/>
-          <a:ext cx="519986" cy="197448"/>
+          <a:off x="6553021" y="2207086"/>
+          <a:ext cx="91440" cy="219949"/>
         </a:xfrm>
         <a:custGeom>
           <a:avLst/>
@@ -3985,16 +4031,10 @@
           <a:pathLst>
             <a:path>
               <a:moveTo>
-                <a:pt x="519986" y="0"/>
+                <a:pt x="45720" y="0"/>
               </a:moveTo>
               <a:lnTo>
-                <a:pt x="519986" y="107203"/>
-              </a:lnTo>
-              <a:lnTo>
-                <a:pt x="0" y="107203"/>
-              </a:lnTo>
-              <a:lnTo>
-                <a:pt x="0" y="197448"/>
+                <a:pt x="45720" y="219949"/>
               </a:lnTo>
             </a:path>
           </a:pathLst>
@@ -4028,15 +4068,15 @@
         <a:fontRef idx="minor"/>
       </dsp:style>
     </dsp:sp>
-    <dsp:sp modelId="{A83E7F0A-9D50-4002-B043-608EB14336CD}">
+    <dsp:sp modelId="{5D155140-9D19-4626-8DAF-457CB3ED574A}">
       <dsp:nvSpPr>
         <dsp:cNvPr id="0" name=""/>
         <dsp:cNvSpPr/>
       </dsp:nvSpPr>
       <dsp:spPr>
         <a:xfrm>
-          <a:off x="8283382" y="2360221"/>
-          <a:ext cx="1613678" cy="180491"/>
+          <a:off x="5331414" y="2207086"/>
+          <a:ext cx="1267327" cy="219949"/>
         </a:xfrm>
         <a:custGeom>
           <a:avLst/>
@@ -4047,16 +4087,16 @@
           <a:pathLst>
             <a:path>
               <a:moveTo>
-                <a:pt x="0" y="0"/>
+                <a:pt x="1267327" y="0"/>
               </a:moveTo>
               <a:lnTo>
-                <a:pt x="0" y="90245"/>
+                <a:pt x="1267327" y="109974"/>
               </a:lnTo>
               <a:lnTo>
-                <a:pt x="1613678" y="90245"/>
+                <a:pt x="0" y="109974"/>
               </a:lnTo>
               <a:lnTo>
-                <a:pt x="1613678" y="180491"/>
+                <a:pt x="0" y="219949"/>
               </a:lnTo>
             </a:path>
           </a:pathLst>
@@ -4090,15 +4130,71 @@
         <a:fontRef idx="minor"/>
       </dsp:style>
     </dsp:sp>
-    <dsp:sp modelId="{ADCB22DC-BCE2-4F6F-89DB-9ECDA855F3B2}">
+    <dsp:sp modelId="{9A591FC9-4BD0-48A7-966C-EE8C418E4330}">
       <dsp:nvSpPr>
         <dsp:cNvPr id="0" name=""/>
         <dsp:cNvSpPr/>
       </dsp:nvSpPr>
       <dsp:spPr>
         <a:xfrm>
-          <a:off x="7993307" y="4190919"/>
-          <a:ext cx="128922" cy="395361"/>
+          <a:off x="6553021" y="1463448"/>
+          <a:ext cx="91440" cy="219949"/>
+        </a:xfrm>
+        <a:custGeom>
+          <a:avLst/>
+          <a:gdLst/>
+          <a:ahLst/>
+          <a:cxnLst/>
+          <a:rect l="0" t="0" r="0" b="0"/>
+          <a:pathLst>
+            <a:path>
+              <a:moveTo>
+                <a:pt x="45720" y="0"/>
+              </a:moveTo>
+              <a:lnTo>
+                <a:pt x="45720" y="219949"/>
+              </a:lnTo>
+            </a:path>
+          </a:pathLst>
+        </a:custGeom>
+        <a:noFill/>
+        <a:ln w="12700" cap="flat" cmpd="sng" algn="ctr">
+          <a:solidFill>
+            <a:schemeClr val="accent1">
+              <a:shade val="60000"/>
+              <a:hueOff val="0"/>
+              <a:satOff val="0"/>
+              <a:lumOff val="0"/>
+              <a:alphaOff val="0"/>
+            </a:schemeClr>
+          </a:solidFill>
+          <a:prstDash val="solid"/>
+          <a:miter lim="800000"/>
+        </a:ln>
+        <a:effectLst/>
+      </dsp:spPr>
+      <dsp:style>
+        <a:lnRef idx="2">
+          <a:scrgbClr r="0" g="0" b="0"/>
+        </a:lnRef>
+        <a:fillRef idx="0">
+          <a:scrgbClr r="0" g="0" b="0"/>
+        </a:fillRef>
+        <a:effectRef idx="0">
+          <a:scrgbClr r="0" g="0" b="0"/>
+        </a:effectRef>
+        <a:fontRef idx="minor"/>
+      </dsp:style>
+    </dsp:sp>
+    <dsp:sp modelId="{4AEFEB53-782B-4CB3-A908-8A33646E3543}">
+      <dsp:nvSpPr>
+        <dsp:cNvPr id="0" name=""/>
+        <dsp:cNvSpPr/>
+      </dsp:nvSpPr>
+      <dsp:spPr>
+        <a:xfrm>
+          <a:off x="3058604" y="2950725"/>
+          <a:ext cx="2534654" cy="219949"/>
         </a:xfrm>
         <a:custGeom>
           <a:avLst/>
@@ -4112,10 +4208,13 @@
                 <a:pt x="0" y="0"/>
               </a:moveTo>
               <a:lnTo>
-                <a:pt x="0" y="395361"/>
+                <a:pt x="0" y="109974"/>
               </a:lnTo>
               <a:lnTo>
-                <a:pt x="128922" y="395361"/>
+                <a:pt x="2534654" y="109974"/>
+              </a:lnTo>
+              <a:lnTo>
+                <a:pt x="2534654" y="219949"/>
               </a:lnTo>
             </a:path>
           </a:pathLst>
@@ -4149,15 +4248,15 @@
         <a:fontRef idx="minor"/>
       </dsp:style>
     </dsp:sp>
-    <dsp:sp modelId="{442AE7C3-2A29-4DE7-ABD9-C15F7C3058BC}">
+    <dsp:sp modelId="{FC9CBC13-B04F-4F9E-91F4-647746458686}">
       <dsp:nvSpPr>
         <dsp:cNvPr id="0" name=""/>
         <dsp:cNvSpPr/>
       </dsp:nvSpPr>
       <dsp:spPr>
         <a:xfrm>
-          <a:off x="8291380" y="3580686"/>
-          <a:ext cx="91440" cy="180491"/>
+          <a:off x="3058604" y="2950725"/>
+          <a:ext cx="1267327" cy="219949"/>
         </a:xfrm>
         <a:custGeom>
           <a:avLst/>
@@ -4168,10 +4267,16 @@
           <a:pathLst>
             <a:path>
               <a:moveTo>
-                <a:pt x="45720" y="0"/>
+                <a:pt x="0" y="0"/>
               </a:moveTo>
               <a:lnTo>
-                <a:pt x="45720" y="180491"/>
+                <a:pt x="0" y="109974"/>
+              </a:lnTo>
+              <a:lnTo>
+                <a:pt x="1267327" y="109974"/>
+              </a:lnTo>
+              <a:lnTo>
+                <a:pt x="1267327" y="219949"/>
               </a:lnTo>
             </a:path>
           </a:pathLst>
@@ -4205,15 +4310,15 @@
         <a:fontRef idx="minor"/>
       </dsp:style>
     </dsp:sp>
-    <dsp:sp modelId="{5FC3CFC7-DA46-4C68-B6F6-ED7879BF88FA}">
+    <dsp:sp modelId="{A7F3B1F1-6EA9-4941-9ED5-412CCD543C34}">
       <dsp:nvSpPr>
         <dsp:cNvPr id="0" name=""/>
         <dsp:cNvSpPr/>
       </dsp:nvSpPr>
       <dsp:spPr>
         <a:xfrm>
-          <a:off x="7709678" y="2970454"/>
-          <a:ext cx="627422" cy="180491"/>
+          <a:off x="3012884" y="2950725"/>
+          <a:ext cx="91440" cy="219949"/>
         </a:xfrm>
         <a:custGeom>
           <a:avLst/>
@@ -4224,16 +4329,10 @@
           <a:pathLst>
             <a:path>
               <a:moveTo>
-                <a:pt x="0" y="0"/>
+                <a:pt x="45720" y="0"/>
               </a:moveTo>
               <a:lnTo>
-                <a:pt x="0" y="90245"/>
-              </a:lnTo>
-              <a:lnTo>
-                <a:pt x="627422" y="90245"/>
-              </a:lnTo>
-              <a:lnTo>
-                <a:pt x="627422" y="180491"/>
+                <a:pt x="45720" y="219949"/>
               </a:lnTo>
             </a:path>
           </a:pathLst>
@@ -4267,15 +4366,15 @@
         <a:fontRef idx="minor"/>
       </dsp:style>
     </dsp:sp>
-    <dsp:sp modelId="{D6FC18CD-D8B1-43EC-9542-8DAEFFEE823B}">
+    <dsp:sp modelId="{9A978C52-6DE3-4C2F-B247-18A5692C4209}">
       <dsp:nvSpPr>
         <dsp:cNvPr id="0" name=""/>
         <dsp:cNvSpPr/>
       </dsp:nvSpPr>
       <dsp:spPr>
         <a:xfrm>
-          <a:off x="6738463" y="3580686"/>
-          <a:ext cx="128922" cy="1005594"/>
+          <a:off x="1372325" y="3694363"/>
+          <a:ext cx="157106" cy="481793"/>
         </a:xfrm>
         <a:custGeom>
           <a:avLst/>
@@ -4289,10 +4388,10 @@
                 <a:pt x="0" y="0"/>
               </a:moveTo>
               <a:lnTo>
-                <a:pt x="0" y="1005594"/>
+                <a:pt x="0" y="481793"/>
               </a:lnTo>
               <a:lnTo>
-                <a:pt x="128922" y="1005594"/>
+                <a:pt x="157106" y="481793"/>
               </a:lnTo>
             </a:path>
           </a:pathLst>
@@ -4326,15 +4425,15 @@
         <a:fontRef idx="minor"/>
       </dsp:style>
     </dsp:sp>
-    <dsp:sp modelId="{73378EFE-146D-4196-947E-A6CEC68B4305}">
+    <dsp:sp modelId="{E2E9D679-AA87-4CA5-9D92-385832FA8A38}">
       <dsp:nvSpPr>
         <dsp:cNvPr id="0" name=""/>
         <dsp:cNvSpPr/>
       </dsp:nvSpPr>
       <dsp:spPr>
         <a:xfrm>
-          <a:off x="6738463" y="3580686"/>
-          <a:ext cx="128922" cy="395361"/>
+          <a:off x="1791276" y="2950725"/>
+          <a:ext cx="1267327" cy="219949"/>
         </a:xfrm>
         <a:custGeom>
           <a:avLst/>
@@ -4345,13 +4444,16 @@
           <a:pathLst>
             <a:path>
               <a:moveTo>
-                <a:pt x="0" y="0"/>
+                <a:pt x="1267327" y="0"/>
               </a:moveTo>
               <a:lnTo>
-                <a:pt x="0" y="395361"/>
+                <a:pt x="1267327" y="109974"/>
               </a:lnTo>
               <a:lnTo>
-                <a:pt x="128922" y="395361"/>
+                <a:pt x="0" y="109974"/>
+              </a:lnTo>
+              <a:lnTo>
+                <a:pt x="0" y="219949"/>
               </a:lnTo>
             </a:path>
           </a:pathLst>
@@ -4385,15 +4487,15 @@
         <a:fontRef idx="minor"/>
       </dsp:style>
     </dsp:sp>
-    <dsp:sp modelId="{2B9B4D75-1786-4A58-AB58-F266C283DA89}">
+    <dsp:sp modelId="{4C4761C0-FABA-4BE0-AF17-6FF016FD95B1}">
       <dsp:nvSpPr>
         <dsp:cNvPr id="0" name=""/>
         <dsp:cNvSpPr/>
       </dsp:nvSpPr>
       <dsp:spPr>
         <a:xfrm>
-          <a:off x="7082256" y="2970454"/>
-          <a:ext cx="627422" cy="180491"/>
+          <a:off x="523949" y="2950725"/>
+          <a:ext cx="2534654" cy="219949"/>
         </a:xfrm>
         <a:custGeom>
           <a:avLst/>
@@ -4404,16 +4506,16 @@
           <a:pathLst>
             <a:path>
               <a:moveTo>
-                <a:pt x="627422" y="0"/>
+                <a:pt x="2534654" y="0"/>
               </a:moveTo>
               <a:lnTo>
-                <a:pt x="627422" y="90245"/>
+                <a:pt x="2534654" y="109974"/>
               </a:lnTo>
               <a:lnTo>
-                <a:pt x="0" y="90245"/>
+                <a:pt x="0" y="109974"/>
               </a:lnTo>
               <a:lnTo>
-                <a:pt x="0" y="180491"/>
+                <a:pt x="0" y="219949"/>
               </a:lnTo>
             </a:path>
           </a:pathLst>
@@ -4447,15 +4549,15 @@
         <a:fontRef idx="minor"/>
       </dsp:style>
     </dsp:sp>
-    <dsp:sp modelId="{F5B1E418-46F4-4DA5-B6F2-687161E28117}">
+    <dsp:sp modelId="{1D90E051-1588-4B9D-9BFB-0E255F9F2190}">
       <dsp:nvSpPr>
         <dsp:cNvPr id="0" name=""/>
         <dsp:cNvSpPr/>
       </dsp:nvSpPr>
       <dsp:spPr>
         <a:xfrm>
-          <a:off x="7709678" y="2360221"/>
-          <a:ext cx="573704" cy="180491"/>
+          <a:off x="1791276" y="2207086"/>
+          <a:ext cx="1267327" cy="219949"/>
         </a:xfrm>
         <a:custGeom>
           <a:avLst/>
@@ -4466,16 +4568,16 @@
           <a:pathLst>
             <a:path>
               <a:moveTo>
-                <a:pt x="573704" y="0"/>
+                <a:pt x="0" y="0"/>
               </a:moveTo>
               <a:lnTo>
-                <a:pt x="573704" y="90245"/>
+                <a:pt x="0" y="109974"/>
               </a:lnTo>
               <a:lnTo>
-                <a:pt x="0" y="90245"/>
+                <a:pt x="1267327" y="109974"/>
               </a:lnTo>
               <a:lnTo>
-                <a:pt x="0" y="180491"/>
+                <a:pt x="1267327" y="219949"/>
               </a:lnTo>
             </a:path>
           </a:pathLst>
@@ -4509,15 +4611,15 @@
         <a:fontRef idx="minor"/>
       </dsp:style>
     </dsp:sp>
-    <dsp:sp modelId="{19022296-9BC7-4C24-941F-17B7828A0FF7}">
+    <dsp:sp modelId="{F40B1F54-A271-44E0-B12F-1DF35ACB48F9}">
       <dsp:nvSpPr>
         <dsp:cNvPr id="0" name=""/>
         <dsp:cNvSpPr/>
       </dsp:nvSpPr>
       <dsp:spPr>
         <a:xfrm>
-          <a:off x="6669704" y="2360221"/>
-          <a:ext cx="1613678" cy="180491"/>
+          <a:off x="1745556" y="2207086"/>
+          <a:ext cx="91440" cy="219949"/>
         </a:xfrm>
         <a:custGeom>
           <a:avLst/>
@@ -4528,16 +4630,10 @@
           <a:pathLst>
             <a:path>
               <a:moveTo>
-                <a:pt x="1613678" y="0"/>
+                <a:pt x="45720" y="0"/>
               </a:moveTo>
               <a:lnTo>
-                <a:pt x="1613678" y="90245"/>
-              </a:lnTo>
-              <a:lnTo>
-                <a:pt x="0" y="90245"/>
-              </a:lnTo>
-              <a:lnTo>
-                <a:pt x="0" y="180491"/>
+                <a:pt x="45720" y="219949"/>
               </a:lnTo>
             </a:path>
           </a:pathLst>
@@ -4571,15 +4667,15 @@
         <a:fontRef idx="minor"/>
       </dsp:style>
     </dsp:sp>
-    <dsp:sp modelId="{365EC482-16B1-4AAD-B4CC-D63D201EE27E}">
+    <dsp:sp modelId="{09227B3C-2EA3-4619-BACA-BD7CDA512E48}">
       <dsp:nvSpPr>
         <dsp:cNvPr id="0" name=""/>
         <dsp:cNvSpPr/>
       </dsp:nvSpPr>
       <dsp:spPr>
         <a:xfrm>
-          <a:off x="6615986" y="1749989"/>
-          <a:ext cx="1667395" cy="180491"/>
+          <a:off x="523949" y="2207086"/>
+          <a:ext cx="1267327" cy="219949"/>
         </a:xfrm>
         <a:custGeom>
           <a:avLst/>
@@ -4590,16 +4686,78 @@
           <a:pathLst>
             <a:path>
               <a:moveTo>
-                <a:pt x="0" y="0"/>
+                <a:pt x="1267327" y="0"/>
               </a:moveTo>
               <a:lnTo>
-                <a:pt x="0" y="90245"/>
+                <a:pt x="1267327" y="109974"/>
               </a:lnTo>
               <a:lnTo>
-                <a:pt x="1667395" y="90245"/>
+                <a:pt x="0" y="109974"/>
               </a:lnTo>
               <a:lnTo>
-                <a:pt x="1667395" y="180491"/>
+                <a:pt x="0" y="219949"/>
+              </a:lnTo>
+            </a:path>
+          </a:pathLst>
+        </a:custGeom>
+        <a:noFill/>
+        <a:ln w="12700" cap="flat" cmpd="sng" algn="ctr">
+          <a:solidFill>
+            <a:schemeClr val="accent1">
+              <a:shade val="80000"/>
+              <a:hueOff val="0"/>
+              <a:satOff val="0"/>
+              <a:lumOff val="0"/>
+              <a:alphaOff val="0"/>
+            </a:schemeClr>
+          </a:solidFill>
+          <a:prstDash val="solid"/>
+          <a:miter lim="800000"/>
+        </a:ln>
+        <a:effectLst/>
+      </dsp:spPr>
+      <dsp:style>
+        <a:lnRef idx="2">
+          <a:scrgbClr r="0" g="0" b="0"/>
+        </a:lnRef>
+        <a:fillRef idx="0">
+          <a:scrgbClr r="0" g="0" b="0"/>
+        </a:fillRef>
+        <a:effectRef idx="0">
+          <a:scrgbClr r="0" g="0" b="0"/>
+        </a:effectRef>
+        <a:fontRef idx="minor"/>
+      </dsp:style>
+    </dsp:sp>
+    <dsp:sp modelId="{7169E580-6599-4D0C-BE35-E81DF9E1B774}">
+      <dsp:nvSpPr>
+        <dsp:cNvPr id="0" name=""/>
+        <dsp:cNvSpPr/>
+      </dsp:nvSpPr>
+      <dsp:spPr>
+        <a:xfrm>
+          <a:off x="1791276" y="1463448"/>
+          <a:ext cx="4807464" cy="219949"/>
+        </a:xfrm>
+        <a:custGeom>
+          <a:avLst/>
+          <a:gdLst/>
+          <a:ahLst/>
+          <a:cxnLst/>
+          <a:rect l="0" t="0" r="0" b="0"/>
+          <a:pathLst>
+            <a:path>
+              <a:moveTo>
+                <a:pt x="4807464" y="0"/>
+              </a:moveTo>
+              <a:lnTo>
+                <a:pt x="4807464" y="109974"/>
+              </a:lnTo>
+              <a:lnTo>
+                <a:pt x="0" y="109974"/>
+              </a:lnTo>
+              <a:lnTo>
+                <a:pt x="0" y="219949"/>
               </a:lnTo>
             </a:path>
           </a:pathLst>
@@ -4633,912 +4791,6 @@
         <a:fontRef idx="minor"/>
       </dsp:style>
     </dsp:sp>
-    <dsp:sp modelId="{C1455B8D-8BE6-4A31-8E35-1FC22CC759A5}">
-      <dsp:nvSpPr>
-        <dsp:cNvPr id="0" name=""/>
-        <dsp:cNvSpPr/>
-      </dsp:nvSpPr>
-      <dsp:spPr>
-        <a:xfrm>
-          <a:off x="5285937" y="2970454"/>
-          <a:ext cx="128922" cy="395361"/>
-        </a:xfrm>
-        <a:custGeom>
-          <a:avLst/>
-          <a:gdLst/>
-          <a:ahLst/>
-          <a:cxnLst/>
-          <a:rect l="0" t="0" r="0" b="0"/>
-          <a:pathLst>
-            <a:path>
-              <a:moveTo>
-                <a:pt x="0" y="0"/>
-              </a:moveTo>
-              <a:lnTo>
-                <a:pt x="0" y="395361"/>
-              </a:lnTo>
-              <a:lnTo>
-                <a:pt x="128922" y="395361"/>
-              </a:lnTo>
-            </a:path>
-          </a:pathLst>
-        </a:custGeom>
-        <a:noFill/>
-        <a:ln w="12700" cap="flat" cmpd="sng" algn="ctr">
-          <a:solidFill>
-            <a:schemeClr val="accent1">
-              <a:shade val="80000"/>
-              <a:hueOff val="0"/>
-              <a:satOff val="0"/>
-              <a:lumOff val="0"/>
-              <a:alphaOff val="0"/>
-            </a:schemeClr>
-          </a:solidFill>
-          <a:prstDash val="solid"/>
-          <a:miter lim="800000"/>
-        </a:ln>
-        <a:effectLst/>
-      </dsp:spPr>
-      <dsp:style>
-        <a:lnRef idx="2">
-          <a:scrgbClr r="0" g="0" b="0"/>
-        </a:lnRef>
-        <a:fillRef idx="0">
-          <a:scrgbClr r="0" g="0" b="0"/>
-        </a:fillRef>
-        <a:effectRef idx="0">
-          <a:scrgbClr r="0" g="0" b="0"/>
-        </a:effectRef>
-        <a:fontRef idx="minor"/>
-      </dsp:style>
-    </dsp:sp>
-    <dsp:sp modelId="{0626F3B8-74E5-4881-9EF6-18466B2CF4DE}">
-      <dsp:nvSpPr>
-        <dsp:cNvPr id="0" name=""/>
-        <dsp:cNvSpPr/>
-      </dsp:nvSpPr>
-      <dsp:spPr>
-        <a:xfrm>
-          <a:off x="4589757" y="2360221"/>
-          <a:ext cx="1039973" cy="180491"/>
-        </a:xfrm>
-        <a:custGeom>
-          <a:avLst/>
-          <a:gdLst/>
-          <a:ahLst/>
-          <a:cxnLst/>
-          <a:rect l="0" t="0" r="0" b="0"/>
-          <a:pathLst>
-            <a:path>
-              <a:moveTo>
-                <a:pt x="0" y="0"/>
-              </a:moveTo>
-              <a:lnTo>
-                <a:pt x="0" y="90245"/>
-              </a:lnTo>
-              <a:lnTo>
-                <a:pt x="1039973" y="90245"/>
-              </a:lnTo>
-              <a:lnTo>
-                <a:pt x="1039973" y="180491"/>
-              </a:lnTo>
-            </a:path>
-          </a:pathLst>
-        </a:custGeom>
-        <a:noFill/>
-        <a:ln w="12700" cap="flat" cmpd="sng" algn="ctr">
-          <a:solidFill>
-            <a:schemeClr val="accent1">
-              <a:shade val="80000"/>
-              <a:hueOff val="0"/>
-              <a:satOff val="0"/>
-              <a:lumOff val="0"/>
-              <a:alphaOff val="0"/>
-            </a:schemeClr>
-          </a:solidFill>
-          <a:prstDash val="solid"/>
-          <a:miter lim="800000"/>
-        </a:ln>
-        <a:effectLst/>
-      </dsp:spPr>
-      <dsp:style>
-        <a:lnRef idx="2">
-          <a:scrgbClr r="0" g="0" b="0"/>
-        </a:lnRef>
-        <a:fillRef idx="0">
-          <a:scrgbClr r="0" g="0" b="0"/>
-        </a:fillRef>
-        <a:effectRef idx="0">
-          <a:scrgbClr r="0" g="0" b="0"/>
-        </a:effectRef>
-        <a:fontRef idx="minor"/>
-      </dsp:style>
-    </dsp:sp>
-    <dsp:sp modelId="{5D155140-9D19-4626-8DAF-457CB3ED574A}">
-      <dsp:nvSpPr>
-        <dsp:cNvPr id="0" name=""/>
-        <dsp:cNvSpPr/>
-      </dsp:nvSpPr>
-      <dsp:spPr>
-        <a:xfrm>
-          <a:off x="4544037" y="2360221"/>
-          <a:ext cx="91440" cy="180491"/>
-        </a:xfrm>
-        <a:custGeom>
-          <a:avLst/>
-          <a:gdLst/>
-          <a:ahLst/>
-          <a:cxnLst/>
-          <a:rect l="0" t="0" r="0" b="0"/>
-          <a:pathLst>
-            <a:path>
-              <a:moveTo>
-                <a:pt x="45720" y="0"/>
-              </a:moveTo>
-              <a:lnTo>
-                <a:pt x="45720" y="180491"/>
-              </a:lnTo>
-            </a:path>
-          </a:pathLst>
-        </a:custGeom>
-        <a:noFill/>
-        <a:ln w="12700" cap="flat" cmpd="sng" algn="ctr">
-          <a:solidFill>
-            <a:schemeClr val="accent1">
-              <a:shade val="80000"/>
-              <a:hueOff val="0"/>
-              <a:satOff val="0"/>
-              <a:lumOff val="0"/>
-              <a:alphaOff val="0"/>
-            </a:schemeClr>
-          </a:solidFill>
-          <a:prstDash val="solid"/>
-          <a:miter lim="800000"/>
-        </a:ln>
-        <a:effectLst/>
-      </dsp:spPr>
-      <dsp:style>
-        <a:lnRef idx="2">
-          <a:scrgbClr r="0" g="0" b="0"/>
-        </a:lnRef>
-        <a:fillRef idx="0">
-          <a:scrgbClr r="0" g="0" b="0"/>
-        </a:fillRef>
-        <a:effectRef idx="0">
-          <a:scrgbClr r="0" g="0" b="0"/>
-        </a:effectRef>
-        <a:fontRef idx="minor"/>
-      </dsp:style>
-    </dsp:sp>
-    <dsp:sp modelId="{27DDDCD5-6FB2-472B-9AF7-14B4A74DBBF8}">
-      <dsp:nvSpPr>
-        <dsp:cNvPr id="0" name=""/>
-        <dsp:cNvSpPr/>
-      </dsp:nvSpPr>
-      <dsp:spPr>
-        <a:xfrm>
-          <a:off x="3549783" y="2360221"/>
-          <a:ext cx="1039973" cy="180491"/>
-        </a:xfrm>
-        <a:custGeom>
-          <a:avLst/>
-          <a:gdLst/>
-          <a:ahLst/>
-          <a:cxnLst/>
-          <a:rect l="0" t="0" r="0" b="0"/>
-          <a:pathLst>
-            <a:path>
-              <a:moveTo>
-                <a:pt x="1039973" y="0"/>
-              </a:moveTo>
-              <a:lnTo>
-                <a:pt x="1039973" y="90245"/>
-              </a:lnTo>
-              <a:lnTo>
-                <a:pt x="0" y="90245"/>
-              </a:lnTo>
-              <a:lnTo>
-                <a:pt x="0" y="180491"/>
-              </a:lnTo>
-            </a:path>
-          </a:pathLst>
-        </a:custGeom>
-        <a:noFill/>
-        <a:ln w="12700" cap="flat" cmpd="sng" algn="ctr">
-          <a:solidFill>
-            <a:schemeClr val="accent1">
-              <a:shade val="80000"/>
-              <a:hueOff val="0"/>
-              <a:satOff val="0"/>
-              <a:lumOff val="0"/>
-              <a:alphaOff val="0"/>
-            </a:schemeClr>
-          </a:solidFill>
-          <a:prstDash val="solid"/>
-          <a:miter lim="800000"/>
-        </a:ln>
-        <a:effectLst/>
-      </dsp:spPr>
-      <dsp:style>
-        <a:lnRef idx="2">
-          <a:scrgbClr r="0" g="0" b="0"/>
-        </a:lnRef>
-        <a:fillRef idx="0">
-          <a:scrgbClr r="0" g="0" b="0"/>
-        </a:fillRef>
-        <a:effectRef idx="0">
-          <a:scrgbClr r="0" g="0" b="0"/>
-        </a:effectRef>
-        <a:fontRef idx="minor"/>
-      </dsp:style>
-    </dsp:sp>
-    <dsp:sp modelId="{9A591FC9-4BD0-48A7-966C-EE8C418E4330}">
-      <dsp:nvSpPr>
-        <dsp:cNvPr id="0" name=""/>
-        <dsp:cNvSpPr/>
-      </dsp:nvSpPr>
-      <dsp:spPr>
-        <a:xfrm>
-          <a:off x="4589757" y="1749989"/>
-          <a:ext cx="2026229" cy="180491"/>
-        </a:xfrm>
-        <a:custGeom>
-          <a:avLst/>
-          <a:gdLst/>
-          <a:ahLst/>
-          <a:cxnLst/>
-          <a:rect l="0" t="0" r="0" b="0"/>
-          <a:pathLst>
-            <a:path>
-              <a:moveTo>
-                <a:pt x="2026229" y="0"/>
-              </a:moveTo>
-              <a:lnTo>
-                <a:pt x="2026229" y="90245"/>
-              </a:lnTo>
-              <a:lnTo>
-                <a:pt x="0" y="90245"/>
-              </a:lnTo>
-              <a:lnTo>
-                <a:pt x="0" y="180491"/>
-              </a:lnTo>
-            </a:path>
-          </a:pathLst>
-        </a:custGeom>
-        <a:noFill/>
-        <a:ln w="12700" cap="flat" cmpd="sng" algn="ctr">
-          <a:solidFill>
-            <a:schemeClr val="accent1">
-              <a:shade val="60000"/>
-              <a:hueOff val="0"/>
-              <a:satOff val="0"/>
-              <a:lumOff val="0"/>
-              <a:alphaOff val="0"/>
-            </a:schemeClr>
-          </a:solidFill>
-          <a:prstDash val="solid"/>
-          <a:miter lim="800000"/>
-        </a:ln>
-        <a:effectLst/>
-      </dsp:spPr>
-      <dsp:style>
-        <a:lnRef idx="2">
-          <a:scrgbClr r="0" g="0" b="0"/>
-        </a:lnRef>
-        <a:fillRef idx="0">
-          <a:scrgbClr r="0" g="0" b="0"/>
-        </a:fillRef>
-        <a:effectRef idx="0">
-          <a:scrgbClr r="0" g="0" b="0"/>
-        </a:effectRef>
-        <a:fontRef idx="minor"/>
-      </dsp:style>
-    </dsp:sp>
-    <dsp:sp modelId="{4AEFEB53-782B-4CB3-A908-8A33646E3543}">
-      <dsp:nvSpPr>
-        <dsp:cNvPr id="0" name=""/>
-        <dsp:cNvSpPr/>
-      </dsp:nvSpPr>
-      <dsp:spPr>
-        <a:xfrm>
-          <a:off x="2509809" y="2970454"/>
-          <a:ext cx="2079947" cy="180491"/>
-        </a:xfrm>
-        <a:custGeom>
-          <a:avLst/>
-          <a:gdLst/>
-          <a:ahLst/>
-          <a:cxnLst/>
-          <a:rect l="0" t="0" r="0" b="0"/>
-          <a:pathLst>
-            <a:path>
-              <a:moveTo>
-                <a:pt x="0" y="0"/>
-              </a:moveTo>
-              <a:lnTo>
-                <a:pt x="0" y="90245"/>
-              </a:lnTo>
-              <a:lnTo>
-                <a:pt x="2079947" y="90245"/>
-              </a:lnTo>
-              <a:lnTo>
-                <a:pt x="2079947" y="180491"/>
-              </a:lnTo>
-            </a:path>
-          </a:pathLst>
-        </a:custGeom>
-        <a:noFill/>
-        <a:ln w="12700" cap="flat" cmpd="sng" algn="ctr">
-          <a:solidFill>
-            <a:schemeClr val="accent1">
-              <a:shade val="80000"/>
-              <a:hueOff val="0"/>
-              <a:satOff val="0"/>
-              <a:lumOff val="0"/>
-              <a:alphaOff val="0"/>
-            </a:schemeClr>
-          </a:solidFill>
-          <a:prstDash val="solid"/>
-          <a:miter lim="800000"/>
-        </a:ln>
-        <a:effectLst/>
-      </dsp:spPr>
-      <dsp:style>
-        <a:lnRef idx="2">
-          <a:scrgbClr r="0" g="0" b="0"/>
-        </a:lnRef>
-        <a:fillRef idx="0">
-          <a:scrgbClr r="0" g="0" b="0"/>
-        </a:fillRef>
-        <a:effectRef idx="0">
-          <a:scrgbClr r="0" g="0" b="0"/>
-        </a:effectRef>
-        <a:fontRef idx="minor"/>
-      </dsp:style>
-    </dsp:sp>
-    <dsp:sp modelId="{FC9CBC13-B04F-4F9E-91F4-647746458686}">
-      <dsp:nvSpPr>
-        <dsp:cNvPr id="0" name=""/>
-        <dsp:cNvSpPr/>
-      </dsp:nvSpPr>
-      <dsp:spPr>
-        <a:xfrm>
-          <a:off x="2509809" y="2970454"/>
-          <a:ext cx="1039973" cy="180491"/>
-        </a:xfrm>
-        <a:custGeom>
-          <a:avLst/>
-          <a:gdLst/>
-          <a:ahLst/>
-          <a:cxnLst/>
-          <a:rect l="0" t="0" r="0" b="0"/>
-          <a:pathLst>
-            <a:path>
-              <a:moveTo>
-                <a:pt x="0" y="0"/>
-              </a:moveTo>
-              <a:lnTo>
-                <a:pt x="0" y="90245"/>
-              </a:lnTo>
-              <a:lnTo>
-                <a:pt x="1039973" y="90245"/>
-              </a:lnTo>
-              <a:lnTo>
-                <a:pt x="1039973" y="180491"/>
-              </a:lnTo>
-            </a:path>
-          </a:pathLst>
-        </a:custGeom>
-        <a:noFill/>
-        <a:ln w="12700" cap="flat" cmpd="sng" algn="ctr">
-          <a:solidFill>
-            <a:schemeClr val="accent1">
-              <a:shade val="80000"/>
-              <a:hueOff val="0"/>
-              <a:satOff val="0"/>
-              <a:lumOff val="0"/>
-              <a:alphaOff val="0"/>
-            </a:schemeClr>
-          </a:solidFill>
-          <a:prstDash val="solid"/>
-          <a:miter lim="800000"/>
-        </a:ln>
-        <a:effectLst/>
-      </dsp:spPr>
-      <dsp:style>
-        <a:lnRef idx="2">
-          <a:scrgbClr r="0" g="0" b="0"/>
-        </a:lnRef>
-        <a:fillRef idx="0">
-          <a:scrgbClr r="0" g="0" b="0"/>
-        </a:fillRef>
-        <a:effectRef idx="0">
-          <a:scrgbClr r="0" g="0" b="0"/>
-        </a:effectRef>
-        <a:fontRef idx="minor"/>
-      </dsp:style>
-    </dsp:sp>
-    <dsp:sp modelId="{A7F3B1F1-6EA9-4941-9ED5-412CCD543C34}">
-      <dsp:nvSpPr>
-        <dsp:cNvPr id="0" name=""/>
-        <dsp:cNvSpPr/>
-      </dsp:nvSpPr>
-      <dsp:spPr>
-        <a:xfrm>
-          <a:off x="2464089" y="2970454"/>
-          <a:ext cx="91440" cy="180491"/>
-        </a:xfrm>
-        <a:custGeom>
-          <a:avLst/>
-          <a:gdLst/>
-          <a:ahLst/>
-          <a:cxnLst/>
-          <a:rect l="0" t="0" r="0" b="0"/>
-          <a:pathLst>
-            <a:path>
-              <a:moveTo>
-                <a:pt x="45720" y="0"/>
-              </a:moveTo>
-              <a:lnTo>
-                <a:pt x="45720" y="180491"/>
-              </a:lnTo>
-            </a:path>
-          </a:pathLst>
-        </a:custGeom>
-        <a:noFill/>
-        <a:ln w="12700" cap="flat" cmpd="sng" algn="ctr">
-          <a:solidFill>
-            <a:schemeClr val="accent1">
-              <a:shade val="80000"/>
-              <a:hueOff val="0"/>
-              <a:satOff val="0"/>
-              <a:lumOff val="0"/>
-              <a:alphaOff val="0"/>
-            </a:schemeClr>
-          </a:solidFill>
-          <a:prstDash val="solid"/>
-          <a:miter lim="800000"/>
-        </a:ln>
-        <a:effectLst/>
-      </dsp:spPr>
-      <dsp:style>
-        <a:lnRef idx="2">
-          <a:scrgbClr r="0" g="0" b="0"/>
-        </a:lnRef>
-        <a:fillRef idx="0">
-          <a:scrgbClr r="0" g="0" b="0"/>
-        </a:fillRef>
-        <a:effectRef idx="0">
-          <a:scrgbClr r="0" g="0" b="0"/>
-        </a:effectRef>
-        <a:fontRef idx="minor"/>
-      </dsp:style>
-    </dsp:sp>
-    <dsp:sp modelId="{9A978C52-6DE3-4C2F-B247-18A5692C4209}">
-      <dsp:nvSpPr>
-        <dsp:cNvPr id="0" name=""/>
-        <dsp:cNvSpPr/>
-      </dsp:nvSpPr>
-      <dsp:spPr>
-        <a:xfrm>
-          <a:off x="1126042" y="3580686"/>
-          <a:ext cx="128922" cy="395361"/>
-        </a:xfrm>
-        <a:custGeom>
-          <a:avLst/>
-          <a:gdLst/>
-          <a:ahLst/>
-          <a:cxnLst/>
-          <a:rect l="0" t="0" r="0" b="0"/>
-          <a:pathLst>
-            <a:path>
-              <a:moveTo>
-                <a:pt x="0" y="0"/>
-              </a:moveTo>
-              <a:lnTo>
-                <a:pt x="0" y="395361"/>
-              </a:lnTo>
-              <a:lnTo>
-                <a:pt x="128922" y="395361"/>
-              </a:lnTo>
-            </a:path>
-          </a:pathLst>
-        </a:custGeom>
-        <a:noFill/>
-        <a:ln w="12700" cap="flat" cmpd="sng" algn="ctr">
-          <a:solidFill>
-            <a:schemeClr val="accent1">
-              <a:shade val="80000"/>
-              <a:hueOff val="0"/>
-              <a:satOff val="0"/>
-              <a:lumOff val="0"/>
-              <a:alphaOff val="0"/>
-            </a:schemeClr>
-          </a:solidFill>
-          <a:prstDash val="solid"/>
-          <a:miter lim="800000"/>
-        </a:ln>
-        <a:effectLst/>
-      </dsp:spPr>
-      <dsp:style>
-        <a:lnRef idx="2">
-          <a:scrgbClr r="0" g="0" b="0"/>
-        </a:lnRef>
-        <a:fillRef idx="0">
-          <a:scrgbClr r="0" g="0" b="0"/>
-        </a:fillRef>
-        <a:effectRef idx="0">
-          <a:scrgbClr r="0" g="0" b="0"/>
-        </a:effectRef>
-        <a:fontRef idx="minor"/>
-      </dsp:style>
-    </dsp:sp>
-    <dsp:sp modelId="{E2E9D679-AA87-4CA5-9D92-385832FA8A38}">
-      <dsp:nvSpPr>
-        <dsp:cNvPr id="0" name=""/>
-        <dsp:cNvSpPr/>
-      </dsp:nvSpPr>
-      <dsp:spPr>
-        <a:xfrm>
-          <a:off x="1469835" y="2970454"/>
-          <a:ext cx="1039973" cy="180491"/>
-        </a:xfrm>
-        <a:custGeom>
-          <a:avLst/>
-          <a:gdLst/>
-          <a:ahLst/>
-          <a:cxnLst/>
-          <a:rect l="0" t="0" r="0" b="0"/>
-          <a:pathLst>
-            <a:path>
-              <a:moveTo>
-                <a:pt x="1039973" y="0"/>
-              </a:moveTo>
-              <a:lnTo>
-                <a:pt x="1039973" y="90245"/>
-              </a:lnTo>
-              <a:lnTo>
-                <a:pt x="0" y="90245"/>
-              </a:lnTo>
-              <a:lnTo>
-                <a:pt x="0" y="180491"/>
-              </a:lnTo>
-            </a:path>
-          </a:pathLst>
-        </a:custGeom>
-        <a:noFill/>
-        <a:ln w="12700" cap="flat" cmpd="sng" algn="ctr">
-          <a:solidFill>
-            <a:schemeClr val="accent1">
-              <a:shade val="80000"/>
-              <a:hueOff val="0"/>
-              <a:satOff val="0"/>
-              <a:lumOff val="0"/>
-              <a:alphaOff val="0"/>
-            </a:schemeClr>
-          </a:solidFill>
-          <a:prstDash val="solid"/>
-          <a:miter lim="800000"/>
-        </a:ln>
-        <a:effectLst/>
-      </dsp:spPr>
-      <dsp:style>
-        <a:lnRef idx="2">
-          <a:scrgbClr r="0" g="0" b="0"/>
-        </a:lnRef>
-        <a:fillRef idx="0">
-          <a:scrgbClr r="0" g="0" b="0"/>
-        </a:fillRef>
-        <a:effectRef idx="0">
-          <a:scrgbClr r="0" g="0" b="0"/>
-        </a:effectRef>
-        <a:fontRef idx="minor"/>
-      </dsp:style>
-    </dsp:sp>
-    <dsp:sp modelId="{4C4761C0-FABA-4BE0-AF17-6FF016FD95B1}">
-      <dsp:nvSpPr>
-        <dsp:cNvPr id="0" name=""/>
-        <dsp:cNvSpPr/>
-      </dsp:nvSpPr>
-      <dsp:spPr>
-        <a:xfrm>
-          <a:off x="429862" y="2970454"/>
-          <a:ext cx="2079947" cy="180491"/>
-        </a:xfrm>
-        <a:custGeom>
-          <a:avLst/>
-          <a:gdLst/>
-          <a:ahLst/>
-          <a:cxnLst/>
-          <a:rect l="0" t="0" r="0" b="0"/>
-          <a:pathLst>
-            <a:path>
-              <a:moveTo>
-                <a:pt x="2079947" y="0"/>
-              </a:moveTo>
-              <a:lnTo>
-                <a:pt x="2079947" y="90245"/>
-              </a:lnTo>
-              <a:lnTo>
-                <a:pt x="0" y="90245"/>
-              </a:lnTo>
-              <a:lnTo>
-                <a:pt x="0" y="180491"/>
-              </a:lnTo>
-            </a:path>
-          </a:pathLst>
-        </a:custGeom>
-        <a:noFill/>
-        <a:ln w="12700" cap="flat" cmpd="sng" algn="ctr">
-          <a:solidFill>
-            <a:schemeClr val="accent1">
-              <a:shade val="80000"/>
-              <a:hueOff val="0"/>
-              <a:satOff val="0"/>
-              <a:lumOff val="0"/>
-              <a:alphaOff val="0"/>
-            </a:schemeClr>
-          </a:solidFill>
-          <a:prstDash val="solid"/>
-          <a:miter lim="800000"/>
-        </a:ln>
-        <a:effectLst/>
-      </dsp:spPr>
-      <dsp:style>
-        <a:lnRef idx="2">
-          <a:scrgbClr r="0" g="0" b="0"/>
-        </a:lnRef>
-        <a:fillRef idx="0">
-          <a:scrgbClr r="0" g="0" b="0"/>
-        </a:fillRef>
-        <a:effectRef idx="0">
-          <a:scrgbClr r="0" g="0" b="0"/>
-        </a:effectRef>
-        <a:fontRef idx="minor"/>
-      </dsp:style>
-    </dsp:sp>
-    <dsp:sp modelId="{1D90E051-1588-4B9D-9BFB-0E255F9F2190}">
-      <dsp:nvSpPr>
-        <dsp:cNvPr id="0" name=""/>
-        <dsp:cNvSpPr/>
-      </dsp:nvSpPr>
-      <dsp:spPr>
-        <a:xfrm>
-          <a:off x="1469835" y="2360221"/>
-          <a:ext cx="1039973" cy="180491"/>
-        </a:xfrm>
-        <a:custGeom>
-          <a:avLst/>
-          <a:gdLst/>
-          <a:ahLst/>
-          <a:cxnLst/>
-          <a:rect l="0" t="0" r="0" b="0"/>
-          <a:pathLst>
-            <a:path>
-              <a:moveTo>
-                <a:pt x="0" y="0"/>
-              </a:moveTo>
-              <a:lnTo>
-                <a:pt x="0" y="90245"/>
-              </a:lnTo>
-              <a:lnTo>
-                <a:pt x="1039973" y="90245"/>
-              </a:lnTo>
-              <a:lnTo>
-                <a:pt x="1039973" y="180491"/>
-              </a:lnTo>
-            </a:path>
-          </a:pathLst>
-        </a:custGeom>
-        <a:noFill/>
-        <a:ln w="12700" cap="flat" cmpd="sng" algn="ctr">
-          <a:solidFill>
-            <a:schemeClr val="accent1">
-              <a:shade val="80000"/>
-              <a:hueOff val="0"/>
-              <a:satOff val="0"/>
-              <a:lumOff val="0"/>
-              <a:alphaOff val="0"/>
-            </a:schemeClr>
-          </a:solidFill>
-          <a:prstDash val="solid"/>
-          <a:miter lim="800000"/>
-        </a:ln>
-        <a:effectLst/>
-      </dsp:spPr>
-      <dsp:style>
-        <a:lnRef idx="2">
-          <a:scrgbClr r="0" g="0" b="0"/>
-        </a:lnRef>
-        <a:fillRef idx="0">
-          <a:scrgbClr r="0" g="0" b="0"/>
-        </a:fillRef>
-        <a:effectRef idx="0">
-          <a:scrgbClr r="0" g="0" b="0"/>
-        </a:effectRef>
-        <a:fontRef idx="minor"/>
-      </dsp:style>
-    </dsp:sp>
-    <dsp:sp modelId="{F40B1F54-A271-44E0-B12F-1DF35ACB48F9}">
-      <dsp:nvSpPr>
-        <dsp:cNvPr id="0" name=""/>
-        <dsp:cNvSpPr/>
-      </dsp:nvSpPr>
-      <dsp:spPr>
-        <a:xfrm>
-          <a:off x="1424115" y="2360221"/>
-          <a:ext cx="91440" cy="180491"/>
-        </a:xfrm>
-        <a:custGeom>
-          <a:avLst/>
-          <a:gdLst/>
-          <a:ahLst/>
-          <a:cxnLst/>
-          <a:rect l="0" t="0" r="0" b="0"/>
-          <a:pathLst>
-            <a:path>
-              <a:moveTo>
-                <a:pt x="45720" y="0"/>
-              </a:moveTo>
-              <a:lnTo>
-                <a:pt x="45720" y="180491"/>
-              </a:lnTo>
-            </a:path>
-          </a:pathLst>
-        </a:custGeom>
-        <a:noFill/>
-        <a:ln w="12700" cap="flat" cmpd="sng" algn="ctr">
-          <a:solidFill>
-            <a:schemeClr val="accent1">
-              <a:shade val="80000"/>
-              <a:hueOff val="0"/>
-              <a:satOff val="0"/>
-              <a:lumOff val="0"/>
-              <a:alphaOff val="0"/>
-            </a:schemeClr>
-          </a:solidFill>
-          <a:prstDash val="solid"/>
-          <a:miter lim="800000"/>
-        </a:ln>
-        <a:effectLst/>
-      </dsp:spPr>
-      <dsp:style>
-        <a:lnRef idx="2">
-          <a:scrgbClr r="0" g="0" b="0"/>
-        </a:lnRef>
-        <a:fillRef idx="0">
-          <a:scrgbClr r="0" g="0" b="0"/>
-        </a:fillRef>
-        <a:effectRef idx="0">
-          <a:scrgbClr r="0" g="0" b="0"/>
-        </a:effectRef>
-        <a:fontRef idx="minor"/>
-      </dsp:style>
-    </dsp:sp>
-    <dsp:sp modelId="{09227B3C-2EA3-4619-BACA-BD7CDA512E48}">
-      <dsp:nvSpPr>
-        <dsp:cNvPr id="0" name=""/>
-        <dsp:cNvSpPr/>
-      </dsp:nvSpPr>
-      <dsp:spPr>
-        <a:xfrm>
-          <a:off x="429862" y="2360221"/>
-          <a:ext cx="1039973" cy="180491"/>
-        </a:xfrm>
-        <a:custGeom>
-          <a:avLst/>
-          <a:gdLst/>
-          <a:ahLst/>
-          <a:cxnLst/>
-          <a:rect l="0" t="0" r="0" b="0"/>
-          <a:pathLst>
-            <a:path>
-              <a:moveTo>
-                <a:pt x="1039973" y="0"/>
-              </a:moveTo>
-              <a:lnTo>
-                <a:pt x="1039973" y="90245"/>
-              </a:lnTo>
-              <a:lnTo>
-                <a:pt x="0" y="90245"/>
-              </a:lnTo>
-              <a:lnTo>
-                <a:pt x="0" y="180491"/>
-              </a:lnTo>
-            </a:path>
-          </a:pathLst>
-        </a:custGeom>
-        <a:noFill/>
-        <a:ln w="12700" cap="flat" cmpd="sng" algn="ctr">
-          <a:solidFill>
-            <a:schemeClr val="accent1">
-              <a:shade val="80000"/>
-              <a:hueOff val="0"/>
-              <a:satOff val="0"/>
-              <a:lumOff val="0"/>
-              <a:alphaOff val="0"/>
-            </a:schemeClr>
-          </a:solidFill>
-          <a:prstDash val="solid"/>
-          <a:miter lim="800000"/>
-        </a:ln>
-        <a:effectLst/>
-      </dsp:spPr>
-      <dsp:style>
-        <a:lnRef idx="2">
-          <a:scrgbClr r="0" g="0" b="0"/>
-        </a:lnRef>
-        <a:fillRef idx="0">
-          <a:scrgbClr r="0" g="0" b="0"/>
-        </a:fillRef>
-        <a:effectRef idx="0">
-          <a:scrgbClr r="0" g="0" b="0"/>
-        </a:effectRef>
-        <a:fontRef idx="minor"/>
-      </dsp:style>
-    </dsp:sp>
-    <dsp:sp modelId="{7169E580-6599-4D0C-BE35-E81DF9E1B774}">
-      <dsp:nvSpPr>
-        <dsp:cNvPr id="0" name=""/>
-        <dsp:cNvSpPr/>
-      </dsp:nvSpPr>
-      <dsp:spPr>
-        <a:xfrm>
-          <a:off x="1469835" y="1749989"/>
-          <a:ext cx="5146151" cy="180491"/>
-        </a:xfrm>
-        <a:custGeom>
-          <a:avLst/>
-          <a:gdLst/>
-          <a:ahLst/>
-          <a:cxnLst/>
-          <a:rect l="0" t="0" r="0" b="0"/>
-          <a:pathLst>
-            <a:path>
-              <a:moveTo>
-                <a:pt x="5146151" y="0"/>
-              </a:moveTo>
-              <a:lnTo>
-                <a:pt x="5146151" y="90245"/>
-              </a:lnTo>
-              <a:lnTo>
-                <a:pt x="0" y="90245"/>
-              </a:lnTo>
-              <a:lnTo>
-                <a:pt x="0" y="180491"/>
-              </a:lnTo>
-            </a:path>
-          </a:pathLst>
-        </a:custGeom>
-        <a:noFill/>
-        <a:ln w="12700" cap="flat" cmpd="sng" algn="ctr">
-          <a:solidFill>
-            <a:schemeClr val="accent1">
-              <a:shade val="60000"/>
-              <a:hueOff val="0"/>
-              <a:satOff val="0"/>
-              <a:lumOff val="0"/>
-              <a:alphaOff val="0"/>
-            </a:schemeClr>
-          </a:solidFill>
-          <a:prstDash val="solid"/>
-          <a:miter lim="800000"/>
-        </a:ln>
-        <a:effectLst/>
-      </dsp:spPr>
-      <dsp:style>
-        <a:lnRef idx="2">
-          <a:scrgbClr r="0" g="0" b="0"/>
-        </a:lnRef>
-        <a:fillRef idx="0">
-          <a:scrgbClr r="0" g="0" b="0"/>
-        </a:fillRef>
-        <a:effectRef idx="0">
-          <a:scrgbClr r="0" g="0" b="0"/>
-        </a:effectRef>
-        <a:fontRef idx="minor"/>
-      </dsp:style>
-    </dsp:sp>
     <dsp:sp modelId="{FD050043-48AB-4E36-B6BE-F60708161507}">
       <dsp:nvSpPr>
         <dsp:cNvPr id="0" name=""/>
@@ -5546,8 +4798,8 @@
       </dsp:nvSpPr>
       <dsp:spPr>
         <a:xfrm>
-          <a:off x="6186245" y="1320248"/>
-          <a:ext cx="859482" cy="429741"/>
+          <a:off x="6075052" y="939759"/>
+          <a:ext cx="1047377" cy="523688"/>
         </a:xfrm>
         <a:prstGeom prst="rect">
           <a:avLst/>
@@ -5589,12 +4841,12 @@
         </a:fontRef>
       </dsp:style>
       <dsp:txBody>
-        <a:bodyPr spcFirstLastPara="0" vert="horz" wrap="square" lIns="6350" tIns="6350" rIns="6350" bIns="6350" numCol="1" spcCol="1270" anchor="ctr" anchorCtr="0">
+        <a:bodyPr spcFirstLastPara="0" vert="horz" wrap="square" lIns="7620" tIns="7620" rIns="7620" bIns="7620" numCol="1" spcCol="1270" anchor="ctr" anchorCtr="0">
           <a:noAutofit/>
         </a:bodyPr>
         <a:lstStyle/>
         <a:p>
-          <a:pPr marL="0" lvl="0" indent="0" algn="ctr" defTabSz="444500" latinLnBrk="1">
+          <a:pPr marL="0" lvl="0" indent="0" algn="ctr" defTabSz="533400" latinLnBrk="1">
             <a:lnSpc>
               <a:spcPct val="90000"/>
             </a:lnSpc>
@@ -5607,14 +4859,14 @@
             <a:buNone/>
           </a:pPr>
           <a:r>
-            <a:rPr lang="ko-KR" altLang="en-US" sz="1000" kern="1200" dirty="0"/>
+            <a:rPr lang="ko-KR" altLang="en-US" sz="1200" kern="1200" dirty="0"/>
             <a:t>메인</a:t>
           </a:r>
         </a:p>
       </dsp:txBody>
       <dsp:txXfrm>
-        <a:off x="6186245" y="1320248"/>
-        <a:ext cx="859482" cy="429741"/>
+        <a:off x="6075052" y="939759"/>
+        <a:ext cx="1047377" cy="523688"/>
       </dsp:txXfrm>
     </dsp:sp>
     <dsp:sp modelId="{85254DA0-ADE4-4494-B8AA-7C92B0224EA0}">
@@ -5624,8 +4876,8 @@
       </dsp:nvSpPr>
       <dsp:spPr>
         <a:xfrm>
-          <a:off x="1040094" y="1930480"/>
-          <a:ext cx="859482" cy="429741"/>
+          <a:off x="1267587" y="1683398"/>
+          <a:ext cx="1047377" cy="523688"/>
         </a:xfrm>
         <a:prstGeom prst="rect">
           <a:avLst/>
@@ -5667,12 +4919,12 @@
         </a:fontRef>
       </dsp:style>
       <dsp:txBody>
-        <a:bodyPr spcFirstLastPara="0" vert="horz" wrap="square" lIns="6350" tIns="6350" rIns="6350" bIns="6350" numCol="1" spcCol="1270" anchor="ctr" anchorCtr="0">
+        <a:bodyPr spcFirstLastPara="0" vert="horz" wrap="square" lIns="7620" tIns="7620" rIns="7620" bIns="7620" numCol="1" spcCol="1270" anchor="ctr" anchorCtr="0">
           <a:noAutofit/>
         </a:bodyPr>
         <a:lstStyle/>
         <a:p>
-          <a:pPr marL="0" lvl="0" indent="0" algn="ctr" defTabSz="444500" latinLnBrk="1">
+          <a:pPr marL="0" lvl="0" indent="0" algn="ctr" defTabSz="533400" latinLnBrk="1">
             <a:lnSpc>
               <a:spcPct val="90000"/>
             </a:lnSpc>
@@ -5685,14 +4937,14 @@
             <a:buNone/>
           </a:pPr>
           <a:r>
-            <a:rPr lang="ko-KR" altLang="en-US" sz="1000" kern="1200" dirty="0"/>
+            <a:rPr lang="ko-KR" altLang="en-US" sz="1200" kern="1200" dirty="0"/>
             <a:t>계정관리</a:t>
           </a:r>
         </a:p>
       </dsp:txBody>
       <dsp:txXfrm>
-        <a:off x="1040094" y="1930480"/>
-        <a:ext cx="859482" cy="429741"/>
+        <a:off x="1267587" y="1683398"/>
+        <a:ext cx="1047377" cy="523688"/>
       </dsp:txXfrm>
     </dsp:sp>
     <dsp:sp modelId="{B33DBD8C-9C59-4BCE-804E-590DDFB4FEA8}">
@@ -5702,8 +4954,8 @@
       </dsp:nvSpPr>
       <dsp:spPr>
         <a:xfrm>
-          <a:off x="120" y="2540713"/>
-          <a:ext cx="859482" cy="429741"/>
+          <a:off x="260" y="2427036"/>
+          <a:ext cx="1047377" cy="523688"/>
         </a:xfrm>
         <a:prstGeom prst="rect">
           <a:avLst/>
@@ -5745,12 +4997,12 @@
         </a:fontRef>
       </dsp:style>
       <dsp:txBody>
-        <a:bodyPr spcFirstLastPara="0" vert="horz" wrap="square" lIns="6350" tIns="6350" rIns="6350" bIns="6350" numCol="1" spcCol="1270" anchor="ctr" anchorCtr="0">
+        <a:bodyPr spcFirstLastPara="0" vert="horz" wrap="square" lIns="7620" tIns="7620" rIns="7620" bIns="7620" numCol="1" spcCol="1270" anchor="ctr" anchorCtr="0">
           <a:noAutofit/>
         </a:bodyPr>
         <a:lstStyle/>
         <a:p>
-          <a:pPr marL="0" lvl="0" indent="0" algn="ctr" defTabSz="444500" latinLnBrk="1">
+          <a:pPr marL="0" lvl="0" indent="0" algn="ctr" defTabSz="533400" latinLnBrk="1">
             <a:lnSpc>
               <a:spcPct val="90000"/>
             </a:lnSpc>
@@ -5763,14 +5015,14 @@
             <a:buNone/>
           </a:pPr>
           <a:r>
-            <a:rPr lang="ko-KR" altLang="en-US" sz="1000" kern="1200" dirty="0"/>
+            <a:rPr lang="ko-KR" altLang="en-US" sz="1200" kern="1200" dirty="0"/>
             <a:t>회원가입</a:t>
           </a:r>
         </a:p>
       </dsp:txBody>
       <dsp:txXfrm>
-        <a:off x="120" y="2540713"/>
-        <a:ext cx="859482" cy="429741"/>
+        <a:off x="260" y="2427036"/>
+        <a:ext cx="1047377" cy="523688"/>
       </dsp:txXfrm>
     </dsp:sp>
     <dsp:sp modelId="{4A0083D7-0002-4DD7-8D91-93B44E719413}">
@@ -5780,8 +5032,8 @@
       </dsp:nvSpPr>
       <dsp:spPr>
         <a:xfrm>
-          <a:off x="1040094" y="2540713"/>
-          <a:ext cx="859482" cy="429741"/>
+          <a:off x="1267587" y="2427036"/>
+          <a:ext cx="1047377" cy="523688"/>
         </a:xfrm>
         <a:prstGeom prst="rect">
           <a:avLst/>
@@ -5823,12 +5075,12 @@
         </a:fontRef>
       </dsp:style>
       <dsp:txBody>
-        <a:bodyPr spcFirstLastPara="0" vert="horz" wrap="square" lIns="6350" tIns="6350" rIns="6350" bIns="6350" numCol="1" spcCol="1270" anchor="ctr" anchorCtr="0">
+        <a:bodyPr spcFirstLastPara="0" vert="horz" wrap="square" lIns="7620" tIns="7620" rIns="7620" bIns="7620" numCol="1" spcCol="1270" anchor="ctr" anchorCtr="0">
           <a:noAutofit/>
         </a:bodyPr>
         <a:lstStyle/>
         <a:p>
-          <a:pPr marL="0" lvl="0" indent="0" algn="ctr" defTabSz="444500" latinLnBrk="1">
+          <a:pPr marL="0" lvl="0" indent="0" algn="ctr" defTabSz="533400" latinLnBrk="1">
             <a:lnSpc>
               <a:spcPct val="90000"/>
             </a:lnSpc>
@@ -5841,14 +5093,14 @@
             <a:buNone/>
           </a:pPr>
           <a:r>
-            <a:rPr lang="ko-KR" altLang="en-US" sz="1000" kern="1200" dirty="0"/>
+            <a:rPr lang="ko-KR" altLang="en-US" sz="1200" kern="1200" dirty="0"/>
             <a:t>로그인</a:t>
           </a:r>
         </a:p>
       </dsp:txBody>
       <dsp:txXfrm>
-        <a:off x="1040094" y="2540713"/>
-        <a:ext cx="859482" cy="429741"/>
+        <a:off x="1267587" y="2427036"/>
+        <a:ext cx="1047377" cy="523688"/>
       </dsp:txXfrm>
     </dsp:sp>
     <dsp:sp modelId="{B0346768-B1ED-4812-9FA1-384593212921}">
@@ -5858,8 +5110,8 @@
       </dsp:nvSpPr>
       <dsp:spPr>
         <a:xfrm>
-          <a:off x="2080068" y="2540713"/>
-          <a:ext cx="859482" cy="429741"/>
+          <a:off x="2534915" y="2427036"/>
+          <a:ext cx="1047377" cy="523688"/>
         </a:xfrm>
         <a:prstGeom prst="rect">
           <a:avLst/>
@@ -5901,12 +5153,12 @@
         </a:fontRef>
       </dsp:style>
       <dsp:txBody>
-        <a:bodyPr spcFirstLastPara="0" vert="horz" wrap="square" lIns="6350" tIns="6350" rIns="6350" bIns="6350" numCol="1" spcCol="1270" anchor="ctr" anchorCtr="0">
+        <a:bodyPr spcFirstLastPara="0" vert="horz" wrap="square" lIns="7620" tIns="7620" rIns="7620" bIns="7620" numCol="1" spcCol="1270" anchor="ctr" anchorCtr="0">
           <a:noAutofit/>
         </a:bodyPr>
         <a:lstStyle/>
         <a:p>
-          <a:pPr marL="0" lvl="0" indent="0" algn="ctr" defTabSz="444500" latinLnBrk="1">
+          <a:pPr marL="0" lvl="0" indent="0" algn="ctr" defTabSz="533400" latinLnBrk="1">
             <a:lnSpc>
               <a:spcPct val="90000"/>
             </a:lnSpc>
@@ -5919,14 +5171,14 @@
             <a:buNone/>
           </a:pPr>
           <a:r>
-            <a:rPr lang="ko-KR" altLang="en-US" sz="1000" kern="1200" dirty="0"/>
+            <a:rPr lang="ko-KR" altLang="en-US" sz="1200" kern="1200" dirty="0"/>
             <a:t>마이페이지</a:t>
           </a:r>
         </a:p>
       </dsp:txBody>
       <dsp:txXfrm>
-        <a:off x="2080068" y="2540713"/>
-        <a:ext cx="859482" cy="429741"/>
+        <a:off x="2534915" y="2427036"/>
+        <a:ext cx="1047377" cy="523688"/>
       </dsp:txXfrm>
     </dsp:sp>
     <dsp:sp modelId="{03068623-ADDF-4214-839C-28E2F801C4DC}">
@@ -5936,8 +5188,8 @@
       </dsp:nvSpPr>
       <dsp:spPr>
         <a:xfrm>
-          <a:off x="120" y="3150945"/>
-          <a:ext cx="859482" cy="429741"/>
+          <a:off x="260" y="3170674"/>
+          <a:ext cx="1047377" cy="523688"/>
         </a:xfrm>
         <a:prstGeom prst="rect">
           <a:avLst/>
@@ -5979,12 +5231,12 @@
         </a:fontRef>
       </dsp:style>
       <dsp:txBody>
-        <a:bodyPr spcFirstLastPara="0" vert="horz" wrap="square" lIns="6350" tIns="6350" rIns="6350" bIns="6350" numCol="1" spcCol="1270" anchor="ctr" anchorCtr="0">
+        <a:bodyPr spcFirstLastPara="0" vert="horz" wrap="square" lIns="7620" tIns="7620" rIns="7620" bIns="7620" numCol="1" spcCol="1270" anchor="ctr" anchorCtr="0">
           <a:noAutofit/>
         </a:bodyPr>
         <a:lstStyle/>
         <a:p>
-          <a:pPr marL="0" lvl="0" indent="0" algn="ctr" defTabSz="444500" latinLnBrk="1">
+          <a:pPr marL="0" lvl="0" indent="0" algn="ctr" defTabSz="533400" latinLnBrk="1">
             <a:lnSpc>
               <a:spcPct val="90000"/>
             </a:lnSpc>
@@ -5997,14 +5249,14 @@
             <a:buNone/>
           </a:pPr>
           <a:r>
-            <a:rPr lang="ko-KR" altLang="en-US" sz="1000" kern="1200" dirty="0"/>
+            <a:rPr lang="ko-KR" altLang="en-US" sz="1200" kern="1200" dirty="0"/>
             <a:t>글쓰기</a:t>
           </a:r>
         </a:p>
       </dsp:txBody>
       <dsp:txXfrm>
-        <a:off x="120" y="3150945"/>
-        <a:ext cx="859482" cy="429741"/>
+        <a:off x="260" y="3170674"/>
+        <a:ext cx="1047377" cy="523688"/>
       </dsp:txXfrm>
     </dsp:sp>
     <dsp:sp modelId="{4E5B94AB-EC7F-4FD5-9B66-B23049DC995F}">
@@ -6014,8 +5266,8 @@
       </dsp:nvSpPr>
       <dsp:spPr>
         <a:xfrm>
-          <a:off x="1040094" y="3150945"/>
-          <a:ext cx="859482" cy="429741"/>
+          <a:off x="1267587" y="3170674"/>
+          <a:ext cx="1047377" cy="523688"/>
         </a:xfrm>
         <a:prstGeom prst="rect">
           <a:avLst/>
@@ -6057,12 +5309,12 @@
         </a:fontRef>
       </dsp:style>
       <dsp:txBody>
-        <a:bodyPr spcFirstLastPara="0" vert="horz" wrap="square" lIns="6350" tIns="6350" rIns="6350" bIns="6350" numCol="1" spcCol="1270" anchor="ctr" anchorCtr="0">
+        <a:bodyPr spcFirstLastPara="0" vert="horz" wrap="square" lIns="7620" tIns="7620" rIns="7620" bIns="7620" numCol="1" spcCol="1270" anchor="ctr" anchorCtr="0">
           <a:noAutofit/>
         </a:bodyPr>
         <a:lstStyle/>
         <a:p>
-          <a:pPr marL="0" lvl="0" indent="0" algn="ctr" defTabSz="444500" latinLnBrk="1">
+          <a:pPr marL="0" lvl="0" indent="0" algn="ctr" defTabSz="533400" latinLnBrk="1">
             <a:lnSpc>
               <a:spcPct val="90000"/>
             </a:lnSpc>
@@ -6075,14 +5327,14 @@
             <a:buNone/>
           </a:pPr>
           <a:r>
-            <a:rPr lang="ko-KR" altLang="en-US" sz="1000" kern="1200" dirty="0"/>
+            <a:rPr lang="ko-KR" altLang="en-US" sz="1200" kern="1200" dirty="0"/>
             <a:t>개인정보 관리</a:t>
           </a:r>
         </a:p>
       </dsp:txBody>
       <dsp:txXfrm>
-        <a:off x="1040094" y="3150945"/>
-        <a:ext cx="859482" cy="429741"/>
+        <a:off x="1267587" y="3170674"/>
+        <a:ext cx="1047377" cy="523688"/>
       </dsp:txXfrm>
     </dsp:sp>
     <dsp:sp modelId="{248449D6-5084-4754-97FA-B4A679745125}">
@@ -6092,8 +5344,8 @@
       </dsp:nvSpPr>
       <dsp:spPr>
         <a:xfrm>
-          <a:off x="1254965" y="3761178"/>
-          <a:ext cx="859482" cy="429741"/>
+          <a:off x="1529432" y="3914313"/>
+          <a:ext cx="1047377" cy="523688"/>
         </a:xfrm>
         <a:prstGeom prst="rect">
           <a:avLst/>
@@ -6135,12 +5387,12 @@
         </a:fontRef>
       </dsp:style>
       <dsp:txBody>
-        <a:bodyPr spcFirstLastPara="0" vert="horz" wrap="square" lIns="6350" tIns="6350" rIns="6350" bIns="6350" numCol="1" spcCol="1270" anchor="ctr" anchorCtr="0">
+        <a:bodyPr spcFirstLastPara="0" vert="horz" wrap="square" lIns="7620" tIns="7620" rIns="7620" bIns="7620" numCol="1" spcCol="1270" anchor="ctr" anchorCtr="0">
           <a:noAutofit/>
         </a:bodyPr>
         <a:lstStyle/>
         <a:p>
-          <a:pPr marL="0" lvl="0" indent="0" algn="ctr" defTabSz="444500" latinLnBrk="1">
+          <a:pPr marL="0" lvl="0" indent="0" algn="ctr" defTabSz="533400" latinLnBrk="1">
             <a:lnSpc>
               <a:spcPct val="90000"/>
             </a:lnSpc>
@@ -6153,14 +5405,14 @@
             <a:buNone/>
           </a:pPr>
           <a:r>
-            <a:rPr lang="ko-KR" altLang="en-US" sz="1000" kern="1200" dirty="0"/>
+            <a:rPr lang="ko-KR" altLang="en-US" sz="1200" kern="1200" dirty="0"/>
             <a:t>비밀번호 변경</a:t>
           </a:r>
         </a:p>
       </dsp:txBody>
       <dsp:txXfrm>
-        <a:off x="1254965" y="3761178"/>
-        <a:ext cx="859482" cy="429741"/>
+        <a:off x="1529432" y="3914313"/>
+        <a:ext cx="1047377" cy="523688"/>
       </dsp:txXfrm>
     </dsp:sp>
     <dsp:sp modelId="{9B3373EE-6891-4D73-9208-6ABA8756A82B}">
@@ -6170,8 +5422,8 @@
       </dsp:nvSpPr>
       <dsp:spPr>
         <a:xfrm>
-          <a:off x="2080068" y="3150945"/>
-          <a:ext cx="859482" cy="429741"/>
+          <a:off x="2534915" y="3170674"/>
+          <a:ext cx="1047377" cy="523688"/>
         </a:xfrm>
         <a:prstGeom prst="rect">
           <a:avLst/>
@@ -6213,12 +5465,12 @@
         </a:fontRef>
       </dsp:style>
       <dsp:txBody>
-        <a:bodyPr spcFirstLastPara="0" vert="horz" wrap="square" lIns="6350" tIns="6350" rIns="6350" bIns="6350" numCol="1" spcCol="1270" anchor="ctr" anchorCtr="0">
+        <a:bodyPr spcFirstLastPara="0" vert="horz" wrap="square" lIns="7620" tIns="7620" rIns="7620" bIns="7620" numCol="1" spcCol="1270" anchor="ctr" anchorCtr="0">
           <a:noAutofit/>
         </a:bodyPr>
         <a:lstStyle/>
         <a:p>
-          <a:pPr marL="0" lvl="0" indent="0" algn="ctr" defTabSz="444500" latinLnBrk="1">
+          <a:pPr marL="0" lvl="0" indent="0" algn="ctr" defTabSz="533400" latinLnBrk="1">
             <a:lnSpc>
               <a:spcPct val="90000"/>
             </a:lnSpc>
@@ -6231,14 +5483,14 @@
             <a:buNone/>
           </a:pPr>
           <a:r>
-            <a:rPr lang="ko-KR" altLang="en-US" sz="1000" kern="1200" dirty="0"/>
+            <a:rPr lang="ko-KR" altLang="en-US" sz="1200" kern="1200" dirty="0"/>
             <a:t>크레딧 관리</a:t>
           </a:r>
         </a:p>
       </dsp:txBody>
       <dsp:txXfrm>
-        <a:off x="2080068" y="3150945"/>
-        <a:ext cx="859482" cy="429741"/>
+        <a:off x="2534915" y="3170674"/>
+        <a:ext cx="1047377" cy="523688"/>
       </dsp:txXfrm>
     </dsp:sp>
     <dsp:sp modelId="{1325078D-458E-40E5-9F59-F3BADA823F30}">
@@ -6248,8 +5500,8 @@
       </dsp:nvSpPr>
       <dsp:spPr>
         <a:xfrm>
-          <a:off x="3120042" y="3150945"/>
-          <a:ext cx="859482" cy="429741"/>
+          <a:off x="3802242" y="3170674"/>
+          <a:ext cx="1047377" cy="523688"/>
         </a:xfrm>
         <a:prstGeom prst="rect">
           <a:avLst/>
@@ -6291,12 +5543,12 @@
         </a:fontRef>
       </dsp:style>
       <dsp:txBody>
-        <a:bodyPr spcFirstLastPara="0" vert="horz" wrap="square" lIns="6350" tIns="6350" rIns="6350" bIns="6350" numCol="1" spcCol="1270" anchor="ctr" anchorCtr="0">
+        <a:bodyPr spcFirstLastPara="0" vert="horz" wrap="square" lIns="7620" tIns="7620" rIns="7620" bIns="7620" numCol="1" spcCol="1270" anchor="ctr" anchorCtr="0">
           <a:noAutofit/>
         </a:bodyPr>
         <a:lstStyle/>
         <a:p>
-          <a:pPr marL="0" lvl="0" indent="0" algn="ctr" defTabSz="444500" latinLnBrk="1">
+          <a:pPr marL="0" lvl="0" indent="0" algn="ctr" defTabSz="533400" latinLnBrk="1">
             <a:lnSpc>
               <a:spcPct val="90000"/>
             </a:lnSpc>
@@ -6309,14 +5561,14 @@
             <a:buNone/>
           </a:pPr>
           <a:r>
-            <a:rPr lang="ko-KR" altLang="en-US" sz="1000" kern="1200" dirty="0"/>
+            <a:rPr lang="ko-KR" altLang="en-US" sz="1200" kern="1200" dirty="0"/>
             <a:t>컨텐츠 관리</a:t>
           </a:r>
         </a:p>
       </dsp:txBody>
       <dsp:txXfrm>
-        <a:off x="3120042" y="3150945"/>
-        <a:ext cx="859482" cy="429741"/>
+        <a:off x="3802242" y="3170674"/>
+        <a:ext cx="1047377" cy="523688"/>
       </dsp:txXfrm>
     </dsp:sp>
     <dsp:sp modelId="{69892794-8969-400A-93B0-3237D6744633}">
@@ -6326,8 +5578,8 @@
       </dsp:nvSpPr>
       <dsp:spPr>
         <a:xfrm>
-          <a:off x="4160015" y="3150945"/>
-          <a:ext cx="859482" cy="429741"/>
+          <a:off x="5069569" y="3170674"/>
+          <a:ext cx="1047377" cy="523688"/>
         </a:xfrm>
         <a:prstGeom prst="rect">
           <a:avLst/>
@@ -6369,12 +5621,12 @@
         </a:fontRef>
       </dsp:style>
       <dsp:txBody>
-        <a:bodyPr spcFirstLastPara="0" vert="horz" wrap="square" lIns="6350" tIns="6350" rIns="6350" bIns="6350" numCol="1" spcCol="1270" anchor="ctr" anchorCtr="0">
+        <a:bodyPr spcFirstLastPara="0" vert="horz" wrap="square" lIns="7620" tIns="7620" rIns="7620" bIns="7620" numCol="1" spcCol="1270" anchor="ctr" anchorCtr="0">
           <a:noAutofit/>
         </a:bodyPr>
         <a:lstStyle/>
         <a:p>
-          <a:pPr marL="0" lvl="0" indent="0" algn="ctr" defTabSz="444500" latinLnBrk="1">
+          <a:pPr marL="0" lvl="0" indent="0" algn="ctr" defTabSz="533400" latinLnBrk="1">
             <a:lnSpc>
               <a:spcPct val="90000"/>
             </a:lnSpc>
@@ -6387,14 +5639,14 @@
             <a:buNone/>
           </a:pPr>
           <a:r>
-            <a:rPr lang="ko-KR" altLang="en-US" sz="1000" kern="1200" dirty="0"/>
+            <a:rPr lang="ko-KR" altLang="en-US" sz="1200" kern="1200" dirty="0"/>
             <a:t>구독자 관리</a:t>
           </a:r>
         </a:p>
       </dsp:txBody>
       <dsp:txXfrm>
-        <a:off x="4160015" y="3150945"/>
-        <a:ext cx="859482" cy="429741"/>
+        <a:off x="5069569" y="3170674"/>
+        <a:ext cx="1047377" cy="523688"/>
       </dsp:txXfrm>
     </dsp:sp>
     <dsp:sp modelId="{63E71DF9-B3A7-4070-89D4-3944424C2913}">
@@ -6404,8 +5656,8 @@
       </dsp:nvSpPr>
       <dsp:spPr>
         <a:xfrm>
-          <a:off x="4160015" y="1930480"/>
-          <a:ext cx="859482" cy="429741"/>
+          <a:off x="6075052" y="1683398"/>
+          <a:ext cx="1047377" cy="523688"/>
         </a:xfrm>
         <a:prstGeom prst="rect">
           <a:avLst/>
@@ -6447,12 +5699,12 @@
         </a:fontRef>
       </dsp:style>
       <dsp:txBody>
-        <a:bodyPr spcFirstLastPara="0" vert="horz" wrap="square" lIns="6350" tIns="6350" rIns="6350" bIns="6350" numCol="1" spcCol="1270" anchor="ctr" anchorCtr="0">
+        <a:bodyPr spcFirstLastPara="0" vert="horz" wrap="square" lIns="7620" tIns="7620" rIns="7620" bIns="7620" numCol="1" spcCol="1270" anchor="ctr" anchorCtr="0">
           <a:noAutofit/>
         </a:bodyPr>
         <a:lstStyle/>
         <a:p>
-          <a:pPr marL="0" lvl="0" indent="0" algn="ctr" defTabSz="444500" latinLnBrk="1">
+          <a:pPr marL="0" lvl="0" indent="0" algn="ctr" defTabSz="533400" latinLnBrk="1">
             <a:lnSpc>
               <a:spcPct val="90000"/>
             </a:lnSpc>
@@ -6465,25 +5717,25 @@
             <a:buNone/>
           </a:pPr>
           <a:r>
-            <a:rPr lang="ko-KR" altLang="en-US" sz="1000" kern="1200" dirty="0"/>
+            <a:rPr lang="ko-KR" altLang="en-US" sz="1200" kern="1200" dirty="0"/>
             <a:t>커뮤니티</a:t>
           </a:r>
         </a:p>
       </dsp:txBody>
       <dsp:txXfrm>
-        <a:off x="4160015" y="1930480"/>
-        <a:ext cx="859482" cy="429741"/>
+        <a:off x="6075052" y="1683398"/>
+        <a:ext cx="1047377" cy="523688"/>
       </dsp:txXfrm>
     </dsp:sp>
-    <dsp:sp modelId="{D3F0C759-0FE4-404D-A8A8-E5280D63C775}">
+    <dsp:sp modelId="{2A098294-C6FB-4CDE-A18D-D965C0CE13D1}">
       <dsp:nvSpPr>
         <dsp:cNvPr id="0" name=""/>
         <dsp:cNvSpPr/>
       </dsp:nvSpPr>
       <dsp:spPr>
         <a:xfrm>
-          <a:off x="3120042" y="2540713"/>
-          <a:ext cx="859482" cy="429741"/>
+          <a:off x="4807725" y="2427036"/>
+          <a:ext cx="1047377" cy="523688"/>
         </a:xfrm>
         <a:prstGeom prst="rect">
           <a:avLst/>
@@ -6525,12 +5777,12 @@
         </a:fontRef>
       </dsp:style>
       <dsp:txBody>
-        <a:bodyPr spcFirstLastPara="0" vert="horz" wrap="square" lIns="6350" tIns="6350" rIns="6350" bIns="6350" numCol="1" spcCol="1270" anchor="ctr" anchorCtr="0">
+        <a:bodyPr spcFirstLastPara="0" vert="horz" wrap="square" lIns="7620" tIns="7620" rIns="7620" bIns="7620" numCol="1" spcCol="1270" anchor="ctr" anchorCtr="0">
           <a:noAutofit/>
         </a:bodyPr>
         <a:lstStyle/>
         <a:p>
-          <a:pPr marL="0" lvl="0" indent="0" algn="ctr" defTabSz="444500" latinLnBrk="1">
+          <a:pPr marL="0" lvl="0" indent="0" algn="ctr" defTabSz="533400" latinLnBrk="1">
             <a:lnSpc>
               <a:spcPct val="90000"/>
             </a:lnSpc>
@@ -6543,25 +5795,25 @@
             <a:buNone/>
           </a:pPr>
           <a:r>
-            <a:rPr lang="ko-KR" altLang="en-US" sz="1000" kern="1200" dirty="0"/>
-            <a:t>글쓰기</a:t>
+            <a:rPr lang="ko-KR" altLang="en-US" sz="1200" kern="1200" dirty="0"/>
+            <a:t>공지사항</a:t>
           </a:r>
         </a:p>
       </dsp:txBody>
       <dsp:txXfrm>
-        <a:off x="3120042" y="2540713"/>
-        <a:ext cx="859482" cy="429741"/>
+        <a:off x="4807725" y="2427036"/>
+        <a:ext cx="1047377" cy="523688"/>
       </dsp:txXfrm>
     </dsp:sp>
-    <dsp:sp modelId="{2A098294-C6FB-4CDE-A18D-D965C0CE13D1}">
+    <dsp:sp modelId="{622B0033-31B7-4ED8-ADE4-278D36C5733F}">
       <dsp:nvSpPr>
         <dsp:cNvPr id="0" name=""/>
         <dsp:cNvSpPr/>
       </dsp:nvSpPr>
       <dsp:spPr>
         <a:xfrm>
-          <a:off x="4160015" y="2540713"/>
-          <a:ext cx="859482" cy="429741"/>
+          <a:off x="6075052" y="2427036"/>
+          <a:ext cx="1047377" cy="523688"/>
         </a:xfrm>
         <a:prstGeom prst="rect">
           <a:avLst/>
@@ -6603,12 +5855,12 @@
         </a:fontRef>
       </dsp:style>
       <dsp:txBody>
-        <a:bodyPr spcFirstLastPara="0" vert="horz" wrap="square" lIns="6350" tIns="6350" rIns="6350" bIns="6350" numCol="1" spcCol="1270" anchor="ctr" anchorCtr="0">
+        <a:bodyPr spcFirstLastPara="0" vert="horz" wrap="square" lIns="7620" tIns="7620" rIns="7620" bIns="7620" numCol="1" spcCol="1270" anchor="ctr" anchorCtr="0">
           <a:noAutofit/>
         </a:bodyPr>
         <a:lstStyle/>
         <a:p>
-          <a:pPr marL="0" lvl="0" indent="0" algn="ctr" defTabSz="444500" latinLnBrk="1">
+          <a:pPr marL="0" lvl="0" indent="0" algn="ctr" defTabSz="533400" latinLnBrk="1">
             <a:lnSpc>
               <a:spcPct val="90000"/>
             </a:lnSpc>
@@ -6621,25 +5873,25 @@
             <a:buNone/>
           </a:pPr>
           <a:r>
-            <a:rPr lang="ko-KR" altLang="en-US" sz="1000" kern="1200" dirty="0"/>
-            <a:t>공지사항</a:t>
+            <a:rPr lang="ko-KR" altLang="en-US" sz="1200" kern="1200" dirty="0"/>
+            <a:t>자유게시판</a:t>
           </a:r>
         </a:p>
       </dsp:txBody>
       <dsp:txXfrm>
-        <a:off x="4160015" y="2540713"/>
-        <a:ext cx="859482" cy="429741"/>
+        <a:off x="6075052" y="2427036"/>
+        <a:ext cx="1047377" cy="523688"/>
       </dsp:txXfrm>
     </dsp:sp>
-    <dsp:sp modelId="{622B0033-31B7-4ED8-ADE4-278D36C5733F}">
+    <dsp:sp modelId="{17D24AD2-7AFB-4DE8-8C9D-A2297937059E}">
       <dsp:nvSpPr>
         <dsp:cNvPr id="0" name=""/>
         <dsp:cNvSpPr/>
       </dsp:nvSpPr>
       <dsp:spPr>
         <a:xfrm>
-          <a:off x="5199989" y="2540713"/>
-          <a:ext cx="859482" cy="429741"/>
+          <a:off x="6577532" y="3157173"/>
+          <a:ext cx="1047377" cy="523688"/>
         </a:xfrm>
         <a:prstGeom prst="rect">
           <a:avLst/>
@@ -6681,12 +5933,12 @@
         </a:fontRef>
       </dsp:style>
       <dsp:txBody>
-        <a:bodyPr spcFirstLastPara="0" vert="horz" wrap="square" lIns="6350" tIns="6350" rIns="6350" bIns="6350" numCol="1" spcCol="1270" anchor="ctr" anchorCtr="0">
+        <a:bodyPr spcFirstLastPara="0" vert="horz" wrap="square" lIns="7620" tIns="7620" rIns="7620" bIns="7620" numCol="1" spcCol="1270" anchor="ctr" anchorCtr="0">
           <a:noAutofit/>
         </a:bodyPr>
         <a:lstStyle/>
         <a:p>
-          <a:pPr marL="0" lvl="0" indent="0" algn="ctr" defTabSz="444500" latinLnBrk="1">
+          <a:pPr marL="0" lvl="0" indent="0" algn="ctr" defTabSz="533400" latinLnBrk="1">
             <a:lnSpc>
               <a:spcPct val="90000"/>
             </a:lnSpc>
@@ -6699,14 +5951,14 @@
             <a:buNone/>
           </a:pPr>
           <a:r>
-            <a:rPr lang="ko-KR" altLang="en-US" sz="1000" kern="1200" dirty="0"/>
-            <a:t>자유게시판</a:t>
+            <a:rPr lang="ko-KR" altLang="en-US" sz="1200" kern="1200" dirty="0"/>
+            <a:t>글쓰기</a:t>
           </a:r>
         </a:p>
       </dsp:txBody>
       <dsp:txXfrm>
-        <a:off x="5199989" y="2540713"/>
-        <a:ext cx="859482" cy="429741"/>
+        <a:off x="6577532" y="3157173"/>
+        <a:ext cx="1047377" cy="523688"/>
       </dsp:txXfrm>
     </dsp:sp>
     <dsp:sp modelId="{80284372-DEAA-4F2B-9BE1-1465649F27EB}">
@@ -6716,8 +5968,8 @@
       </dsp:nvSpPr>
       <dsp:spPr>
         <a:xfrm>
-          <a:off x="5414860" y="3150945"/>
-          <a:ext cx="859482" cy="429741"/>
+          <a:off x="7342379" y="2427036"/>
+          <a:ext cx="1047377" cy="523688"/>
         </a:xfrm>
         <a:prstGeom prst="rect">
           <a:avLst/>
@@ -6759,12 +6011,12 @@
         </a:fontRef>
       </dsp:style>
       <dsp:txBody>
-        <a:bodyPr spcFirstLastPara="0" vert="horz" wrap="square" lIns="6350" tIns="6350" rIns="6350" bIns="6350" numCol="1" spcCol="1270" anchor="ctr" anchorCtr="0">
+        <a:bodyPr spcFirstLastPara="0" vert="horz" wrap="square" lIns="7620" tIns="7620" rIns="7620" bIns="7620" numCol="1" spcCol="1270" anchor="ctr" anchorCtr="0">
           <a:noAutofit/>
         </a:bodyPr>
         <a:lstStyle/>
         <a:p>
-          <a:pPr marL="0" lvl="0" indent="0" algn="ctr" defTabSz="444500" latinLnBrk="1">
+          <a:pPr marL="0" lvl="0" indent="0" algn="ctr" defTabSz="533400" latinLnBrk="1">
             <a:lnSpc>
               <a:spcPct val="90000"/>
             </a:lnSpc>
@@ -6777,19 +6029,14 @@
             <a:buNone/>
           </a:pPr>
           <a:r>
-            <a:rPr lang="ko-KR" altLang="en-US" sz="1000" kern="1200" dirty="0"/>
-            <a:t>주제별</a:t>
+            <a:rPr lang="ko-KR" altLang="en-US" sz="1200" kern="1200" dirty="0"/>
+            <a:t>주제별 게시판</a:t>
           </a:r>
-          <a:r>
-            <a:rPr lang="en-US" altLang="ko-KR" sz="1000" kern="1200" dirty="0"/>
-            <a:t>...</a:t>
-          </a:r>
-          <a:endParaRPr lang="ko-KR" altLang="en-US" sz="1000" kern="1200" dirty="0"/>
         </a:p>
       </dsp:txBody>
       <dsp:txXfrm>
-        <a:off x="5414860" y="3150945"/>
-        <a:ext cx="859482" cy="429741"/>
+        <a:off x="7342379" y="2427036"/>
+        <a:ext cx="1047377" cy="523688"/>
       </dsp:txXfrm>
     </dsp:sp>
     <dsp:sp modelId="{F1A12858-AFF8-449A-AD45-DAC0414A51C7}">
@@ -6799,8 +6046,8 @@
       </dsp:nvSpPr>
       <dsp:spPr>
         <a:xfrm>
-          <a:off x="7853641" y="1930480"/>
-          <a:ext cx="859482" cy="429741"/>
+          <a:off x="9243370" y="1683398"/>
+          <a:ext cx="1047377" cy="523688"/>
         </a:xfrm>
         <a:prstGeom prst="rect">
           <a:avLst/>
@@ -6842,12 +6089,12 @@
         </a:fontRef>
       </dsp:style>
       <dsp:txBody>
-        <a:bodyPr spcFirstLastPara="0" vert="horz" wrap="square" lIns="6350" tIns="6350" rIns="6350" bIns="6350" numCol="1" spcCol="1270" anchor="ctr" anchorCtr="0">
+        <a:bodyPr spcFirstLastPara="0" vert="horz" wrap="square" lIns="7620" tIns="7620" rIns="7620" bIns="7620" numCol="1" spcCol="1270" anchor="ctr" anchorCtr="0">
           <a:noAutofit/>
         </a:bodyPr>
         <a:lstStyle/>
         <a:p>
-          <a:pPr marL="0" lvl="0" indent="0" algn="ctr" defTabSz="444500" latinLnBrk="1">
+          <a:pPr marL="0" lvl="0" indent="0" algn="ctr" defTabSz="533400" latinLnBrk="1">
             <a:lnSpc>
               <a:spcPct val="90000"/>
             </a:lnSpc>
@@ -6860,14 +6107,14 @@
             <a:buNone/>
           </a:pPr>
           <a:r>
-            <a:rPr lang="ko-KR" altLang="en-US" sz="1000" kern="1200" dirty="0"/>
+            <a:rPr lang="ko-KR" altLang="en-US" sz="1200" kern="1200" dirty="0"/>
             <a:t>노하우</a:t>
           </a:r>
         </a:p>
       </dsp:txBody>
       <dsp:txXfrm>
-        <a:off x="7853641" y="1930480"/>
-        <a:ext cx="859482" cy="429741"/>
+        <a:off x="9243370" y="1683398"/>
+        <a:ext cx="1047377" cy="523688"/>
       </dsp:txXfrm>
     </dsp:sp>
     <dsp:sp modelId="{FE2B2C4C-2C2C-428F-AF6D-399EEC28613C}">
@@ -6877,8 +6124,8 @@
       </dsp:nvSpPr>
       <dsp:spPr>
         <a:xfrm>
-          <a:off x="6239963" y="2540713"/>
-          <a:ext cx="859482" cy="429741"/>
+          <a:off x="8609707" y="2427036"/>
+          <a:ext cx="1047377" cy="523688"/>
         </a:xfrm>
         <a:prstGeom prst="rect">
           <a:avLst/>
@@ -6920,12 +6167,12 @@
         </a:fontRef>
       </dsp:style>
       <dsp:txBody>
-        <a:bodyPr spcFirstLastPara="0" vert="horz" wrap="square" lIns="6350" tIns="6350" rIns="6350" bIns="6350" numCol="1" spcCol="1270" anchor="ctr" anchorCtr="0">
+        <a:bodyPr spcFirstLastPara="0" vert="horz" wrap="square" lIns="7620" tIns="7620" rIns="7620" bIns="7620" numCol="1" spcCol="1270" anchor="ctr" anchorCtr="0">
           <a:noAutofit/>
         </a:bodyPr>
         <a:lstStyle/>
         <a:p>
-          <a:pPr marL="0" lvl="0" indent="0" algn="ctr" defTabSz="444500" latinLnBrk="1">
+          <a:pPr marL="0" lvl="0" indent="0" algn="ctr" defTabSz="533400" latinLnBrk="1">
             <a:lnSpc>
               <a:spcPct val="90000"/>
             </a:lnSpc>
@@ -6938,14 +6185,14 @@
             <a:buNone/>
           </a:pPr>
           <a:r>
-            <a:rPr lang="ko-KR" altLang="en-US" sz="1000" kern="1200" dirty="0"/>
+            <a:rPr lang="ko-KR" altLang="en-US" sz="1200" kern="1200" dirty="0"/>
             <a:t>글쓰기</a:t>
           </a:r>
         </a:p>
       </dsp:txBody>
       <dsp:txXfrm>
-        <a:off x="6239963" y="2540713"/>
-        <a:ext cx="859482" cy="429741"/>
+        <a:off x="8609707" y="2427036"/>
+        <a:ext cx="1047377" cy="523688"/>
       </dsp:txXfrm>
     </dsp:sp>
     <dsp:sp modelId="{FB2B172F-5177-4933-AF21-26137413A2EE}">
@@ -6955,8 +6202,8 @@
       </dsp:nvSpPr>
       <dsp:spPr>
         <a:xfrm>
-          <a:off x="7279937" y="2540713"/>
-          <a:ext cx="859482" cy="429741"/>
+          <a:off x="9877034" y="2427036"/>
+          <a:ext cx="1047377" cy="523688"/>
         </a:xfrm>
         <a:prstGeom prst="rect">
           <a:avLst/>
@@ -6998,12 +6245,12 @@
         </a:fontRef>
       </dsp:style>
       <dsp:txBody>
-        <a:bodyPr spcFirstLastPara="0" vert="horz" wrap="square" lIns="6350" tIns="6350" rIns="6350" bIns="6350" numCol="1" spcCol="1270" anchor="ctr" anchorCtr="0">
+        <a:bodyPr spcFirstLastPara="0" vert="horz" wrap="square" lIns="7620" tIns="7620" rIns="7620" bIns="7620" numCol="1" spcCol="1270" anchor="ctr" anchorCtr="0">
           <a:noAutofit/>
         </a:bodyPr>
         <a:lstStyle/>
         <a:p>
-          <a:pPr marL="0" lvl="0" indent="0" algn="ctr" defTabSz="444500" latinLnBrk="1">
+          <a:pPr marL="0" lvl="0" indent="0" algn="ctr" defTabSz="533400" latinLnBrk="1">
             <a:lnSpc>
               <a:spcPct val="90000"/>
             </a:lnSpc>
@@ -7016,14 +6263,14 @@
             <a:buNone/>
           </a:pPr>
           <a:r>
-            <a:rPr lang="ko-KR" altLang="en-US" sz="1000" kern="1200" dirty="0"/>
+            <a:rPr lang="ko-KR" altLang="en-US" sz="1200" kern="1200" dirty="0"/>
             <a:t>비디오</a:t>
           </a:r>
         </a:p>
       </dsp:txBody>
       <dsp:txXfrm>
-        <a:off x="7279937" y="2540713"/>
-        <a:ext cx="859482" cy="429741"/>
+        <a:off x="9877034" y="2427036"/>
+        <a:ext cx="1047377" cy="523688"/>
       </dsp:txXfrm>
     </dsp:sp>
     <dsp:sp modelId="{4B033A3A-75AD-4A26-9DB0-0FC9A98EC969}">
@@ -7033,8 +6280,8 @@
       </dsp:nvSpPr>
       <dsp:spPr>
         <a:xfrm>
-          <a:off x="6652514" y="3150945"/>
-          <a:ext cx="859482" cy="429741"/>
+          <a:off x="9112448" y="3170674"/>
+          <a:ext cx="1047377" cy="523688"/>
         </a:xfrm>
         <a:prstGeom prst="rect">
           <a:avLst/>
@@ -7076,12 +6323,12 @@
         </a:fontRef>
       </dsp:style>
       <dsp:txBody>
-        <a:bodyPr spcFirstLastPara="0" vert="horz" wrap="square" lIns="6350" tIns="6350" rIns="6350" bIns="6350" numCol="1" spcCol="1270" anchor="ctr" anchorCtr="0">
+        <a:bodyPr spcFirstLastPara="0" vert="horz" wrap="square" lIns="7620" tIns="7620" rIns="7620" bIns="7620" numCol="1" spcCol="1270" anchor="ctr" anchorCtr="0">
           <a:noAutofit/>
         </a:bodyPr>
         <a:lstStyle/>
         <a:p>
-          <a:pPr marL="0" lvl="0" indent="0" algn="ctr" defTabSz="444500" latinLnBrk="1">
+          <a:pPr marL="0" lvl="0" indent="0" algn="ctr" defTabSz="533400" latinLnBrk="1">
             <a:lnSpc>
               <a:spcPct val="90000"/>
             </a:lnSpc>
@@ -7094,14 +6341,14 @@
             <a:buNone/>
           </a:pPr>
           <a:r>
-            <a:rPr lang="ko-KR" altLang="en-US" sz="1000" kern="1200" dirty="0"/>
+            <a:rPr lang="ko-KR" altLang="en-US" sz="1200" kern="1200" dirty="0"/>
             <a:t>무료</a:t>
           </a:r>
         </a:p>
       </dsp:txBody>
       <dsp:txXfrm>
-        <a:off x="6652514" y="3150945"/>
-        <a:ext cx="859482" cy="429741"/>
+        <a:off x="9112448" y="3170674"/>
+        <a:ext cx="1047377" cy="523688"/>
       </dsp:txXfrm>
     </dsp:sp>
     <dsp:sp modelId="{49D9708E-FDC3-4962-AF81-FDBD78B9A095}">
@@ -7111,8 +6358,8 @@
       </dsp:nvSpPr>
       <dsp:spPr>
         <a:xfrm>
-          <a:off x="6867385" y="3761178"/>
-          <a:ext cx="859482" cy="429741"/>
+          <a:off x="9374292" y="3914313"/>
+          <a:ext cx="1047377" cy="523688"/>
         </a:xfrm>
         <a:prstGeom prst="rect">
           <a:avLst/>
@@ -7154,12 +6401,12 @@
         </a:fontRef>
       </dsp:style>
       <dsp:txBody>
-        <a:bodyPr spcFirstLastPara="0" vert="horz" wrap="square" lIns="6350" tIns="6350" rIns="6350" bIns="6350" numCol="1" spcCol="1270" anchor="ctr" anchorCtr="0">
+        <a:bodyPr spcFirstLastPara="0" vert="horz" wrap="square" lIns="7620" tIns="7620" rIns="7620" bIns="7620" numCol="1" spcCol="1270" anchor="ctr" anchorCtr="0">
           <a:noAutofit/>
         </a:bodyPr>
         <a:lstStyle/>
         <a:p>
-          <a:pPr marL="0" lvl="0" indent="0" algn="ctr" defTabSz="444500" latinLnBrk="1">
+          <a:pPr marL="0" lvl="0" indent="0" algn="ctr" defTabSz="533400" latinLnBrk="1">
             <a:lnSpc>
               <a:spcPct val="90000"/>
             </a:lnSpc>
@@ -7172,15 +6419,15 @@
             <a:buNone/>
           </a:pPr>
           <a:r>
-            <a:rPr lang="ko-KR" altLang="en-US" sz="1000" kern="1200" dirty="0" err="1"/>
+            <a:rPr lang="ko-KR" altLang="en-US" sz="1200" kern="1200" dirty="0" err="1"/>
             <a:t>쇼츠</a:t>
           </a:r>
-          <a:endParaRPr lang="ko-KR" altLang="en-US" sz="1000" kern="1200" dirty="0"/>
+          <a:endParaRPr lang="ko-KR" altLang="en-US" sz="1200" kern="1200" dirty="0"/>
         </a:p>
       </dsp:txBody>
       <dsp:txXfrm>
-        <a:off x="6867385" y="3761178"/>
-        <a:ext cx="859482" cy="429741"/>
+        <a:off x="9374292" y="3914313"/>
+        <a:ext cx="1047377" cy="523688"/>
       </dsp:txXfrm>
     </dsp:sp>
     <dsp:sp modelId="{E09091FD-A15C-48BC-A189-C13B424096F4}">
@@ -7190,8 +6437,8 @@
       </dsp:nvSpPr>
       <dsp:spPr>
         <a:xfrm>
-          <a:off x="6867385" y="4371410"/>
-          <a:ext cx="859482" cy="429741"/>
+          <a:off x="9374292" y="4657951"/>
+          <a:ext cx="1047377" cy="523688"/>
         </a:xfrm>
         <a:prstGeom prst="rect">
           <a:avLst/>
@@ -7233,12 +6480,12 @@
         </a:fontRef>
       </dsp:style>
       <dsp:txBody>
-        <a:bodyPr spcFirstLastPara="0" vert="horz" wrap="square" lIns="6350" tIns="6350" rIns="6350" bIns="6350" numCol="1" spcCol="1270" anchor="ctr" anchorCtr="0">
+        <a:bodyPr spcFirstLastPara="0" vert="horz" wrap="square" lIns="7620" tIns="7620" rIns="7620" bIns="7620" numCol="1" spcCol="1270" anchor="ctr" anchorCtr="0">
           <a:noAutofit/>
         </a:bodyPr>
         <a:lstStyle/>
         <a:p>
-          <a:pPr marL="0" lvl="0" indent="0" algn="ctr" defTabSz="444500" latinLnBrk="1">
+          <a:pPr marL="0" lvl="0" indent="0" algn="ctr" defTabSz="533400" latinLnBrk="1">
             <a:lnSpc>
               <a:spcPct val="90000"/>
             </a:lnSpc>
@@ -7251,14 +6498,14 @@
             <a:buNone/>
           </a:pPr>
           <a:r>
-            <a:rPr lang="ko-KR" altLang="en-US" sz="1000" kern="1200" dirty="0"/>
+            <a:rPr lang="ko-KR" altLang="en-US" sz="1200" kern="1200" dirty="0"/>
             <a:t>롱</a:t>
           </a:r>
         </a:p>
       </dsp:txBody>
       <dsp:txXfrm>
-        <a:off x="6867385" y="4371410"/>
-        <a:ext cx="859482" cy="429741"/>
+        <a:off x="9374292" y="4657951"/>
+        <a:ext cx="1047377" cy="523688"/>
       </dsp:txXfrm>
     </dsp:sp>
     <dsp:sp modelId="{6982A4F2-184C-4998-8D19-011A9D49E0C2}">
@@ -7268,8 +6515,8 @@
       </dsp:nvSpPr>
       <dsp:spPr>
         <a:xfrm>
-          <a:off x="7907359" y="3150945"/>
-          <a:ext cx="859482" cy="429741"/>
+          <a:off x="10641620" y="3170674"/>
+          <a:ext cx="1047377" cy="523688"/>
         </a:xfrm>
         <a:prstGeom prst="rect">
           <a:avLst/>
@@ -7311,12 +6558,12 @@
         </a:fontRef>
       </dsp:style>
       <dsp:txBody>
-        <a:bodyPr spcFirstLastPara="0" vert="horz" wrap="square" lIns="6350" tIns="6350" rIns="6350" bIns="6350" numCol="1" spcCol="1270" anchor="ctr" anchorCtr="0">
+        <a:bodyPr spcFirstLastPara="0" vert="horz" wrap="square" lIns="7620" tIns="7620" rIns="7620" bIns="7620" numCol="1" spcCol="1270" anchor="ctr" anchorCtr="0">
           <a:noAutofit/>
         </a:bodyPr>
         <a:lstStyle/>
         <a:p>
-          <a:pPr marL="0" lvl="0" indent="0" algn="ctr" defTabSz="444500" latinLnBrk="1">
+          <a:pPr marL="0" lvl="0" indent="0" algn="ctr" defTabSz="533400" latinLnBrk="1">
             <a:lnSpc>
               <a:spcPct val="90000"/>
             </a:lnSpc>
@@ -7329,14 +6576,14 @@
             <a:buNone/>
           </a:pPr>
           <a:r>
-            <a:rPr lang="ko-KR" altLang="en-US" sz="1000" kern="1200" dirty="0"/>
+            <a:rPr lang="ko-KR" altLang="en-US" sz="1200" kern="1200" dirty="0"/>
             <a:t>유료</a:t>
           </a:r>
         </a:p>
       </dsp:txBody>
       <dsp:txXfrm>
-        <a:off x="7907359" y="3150945"/>
-        <a:ext cx="859482" cy="429741"/>
+        <a:off x="10641620" y="3170674"/>
+        <a:ext cx="1047377" cy="523688"/>
       </dsp:txXfrm>
     </dsp:sp>
     <dsp:sp modelId="{88ADE8B7-75B5-4356-8C72-E542511B57EB}">
@@ -7346,8 +6593,8 @@
       </dsp:nvSpPr>
       <dsp:spPr>
         <a:xfrm>
-          <a:off x="7907359" y="3761178"/>
-          <a:ext cx="859482" cy="429741"/>
+          <a:off x="10641620" y="3914313"/>
+          <a:ext cx="1047377" cy="523688"/>
         </a:xfrm>
         <a:prstGeom prst="rect">
           <a:avLst/>
@@ -7389,12 +6636,12 @@
         </a:fontRef>
       </dsp:style>
       <dsp:txBody>
-        <a:bodyPr spcFirstLastPara="0" vert="horz" wrap="square" lIns="6350" tIns="6350" rIns="6350" bIns="6350" numCol="1" spcCol="1270" anchor="ctr" anchorCtr="0">
+        <a:bodyPr spcFirstLastPara="0" vert="horz" wrap="square" lIns="7620" tIns="7620" rIns="7620" bIns="7620" numCol="1" spcCol="1270" anchor="ctr" anchorCtr="0">
           <a:noAutofit/>
         </a:bodyPr>
         <a:lstStyle/>
         <a:p>
-          <a:pPr marL="0" lvl="0" indent="0" algn="ctr" defTabSz="444500" latinLnBrk="1">
+          <a:pPr marL="0" lvl="0" indent="0" algn="ctr" defTabSz="533400" latinLnBrk="1">
             <a:lnSpc>
               <a:spcPct val="90000"/>
             </a:lnSpc>
@@ -7407,14 +6654,14 @@
             <a:buNone/>
           </a:pPr>
           <a:r>
-            <a:rPr lang="ko-KR" altLang="en-US" sz="1000" kern="1200" dirty="0"/>
+            <a:rPr lang="ko-KR" altLang="en-US" sz="1200" kern="1200" dirty="0"/>
             <a:t>결제페이지</a:t>
           </a:r>
         </a:p>
       </dsp:txBody>
       <dsp:txXfrm>
-        <a:off x="7907359" y="3761178"/>
-        <a:ext cx="859482" cy="429741"/>
+        <a:off x="10641620" y="3914313"/>
+        <a:ext cx="1047377" cy="523688"/>
       </dsp:txXfrm>
     </dsp:sp>
     <dsp:sp modelId="{E7CEEE60-EA00-4B96-987D-58238A6F75F4}">
@@ -7424,8 +6671,8 @@
       </dsp:nvSpPr>
       <dsp:spPr>
         <a:xfrm>
-          <a:off x="8122229" y="4371410"/>
-          <a:ext cx="859482" cy="429741"/>
+          <a:off x="10903464" y="4657951"/>
+          <a:ext cx="1047377" cy="523688"/>
         </a:xfrm>
         <a:prstGeom prst="rect">
           <a:avLst/>
@@ -7467,12 +6714,12 @@
         </a:fontRef>
       </dsp:style>
       <dsp:txBody>
-        <a:bodyPr spcFirstLastPara="0" vert="horz" wrap="square" lIns="6350" tIns="6350" rIns="6350" bIns="6350" numCol="1" spcCol="1270" anchor="ctr" anchorCtr="0">
+        <a:bodyPr spcFirstLastPara="0" vert="horz" wrap="square" lIns="7620" tIns="7620" rIns="7620" bIns="7620" numCol="1" spcCol="1270" anchor="ctr" anchorCtr="0">
           <a:noAutofit/>
         </a:bodyPr>
         <a:lstStyle/>
         <a:p>
-          <a:pPr marL="0" lvl="0" indent="0" algn="ctr" defTabSz="444500" latinLnBrk="1">
+          <a:pPr marL="0" lvl="0" indent="0" algn="ctr" defTabSz="533400" latinLnBrk="1">
             <a:lnSpc>
               <a:spcPct val="90000"/>
             </a:lnSpc>
@@ -7485,25 +6732,25 @@
             <a:buNone/>
           </a:pPr>
           <a:r>
-            <a:rPr lang="ko-KR" altLang="en-US" sz="1000" kern="1200" dirty="0"/>
+            <a:rPr lang="ko-KR" altLang="en-US" sz="1200" kern="1200" dirty="0"/>
             <a:t>롱</a:t>
           </a:r>
         </a:p>
       </dsp:txBody>
       <dsp:txXfrm>
-        <a:off x="8122229" y="4371410"/>
-        <a:ext cx="859482" cy="429741"/>
+        <a:off x="10903464" y="4657951"/>
+        <a:ext cx="1047377" cy="523688"/>
       </dsp:txXfrm>
     </dsp:sp>
-    <dsp:sp modelId="{239F6289-AE16-4CCB-9BAE-15F7BFC87DCF}">
+    <dsp:sp modelId="{E96E4039-AAE6-48BB-AEC6-DA4B35BF430D}">
       <dsp:nvSpPr>
         <dsp:cNvPr id="0" name=""/>
         <dsp:cNvSpPr/>
       </dsp:nvSpPr>
       <dsp:spPr>
         <a:xfrm>
-          <a:off x="9467319" y="2540713"/>
-          <a:ext cx="859482" cy="429741"/>
+          <a:off x="10882517" y="1683398"/>
+          <a:ext cx="1047377" cy="523688"/>
         </a:xfrm>
         <a:prstGeom prst="rect">
           <a:avLst/>
@@ -7545,12 +6792,12 @@
         </a:fontRef>
       </dsp:style>
       <dsp:txBody>
-        <a:bodyPr spcFirstLastPara="0" vert="horz" wrap="square" lIns="6350" tIns="6350" rIns="6350" bIns="6350" numCol="1" spcCol="1270" anchor="ctr" anchorCtr="0">
+        <a:bodyPr spcFirstLastPara="0" vert="horz" wrap="square" lIns="7620" tIns="7620" rIns="7620" bIns="7620" numCol="1" spcCol="1270" anchor="ctr" anchorCtr="0">
           <a:noAutofit/>
         </a:bodyPr>
         <a:lstStyle/>
         <a:p>
-          <a:pPr marL="0" lvl="0" indent="0" algn="ctr" defTabSz="444500" latinLnBrk="1">
+          <a:pPr marL="0" lvl="0" indent="0" algn="ctr" defTabSz="533400" latinLnBrk="1">
             <a:lnSpc>
               <a:spcPct val="90000"/>
             </a:lnSpc>
@@ -7563,25 +6810,25 @@
             <a:buNone/>
           </a:pPr>
           <a:r>
-            <a:rPr lang="ko-KR" altLang="en-US" sz="1000" kern="1200" dirty="0"/>
-            <a:t>이미지</a:t>
+            <a:rPr lang="ko-KR" altLang="en-US" sz="1200" kern="1200" dirty="0"/>
+            <a:t>검색</a:t>
           </a:r>
         </a:p>
       </dsp:txBody>
       <dsp:txXfrm>
-        <a:off x="9467319" y="2540713"/>
-        <a:ext cx="859482" cy="429741"/>
+        <a:off x="10882517" y="1683398"/>
+        <a:ext cx="1047377" cy="523688"/>
       </dsp:txXfrm>
     </dsp:sp>
-    <dsp:sp modelId="{AFFD236A-6B48-41FD-B6EB-C7E4C9650A79}">
+    <dsp:sp modelId="{9094D8D8-38C3-4346-920F-8F63E11E87E4}">
       <dsp:nvSpPr>
         <dsp:cNvPr id="0" name=""/>
         <dsp:cNvSpPr/>
       </dsp:nvSpPr>
       <dsp:spPr>
         <a:xfrm>
-          <a:off x="8947332" y="3167903"/>
-          <a:ext cx="859482" cy="429741"/>
+          <a:off x="11144361" y="2427036"/>
+          <a:ext cx="1047377" cy="523688"/>
         </a:xfrm>
         <a:prstGeom prst="rect">
           <a:avLst/>
@@ -7623,12 +6870,12 @@
         </a:fontRef>
       </dsp:style>
       <dsp:txBody>
-        <a:bodyPr spcFirstLastPara="0" vert="horz" wrap="square" lIns="6350" tIns="6350" rIns="6350" bIns="6350" numCol="1" spcCol="1270" anchor="ctr" anchorCtr="0">
+        <a:bodyPr spcFirstLastPara="0" vert="horz" wrap="square" lIns="7620" tIns="7620" rIns="7620" bIns="7620" numCol="1" spcCol="1270" anchor="ctr" anchorCtr="0">
           <a:noAutofit/>
         </a:bodyPr>
         <a:lstStyle/>
         <a:p>
-          <a:pPr marL="0" lvl="0" indent="0" algn="ctr" defTabSz="444500" latinLnBrk="1">
+          <a:pPr marL="0" lvl="0" indent="0" algn="ctr" defTabSz="533400" latinLnBrk="1">
             <a:lnSpc>
               <a:spcPct val="90000"/>
             </a:lnSpc>
@@ -7641,404 +6888,14 @@
             <a:buNone/>
           </a:pPr>
           <a:r>
-            <a:rPr lang="ko-KR" altLang="en-US" sz="1000" kern="1200" dirty="0"/>
-            <a:t>무료</a:t>
-          </a:r>
-        </a:p>
-      </dsp:txBody>
-      <dsp:txXfrm>
-        <a:off x="8947332" y="3167903"/>
-        <a:ext cx="859482" cy="429741"/>
-      </dsp:txXfrm>
-    </dsp:sp>
-    <dsp:sp modelId="{8EAFEB7F-FBA0-4433-996F-F79724D317D5}">
-      <dsp:nvSpPr>
-        <dsp:cNvPr id="0" name=""/>
-        <dsp:cNvSpPr/>
-      </dsp:nvSpPr>
-      <dsp:spPr>
-        <a:xfrm>
-          <a:off x="9987306" y="3167611"/>
-          <a:ext cx="859482" cy="429741"/>
-        </a:xfrm>
-        <a:prstGeom prst="rect">
-          <a:avLst/>
-        </a:prstGeom>
-        <a:solidFill>
-          <a:schemeClr val="accent1">
-            <a:hueOff val="0"/>
-            <a:satOff val="0"/>
-            <a:lumOff val="0"/>
-            <a:alphaOff val="0"/>
-          </a:schemeClr>
-        </a:solidFill>
-        <a:ln w="12700" cap="flat" cmpd="sng" algn="ctr">
-          <a:solidFill>
-            <a:schemeClr val="lt1">
-              <a:hueOff val="0"/>
-              <a:satOff val="0"/>
-              <a:lumOff val="0"/>
-              <a:alphaOff val="0"/>
-            </a:schemeClr>
-          </a:solidFill>
-          <a:prstDash val="solid"/>
-          <a:miter lim="800000"/>
-        </a:ln>
-        <a:effectLst/>
-      </dsp:spPr>
-      <dsp:style>
-        <a:lnRef idx="2">
-          <a:scrgbClr r="0" g="0" b="0"/>
-        </a:lnRef>
-        <a:fillRef idx="1">
-          <a:scrgbClr r="0" g="0" b="0"/>
-        </a:fillRef>
-        <a:effectRef idx="0">
-          <a:scrgbClr r="0" g="0" b="0"/>
-        </a:effectRef>
-        <a:fontRef idx="minor">
-          <a:schemeClr val="lt1"/>
-        </a:fontRef>
-      </dsp:style>
-      <dsp:txBody>
-        <a:bodyPr spcFirstLastPara="0" vert="horz" wrap="square" lIns="6350" tIns="6350" rIns="6350" bIns="6350" numCol="1" spcCol="1270" anchor="ctr" anchorCtr="0">
-          <a:noAutofit/>
-        </a:bodyPr>
-        <a:lstStyle/>
-        <a:p>
-          <a:pPr marL="0" lvl="0" indent="0" algn="ctr" defTabSz="444500" latinLnBrk="1">
-            <a:lnSpc>
-              <a:spcPct val="90000"/>
-            </a:lnSpc>
-            <a:spcBef>
-              <a:spcPct val="0"/>
-            </a:spcBef>
-            <a:spcAft>
-              <a:spcPct val="35000"/>
-            </a:spcAft>
-            <a:buNone/>
-          </a:pPr>
-          <a:r>
-            <a:rPr lang="ko-KR" altLang="en-US" sz="1000" kern="1200" dirty="0"/>
-            <a:t>유료</a:t>
-          </a:r>
-        </a:p>
-      </dsp:txBody>
-      <dsp:txXfrm>
-        <a:off x="9987306" y="3167611"/>
-        <a:ext cx="859482" cy="429741"/>
-      </dsp:txXfrm>
-    </dsp:sp>
-    <dsp:sp modelId="{9359723F-E67B-4803-863B-567E48CF26A5}">
-      <dsp:nvSpPr>
-        <dsp:cNvPr id="0" name=""/>
-        <dsp:cNvSpPr/>
-      </dsp:nvSpPr>
-      <dsp:spPr>
-        <a:xfrm>
-          <a:off x="10202177" y="3761178"/>
-          <a:ext cx="859482" cy="429741"/>
-        </a:xfrm>
-        <a:prstGeom prst="rect">
-          <a:avLst/>
-        </a:prstGeom>
-        <a:solidFill>
-          <a:schemeClr val="accent1">
-            <a:hueOff val="0"/>
-            <a:satOff val="0"/>
-            <a:lumOff val="0"/>
-            <a:alphaOff val="0"/>
-          </a:schemeClr>
-        </a:solidFill>
-        <a:ln w="12700" cap="flat" cmpd="sng" algn="ctr">
-          <a:solidFill>
-            <a:schemeClr val="lt1">
-              <a:hueOff val="0"/>
-              <a:satOff val="0"/>
-              <a:lumOff val="0"/>
-              <a:alphaOff val="0"/>
-            </a:schemeClr>
-          </a:solidFill>
-          <a:prstDash val="solid"/>
-          <a:miter lim="800000"/>
-        </a:ln>
-        <a:effectLst/>
-      </dsp:spPr>
-      <dsp:style>
-        <a:lnRef idx="2">
-          <a:scrgbClr r="0" g="0" b="0"/>
-        </a:lnRef>
-        <a:fillRef idx="1">
-          <a:scrgbClr r="0" g="0" b="0"/>
-        </a:fillRef>
-        <a:effectRef idx="0">
-          <a:scrgbClr r="0" g="0" b="0"/>
-        </a:effectRef>
-        <a:fontRef idx="minor">
-          <a:schemeClr val="lt1"/>
-        </a:fontRef>
-      </dsp:style>
-      <dsp:txBody>
-        <a:bodyPr spcFirstLastPara="0" vert="horz" wrap="square" lIns="6350" tIns="6350" rIns="6350" bIns="6350" numCol="1" spcCol="1270" anchor="ctr" anchorCtr="0">
-          <a:noAutofit/>
-        </a:bodyPr>
-        <a:lstStyle/>
-        <a:p>
-          <a:pPr marL="0" lvl="0" indent="0" algn="ctr" defTabSz="444500" latinLnBrk="1">
-            <a:lnSpc>
-              <a:spcPct val="90000"/>
-            </a:lnSpc>
-            <a:spcBef>
-              <a:spcPct val="0"/>
-            </a:spcBef>
-            <a:spcAft>
-              <a:spcPct val="35000"/>
-            </a:spcAft>
-            <a:buNone/>
-          </a:pPr>
-          <a:r>
-            <a:rPr lang="ko-KR" altLang="en-US" sz="1000" kern="1200" dirty="0"/>
-            <a:t>결제페이지</a:t>
-          </a:r>
-        </a:p>
-      </dsp:txBody>
-      <dsp:txXfrm>
-        <a:off x="10202177" y="3761178"/>
-        <a:ext cx="859482" cy="429741"/>
-      </dsp:txXfrm>
-    </dsp:sp>
-    <dsp:sp modelId="{E96E4039-AAE6-48BB-AEC6-DA4B35BF430D}">
-      <dsp:nvSpPr>
-        <dsp:cNvPr id="0" name=""/>
-        <dsp:cNvSpPr/>
-      </dsp:nvSpPr>
-      <dsp:spPr>
-        <a:xfrm>
-          <a:off x="10292422" y="1930480"/>
-          <a:ext cx="859482" cy="429741"/>
-        </a:xfrm>
-        <a:prstGeom prst="rect">
-          <a:avLst/>
-        </a:prstGeom>
-        <a:solidFill>
-          <a:schemeClr val="accent1">
-            <a:hueOff val="0"/>
-            <a:satOff val="0"/>
-            <a:lumOff val="0"/>
-            <a:alphaOff val="0"/>
-          </a:schemeClr>
-        </a:solidFill>
-        <a:ln w="12700" cap="flat" cmpd="sng" algn="ctr">
-          <a:solidFill>
-            <a:schemeClr val="lt1">
-              <a:hueOff val="0"/>
-              <a:satOff val="0"/>
-              <a:lumOff val="0"/>
-              <a:alphaOff val="0"/>
-            </a:schemeClr>
-          </a:solidFill>
-          <a:prstDash val="solid"/>
-          <a:miter lim="800000"/>
-        </a:ln>
-        <a:effectLst/>
-      </dsp:spPr>
-      <dsp:style>
-        <a:lnRef idx="2">
-          <a:scrgbClr r="0" g="0" b="0"/>
-        </a:lnRef>
-        <a:fillRef idx="1">
-          <a:scrgbClr r="0" g="0" b="0"/>
-        </a:fillRef>
-        <a:effectRef idx="0">
-          <a:scrgbClr r="0" g="0" b="0"/>
-        </a:effectRef>
-        <a:fontRef idx="minor">
-          <a:schemeClr val="lt1"/>
-        </a:fontRef>
-      </dsp:style>
-      <dsp:txBody>
-        <a:bodyPr spcFirstLastPara="0" vert="horz" wrap="square" lIns="6350" tIns="6350" rIns="6350" bIns="6350" numCol="1" spcCol="1270" anchor="ctr" anchorCtr="0">
-          <a:noAutofit/>
-        </a:bodyPr>
-        <a:lstStyle/>
-        <a:p>
-          <a:pPr marL="0" lvl="0" indent="0" algn="ctr" defTabSz="444500" latinLnBrk="1">
-            <a:lnSpc>
-              <a:spcPct val="90000"/>
-            </a:lnSpc>
-            <a:spcBef>
-              <a:spcPct val="0"/>
-            </a:spcBef>
-            <a:spcAft>
-              <a:spcPct val="35000"/>
-            </a:spcAft>
-            <a:buNone/>
-          </a:pPr>
-          <a:r>
-            <a:rPr lang="ko-KR" altLang="en-US" sz="1000" kern="1200" dirty="0"/>
-            <a:t>검색</a:t>
-          </a:r>
-        </a:p>
-      </dsp:txBody>
-      <dsp:txXfrm>
-        <a:off x="10292422" y="1930480"/>
-        <a:ext cx="859482" cy="429741"/>
-      </dsp:txXfrm>
-    </dsp:sp>
-    <dsp:sp modelId="{9094D8D8-38C3-4346-920F-8F63E11E87E4}">
-      <dsp:nvSpPr>
-        <dsp:cNvPr id="0" name=""/>
-        <dsp:cNvSpPr/>
-      </dsp:nvSpPr>
-      <dsp:spPr>
-        <a:xfrm>
-          <a:off x="10507293" y="2540713"/>
-          <a:ext cx="859482" cy="429741"/>
-        </a:xfrm>
-        <a:prstGeom prst="rect">
-          <a:avLst/>
-        </a:prstGeom>
-        <a:solidFill>
-          <a:schemeClr val="accent1">
-            <a:hueOff val="0"/>
-            <a:satOff val="0"/>
-            <a:lumOff val="0"/>
-            <a:alphaOff val="0"/>
-          </a:schemeClr>
-        </a:solidFill>
-        <a:ln w="12700" cap="flat" cmpd="sng" algn="ctr">
-          <a:solidFill>
-            <a:schemeClr val="lt1">
-              <a:hueOff val="0"/>
-              <a:satOff val="0"/>
-              <a:lumOff val="0"/>
-              <a:alphaOff val="0"/>
-            </a:schemeClr>
-          </a:solidFill>
-          <a:prstDash val="solid"/>
-          <a:miter lim="800000"/>
-        </a:ln>
-        <a:effectLst/>
-      </dsp:spPr>
-      <dsp:style>
-        <a:lnRef idx="2">
-          <a:scrgbClr r="0" g="0" b="0"/>
-        </a:lnRef>
-        <a:fillRef idx="1">
-          <a:scrgbClr r="0" g="0" b="0"/>
-        </a:fillRef>
-        <a:effectRef idx="0">
-          <a:scrgbClr r="0" g="0" b="0"/>
-        </a:effectRef>
-        <a:fontRef idx="minor">
-          <a:schemeClr val="lt1"/>
-        </a:fontRef>
-      </dsp:style>
-      <dsp:txBody>
-        <a:bodyPr spcFirstLastPara="0" vert="horz" wrap="square" lIns="6350" tIns="6350" rIns="6350" bIns="6350" numCol="1" spcCol="1270" anchor="ctr" anchorCtr="0">
-          <a:noAutofit/>
-        </a:bodyPr>
-        <a:lstStyle/>
-        <a:p>
-          <a:pPr marL="0" lvl="0" indent="0" algn="ctr" defTabSz="444500" latinLnBrk="1">
-            <a:lnSpc>
-              <a:spcPct val="90000"/>
-            </a:lnSpc>
-            <a:spcBef>
-              <a:spcPct val="0"/>
-            </a:spcBef>
-            <a:spcAft>
-              <a:spcPct val="35000"/>
-            </a:spcAft>
-            <a:buNone/>
-          </a:pPr>
-          <a:r>
-            <a:rPr lang="ko-KR" altLang="en-US" sz="1000" kern="1200" dirty="0"/>
+            <a:rPr lang="ko-KR" altLang="en-US" sz="1200" kern="1200" dirty="0"/>
             <a:t>검색결과</a:t>
           </a:r>
         </a:p>
       </dsp:txBody>
       <dsp:txXfrm>
-        <a:off x="10507293" y="2540713"/>
-        <a:ext cx="859482" cy="429741"/>
-      </dsp:txXfrm>
-    </dsp:sp>
-    <dsp:sp modelId="{4D6DCFC9-CDB4-4D1B-9D2C-08DCAE76A815}">
-      <dsp:nvSpPr>
-        <dsp:cNvPr id="0" name=""/>
-        <dsp:cNvSpPr/>
-      </dsp:nvSpPr>
-      <dsp:spPr>
-        <a:xfrm>
-          <a:off x="11332396" y="1930480"/>
-          <a:ext cx="859482" cy="429741"/>
-        </a:xfrm>
-        <a:prstGeom prst="rect">
-          <a:avLst/>
-        </a:prstGeom>
-        <a:solidFill>
-          <a:schemeClr val="accent1">
-            <a:hueOff val="0"/>
-            <a:satOff val="0"/>
-            <a:lumOff val="0"/>
-            <a:alphaOff val="0"/>
-          </a:schemeClr>
-        </a:solidFill>
-        <a:ln w="12700" cap="flat" cmpd="sng" algn="ctr">
-          <a:solidFill>
-            <a:schemeClr val="lt1">
-              <a:hueOff val="0"/>
-              <a:satOff val="0"/>
-              <a:lumOff val="0"/>
-              <a:alphaOff val="0"/>
-            </a:schemeClr>
-          </a:solidFill>
-          <a:prstDash val="solid"/>
-          <a:miter lim="800000"/>
-        </a:ln>
-        <a:effectLst/>
-      </dsp:spPr>
-      <dsp:style>
-        <a:lnRef idx="2">
-          <a:scrgbClr r="0" g="0" b="0"/>
-        </a:lnRef>
-        <a:fillRef idx="1">
-          <a:scrgbClr r="0" g="0" b="0"/>
-        </a:fillRef>
-        <a:effectRef idx="0">
-          <a:scrgbClr r="0" g="0" b="0"/>
-        </a:effectRef>
-        <a:fontRef idx="minor">
-          <a:schemeClr val="lt1"/>
-        </a:fontRef>
-      </dsp:style>
-      <dsp:txBody>
-        <a:bodyPr spcFirstLastPara="0" vert="horz" wrap="square" lIns="6350" tIns="6350" rIns="6350" bIns="6350" numCol="1" spcCol="1270" anchor="ctr" anchorCtr="0">
-          <a:noAutofit/>
-        </a:bodyPr>
-        <a:lstStyle/>
-        <a:p>
-          <a:pPr marL="0" lvl="0" indent="0" algn="ctr" defTabSz="444500" latinLnBrk="1">
-            <a:lnSpc>
-              <a:spcPct val="90000"/>
-            </a:lnSpc>
-            <a:spcBef>
-              <a:spcPct val="0"/>
-            </a:spcBef>
-            <a:spcAft>
-              <a:spcPct val="35000"/>
-            </a:spcAft>
-            <a:buNone/>
-          </a:pPr>
-          <a:r>
-            <a:rPr lang="ko-KR" altLang="en-US" sz="1000" kern="1200" dirty="0"/>
-            <a:t>테마변경</a:t>
-          </a:r>
-        </a:p>
-      </dsp:txBody>
-      <dsp:txXfrm>
-        <a:off x="11332396" y="1930480"/>
-        <a:ext cx="859482" cy="429741"/>
+        <a:off x="11144361" y="2427036"/>
+        <a:ext cx="1047377" cy="523688"/>
       </dsp:txXfrm>
     </dsp:sp>
   </dsp:spTree>
@@ -10372,7 +9229,7 @@
           <a:p>
             <a:fld id="{27609136-5E7D-4F05-9F92-740AE04E8768}" type="datetimeFigureOut">
               <a:rPr lang="ko-KR" altLang="en-US" smtClean="0"/>
-              <a:t>2023-01-20</a:t>
+              <a:t>2023-02-06</a:t>
             </a:fld>
             <a:endParaRPr lang="ko-KR" altLang="en-US"/>
           </a:p>
@@ -10570,7 +9427,7 @@
           <a:p>
             <a:fld id="{27609136-5E7D-4F05-9F92-740AE04E8768}" type="datetimeFigureOut">
               <a:rPr lang="ko-KR" altLang="en-US" smtClean="0"/>
-              <a:t>2023-01-20</a:t>
+              <a:t>2023-02-06</a:t>
             </a:fld>
             <a:endParaRPr lang="ko-KR" altLang="en-US"/>
           </a:p>
@@ -10778,7 +9635,7 @@
           <a:p>
             <a:fld id="{27609136-5E7D-4F05-9F92-740AE04E8768}" type="datetimeFigureOut">
               <a:rPr lang="ko-KR" altLang="en-US" smtClean="0"/>
-              <a:t>2023-01-20</a:t>
+              <a:t>2023-02-06</a:t>
             </a:fld>
             <a:endParaRPr lang="ko-KR" altLang="en-US"/>
           </a:p>
@@ -10976,7 +9833,7 @@
           <a:p>
             <a:fld id="{27609136-5E7D-4F05-9F92-740AE04E8768}" type="datetimeFigureOut">
               <a:rPr lang="ko-KR" altLang="en-US" smtClean="0"/>
-              <a:t>2023-01-20</a:t>
+              <a:t>2023-02-06</a:t>
             </a:fld>
             <a:endParaRPr lang="ko-KR" altLang="en-US"/>
           </a:p>
@@ -11251,7 +10108,7 @@
           <a:p>
             <a:fld id="{27609136-5E7D-4F05-9F92-740AE04E8768}" type="datetimeFigureOut">
               <a:rPr lang="ko-KR" altLang="en-US" smtClean="0"/>
-              <a:t>2023-01-20</a:t>
+              <a:t>2023-02-06</a:t>
             </a:fld>
             <a:endParaRPr lang="ko-KR" altLang="en-US"/>
           </a:p>
@@ -11516,7 +10373,7 @@
           <a:p>
             <a:fld id="{27609136-5E7D-4F05-9F92-740AE04E8768}" type="datetimeFigureOut">
               <a:rPr lang="ko-KR" altLang="en-US" smtClean="0"/>
-              <a:t>2023-01-20</a:t>
+              <a:t>2023-02-06</a:t>
             </a:fld>
             <a:endParaRPr lang="ko-KR" altLang="en-US"/>
           </a:p>
@@ -11928,7 +10785,7 @@
           <a:p>
             <a:fld id="{27609136-5E7D-4F05-9F92-740AE04E8768}" type="datetimeFigureOut">
               <a:rPr lang="ko-KR" altLang="en-US" smtClean="0"/>
-              <a:t>2023-01-20</a:t>
+              <a:t>2023-02-06</a:t>
             </a:fld>
             <a:endParaRPr lang="ko-KR" altLang="en-US"/>
           </a:p>
@@ -12069,7 +10926,7 @@
           <a:p>
             <a:fld id="{27609136-5E7D-4F05-9F92-740AE04E8768}" type="datetimeFigureOut">
               <a:rPr lang="ko-KR" altLang="en-US" smtClean="0"/>
-              <a:t>2023-01-20</a:t>
+              <a:t>2023-02-06</a:t>
             </a:fld>
             <a:endParaRPr lang="ko-KR" altLang="en-US"/>
           </a:p>
@@ -12182,7 +11039,7 @@
           <a:p>
             <a:fld id="{27609136-5E7D-4F05-9F92-740AE04E8768}" type="datetimeFigureOut">
               <a:rPr lang="ko-KR" altLang="en-US" smtClean="0"/>
-              <a:t>2023-01-20</a:t>
+              <a:t>2023-02-06</a:t>
             </a:fld>
             <a:endParaRPr lang="ko-KR" altLang="en-US"/>
           </a:p>
@@ -12493,7 +11350,7 @@
           <a:p>
             <a:fld id="{27609136-5E7D-4F05-9F92-740AE04E8768}" type="datetimeFigureOut">
               <a:rPr lang="ko-KR" altLang="en-US" smtClean="0"/>
-              <a:t>2023-01-20</a:t>
+              <a:t>2023-02-06</a:t>
             </a:fld>
             <a:endParaRPr lang="ko-KR" altLang="en-US"/>
           </a:p>
@@ -12781,7 +11638,7 @@
           <a:p>
             <a:fld id="{27609136-5E7D-4F05-9F92-740AE04E8768}" type="datetimeFigureOut">
               <a:rPr lang="ko-KR" altLang="en-US" smtClean="0"/>
-              <a:t>2023-01-20</a:t>
+              <a:t>2023-02-06</a:t>
             </a:fld>
             <a:endParaRPr lang="ko-KR" altLang="en-US"/>
           </a:p>
@@ -13022,7 +11879,7 @@
           <a:p>
             <a:fld id="{27609136-5E7D-4F05-9F92-740AE04E8768}" type="datetimeFigureOut">
               <a:rPr lang="ko-KR" altLang="en-US" smtClean="0"/>
-              <a:t>2023-01-20</a:t>
+              <a:t>2023-02-06</a:t>
             </a:fld>
             <a:endParaRPr lang="ko-KR" altLang="en-US"/>
           </a:p>
@@ -13531,108 +12388,170 @@
           <a:chExt cx="0" cy="0"/>
         </a:xfrm>
       </p:grpSpPr>
-      <p:graphicFrame>
-        <p:nvGraphicFramePr>
-          <p:cNvPr id="9" name="다이어그램 8">
+      <p:grpSp>
+        <p:nvGrpSpPr>
+          <p:cNvPr id="19" name="그룹 18">
             <a:extLst>
               <a:ext uri="{FF2B5EF4-FFF2-40B4-BE49-F238E27FC236}">
-                <a16:creationId xmlns:a16="http://schemas.microsoft.com/office/drawing/2014/main" id="{51B4A9C7-6286-69CB-29E9-9AE4EE59CCC2}"/>
+                <a16:creationId xmlns:a16="http://schemas.microsoft.com/office/drawing/2014/main" id="{36158B50-B8AD-BF06-AB61-7C2CEF58D3E9}"/>
               </a:ext>
             </a:extLst>
           </p:cNvPr>
-          <p:cNvGraphicFramePr/>
-          <p:nvPr>
-            <p:extLst>
-              <p:ext uri="{D42A27DB-BD31-4B8C-83A1-F6EECF244321}">
-                <p14:modId xmlns:p14="http://schemas.microsoft.com/office/powerpoint/2010/main" val="641716540"/>
-              </p:ext>
-            </p:extLst>
-          </p:nvPr>
-        </p:nvGraphicFramePr>
-        <p:xfrm>
-          <a:off x="0" y="736600"/>
-          <a:ext cx="12192000" cy="6121400"/>
-        </p:xfrm>
-        <a:graphic>
-          <a:graphicData uri="http://schemas.openxmlformats.org/drawingml/2006/diagram">
-            <dgm:relIds xmlns:dgm="http://schemas.openxmlformats.org/drawingml/2006/diagram" xmlns:r="http://schemas.openxmlformats.org/officeDocument/2006/relationships" r:dm="rId2" r:lo="rId3" r:qs="rId4" r:cs="rId5"/>
-          </a:graphicData>
-        </a:graphic>
-      </p:graphicFrame>
-      <p:cxnSp>
-        <p:nvCxnSpPr>
-          <p:cNvPr id="11" name="직선 연결선 10">
-            <a:extLst>
-              <a:ext uri="{FF2B5EF4-FFF2-40B4-BE49-F238E27FC236}">
-                <a16:creationId xmlns:a16="http://schemas.microsoft.com/office/drawing/2014/main" id="{B57246A9-C5B1-5FB3-4E64-C3EA9152AF14}"/>
-              </a:ext>
-            </a:extLst>
-          </p:cNvPr>
-          <p:cNvCxnSpPr/>
+          <p:cNvGrpSpPr/>
           <p:nvPr/>
-        </p:nvCxnSpPr>
-        <p:spPr>
+        </p:nvGrpSpPr>
+        <p:grpSpPr>
           <a:xfrm>
-            <a:off x="7687734" y="4724392"/>
-            <a:ext cx="254000" cy="0"/>
+            <a:off x="0" y="736600"/>
+            <a:ext cx="12192000" cy="6121400"/>
+            <a:chOff x="0" y="736600"/>
+            <a:chExt cx="12192000" cy="6121400"/>
           </a:xfrm>
-          <a:prstGeom prst="line">
-            <a:avLst/>
-          </a:prstGeom>
-        </p:spPr>
-        <p:style>
-          <a:lnRef idx="1">
-            <a:schemeClr val="accent1"/>
-          </a:lnRef>
-          <a:fillRef idx="0">
-            <a:schemeClr val="accent1"/>
-          </a:fillRef>
-          <a:effectRef idx="0">
-            <a:schemeClr val="accent1"/>
-          </a:effectRef>
-          <a:fontRef idx="minor">
-            <a:schemeClr val="tx1"/>
-          </a:fontRef>
-        </p:style>
-      </p:cxnSp>
-      <p:cxnSp>
-        <p:nvCxnSpPr>
-          <p:cNvPr id="2" name="직선 연결선 1">
-            <a:extLst>
-              <a:ext uri="{FF2B5EF4-FFF2-40B4-BE49-F238E27FC236}">
-                <a16:creationId xmlns:a16="http://schemas.microsoft.com/office/drawing/2014/main" id="{FBADBC7E-A100-0A61-B4DB-0EDA2922CED9}"/>
-              </a:ext>
-            </a:extLst>
-          </p:cNvPr>
-          <p:cNvCxnSpPr>
-            <a:cxnSpLocks/>
-          </p:cNvCxnSpPr>
-          <p:nvPr/>
-        </p:nvCxnSpPr>
-        <p:spPr>
-          <a:xfrm>
-            <a:off x="7298267" y="4885259"/>
-            <a:ext cx="0" cy="254008"/>
-          </a:xfrm>
-          <a:prstGeom prst="line">
-            <a:avLst/>
-          </a:prstGeom>
-        </p:spPr>
-        <p:style>
-          <a:lnRef idx="1">
-            <a:schemeClr val="accent1"/>
-          </a:lnRef>
-          <a:fillRef idx="0">
-            <a:schemeClr val="accent1"/>
-          </a:fillRef>
-          <a:effectRef idx="0">
-            <a:schemeClr val="accent1"/>
-          </a:effectRef>
-          <a:fontRef idx="minor">
-            <a:schemeClr val="tx1"/>
-          </a:fontRef>
-        </p:style>
-      </p:cxnSp>
+        </p:grpSpPr>
+        <p:graphicFrame>
+          <p:nvGraphicFramePr>
+            <p:cNvPr id="9" name="다이어그램 8">
+              <a:extLst>
+                <a:ext uri="{FF2B5EF4-FFF2-40B4-BE49-F238E27FC236}">
+                  <a16:creationId xmlns:a16="http://schemas.microsoft.com/office/drawing/2014/main" id="{51B4A9C7-6286-69CB-29E9-9AE4EE59CCC2}"/>
+                </a:ext>
+              </a:extLst>
+            </p:cNvPr>
+            <p:cNvGraphicFramePr/>
+            <p:nvPr>
+              <p:extLst>
+                <p:ext uri="{D42A27DB-BD31-4B8C-83A1-F6EECF244321}">
+                  <p14:modId xmlns:p14="http://schemas.microsoft.com/office/powerpoint/2010/main" val="3090736037"/>
+                </p:ext>
+              </p:extLst>
+            </p:nvPr>
+          </p:nvGraphicFramePr>
+          <p:xfrm>
+            <a:off x="0" y="736600"/>
+            <a:ext cx="12192000" cy="6121400"/>
+          </p:xfrm>
+          <a:graphic>
+            <a:graphicData uri="http://schemas.openxmlformats.org/drawingml/2006/diagram">
+              <dgm:relIds xmlns:dgm="http://schemas.openxmlformats.org/drawingml/2006/diagram" xmlns:r="http://schemas.openxmlformats.org/officeDocument/2006/relationships" r:dm="rId2" r:lo="rId3" r:qs="rId4" r:cs="rId5"/>
+            </a:graphicData>
+          </a:graphic>
+        </p:graphicFrame>
+        <p:cxnSp>
+          <p:nvCxnSpPr>
+            <p:cNvPr id="11" name="직선 연결선 10">
+              <a:extLst>
+                <a:ext uri="{FF2B5EF4-FFF2-40B4-BE49-F238E27FC236}">
+                  <a16:creationId xmlns:a16="http://schemas.microsoft.com/office/drawing/2014/main" id="{B57246A9-C5B1-5FB3-4E64-C3EA9152AF14}"/>
+                </a:ext>
+              </a:extLst>
+            </p:cNvPr>
+            <p:cNvCxnSpPr/>
+            <p:nvPr/>
+          </p:nvCxnSpPr>
+          <p:spPr>
+            <a:xfrm>
+              <a:off x="10398277" y="4934245"/>
+              <a:ext cx="254000" cy="0"/>
+            </a:xfrm>
+            <a:prstGeom prst="line">
+              <a:avLst/>
+            </a:prstGeom>
+          </p:spPr>
+          <p:style>
+            <a:lnRef idx="1">
+              <a:schemeClr val="accent1"/>
+            </a:lnRef>
+            <a:fillRef idx="0">
+              <a:schemeClr val="accent1"/>
+            </a:fillRef>
+            <a:effectRef idx="0">
+              <a:schemeClr val="accent1"/>
+            </a:effectRef>
+            <a:fontRef idx="minor">
+              <a:schemeClr val="tx1"/>
+            </a:fontRef>
+          </p:style>
+        </p:cxnSp>
+        <p:cxnSp>
+          <p:nvCxnSpPr>
+            <p:cNvPr id="2" name="직선 연결선 1">
+              <a:extLst>
+                <a:ext uri="{FF2B5EF4-FFF2-40B4-BE49-F238E27FC236}">
+                  <a16:creationId xmlns:a16="http://schemas.microsoft.com/office/drawing/2014/main" id="{FBADBC7E-A100-0A61-B4DB-0EDA2922CED9}"/>
+                </a:ext>
+              </a:extLst>
+            </p:cNvPr>
+            <p:cNvCxnSpPr>
+              <a:cxnSpLocks/>
+            </p:cNvCxnSpPr>
+            <p:nvPr/>
+          </p:nvCxnSpPr>
+          <p:spPr>
+            <a:xfrm>
+              <a:off x="9886346" y="5153764"/>
+              <a:ext cx="0" cy="254008"/>
+            </a:xfrm>
+            <a:prstGeom prst="line">
+              <a:avLst/>
+            </a:prstGeom>
+          </p:spPr>
+          <p:style>
+            <a:lnRef idx="1">
+              <a:schemeClr val="accent1"/>
+            </a:lnRef>
+            <a:fillRef idx="0">
+              <a:schemeClr val="accent1"/>
+            </a:fillRef>
+            <a:effectRef idx="0">
+              <a:schemeClr val="accent1"/>
+            </a:effectRef>
+            <a:fontRef idx="minor">
+              <a:schemeClr val="tx1"/>
+            </a:fontRef>
+          </p:style>
+        </p:cxnSp>
+        <p:cxnSp>
+          <p:nvCxnSpPr>
+            <p:cNvPr id="5" name="연결선: 꺾임 4">
+              <a:extLst>
+                <a:ext uri="{FF2B5EF4-FFF2-40B4-BE49-F238E27FC236}">
+                  <a16:creationId xmlns:a16="http://schemas.microsoft.com/office/drawing/2014/main" id="{64788673-EE7A-7171-2A2A-CAC72F27B655}"/>
+                </a:ext>
+              </a:extLst>
+            </p:cNvPr>
+            <p:cNvCxnSpPr>
+              <a:cxnSpLocks/>
+            </p:cNvCxnSpPr>
+            <p:nvPr/>
+          </p:nvCxnSpPr>
+          <p:spPr>
+            <a:xfrm rot="10800000" flipV="1">
+              <a:off x="7411453" y="3590223"/>
+              <a:ext cx="935170" cy="577516"/>
+            </a:xfrm>
+            <a:prstGeom prst="bentConnector3">
+              <a:avLst>
+                <a:gd name="adj1" fmla="val 50000"/>
+              </a:avLst>
+            </a:prstGeom>
+            <a:ln w="12700"/>
+          </p:spPr>
+          <p:style>
+            <a:lnRef idx="1">
+              <a:schemeClr val="accent1"/>
+            </a:lnRef>
+            <a:fillRef idx="0">
+              <a:schemeClr val="accent1"/>
+            </a:fillRef>
+            <a:effectRef idx="0">
+              <a:schemeClr val="accent1"/>
+            </a:effectRef>
+            <a:fontRef idx="minor">
+              <a:schemeClr val="tx1"/>
+            </a:fontRef>
+          </p:style>
+        </p:cxnSp>
+      </p:grpSp>
     </p:spTree>
     <p:extLst>
       <p:ext uri="{BB962C8B-B14F-4D97-AF65-F5344CB8AC3E}">
